--- a/images/nasa-ammos-smallsat-toolkit-architecture-diagram.pptx
+++ b/images/nasa-ammos-smallsat-toolkit-architecture-diagram.pptx
@@ -171,7 +171,7 @@
           </a:lstStyle>
           <a:p>
             <a:r>
-              <a:rPr lang="en-US" smtClean="0"/>
+              <a:rPr lang="en-US"/>
               <a:t>Click to edit Master title style</a:t>
             </a:r>
             <a:endParaRPr lang="en-US" dirty="0"/>
@@ -236,7 +236,7 @@
           </a:lstStyle>
           <a:p>
             <a:r>
-              <a:rPr lang="en-US" smtClean="0"/>
+              <a:rPr lang="en-US"/>
               <a:t>Click to edit Master subtitle style</a:t>
             </a:r>
             <a:endParaRPr lang="en-US" dirty="0"/>
@@ -260,7 +260,7 @@
           <a:p>
             <a:fld id="{CD4867BA-9107-4E6F-9EA9-0922E06396EE}" type="datetimeFigureOut">
               <a:rPr lang="en-US" smtClean="0"/>
-              <a:t>9/9/2021</a:t>
+              <a:t>9/22/2021</a:t>
             </a:fld>
             <a:endParaRPr lang="en-US" dirty="0"/>
           </a:p>
@@ -354,7 +354,7 @@
           <a:lstStyle/>
           <a:p>
             <a:r>
-              <a:rPr lang="en-US" smtClean="0"/>
+              <a:rPr lang="en-US"/>
               <a:t>Click to edit Master title style</a:t>
             </a:r>
             <a:endParaRPr lang="en-US" dirty="0"/>
@@ -378,35 +378,35 @@
           <a:p>
             <a:pPr lvl="0"/>
             <a:r>
-              <a:rPr lang="en-US" smtClean="0"/>
+              <a:rPr lang="en-US"/>
               <a:t>Edit Master text styles</a:t>
             </a:r>
           </a:p>
           <a:p>
             <a:pPr lvl="1"/>
             <a:r>
-              <a:rPr lang="en-US" smtClean="0"/>
+              <a:rPr lang="en-US"/>
               <a:t>Second level</a:t>
             </a:r>
           </a:p>
           <a:p>
             <a:pPr lvl="2"/>
             <a:r>
-              <a:rPr lang="en-US" smtClean="0"/>
+              <a:rPr lang="en-US"/>
               <a:t>Third level</a:t>
             </a:r>
           </a:p>
           <a:p>
             <a:pPr lvl="3"/>
             <a:r>
-              <a:rPr lang="en-US" smtClean="0"/>
+              <a:rPr lang="en-US"/>
               <a:t>Fourth level</a:t>
             </a:r>
           </a:p>
           <a:p>
             <a:pPr lvl="4"/>
             <a:r>
-              <a:rPr lang="en-US" smtClean="0"/>
+              <a:rPr lang="en-US"/>
               <a:t>Fifth level</a:t>
             </a:r>
             <a:endParaRPr lang="en-US" dirty="0"/>
@@ -430,7 +430,7 @@
           <a:p>
             <a:fld id="{CD4867BA-9107-4E6F-9EA9-0922E06396EE}" type="datetimeFigureOut">
               <a:rPr lang="en-US" smtClean="0"/>
-              <a:t>9/9/2021</a:t>
+              <a:t>9/22/2021</a:t>
             </a:fld>
             <a:endParaRPr lang="en-US" dirty="0"/>
           </a:p>
@@ -529,7 +529,7 @@
           <a:lstStyle/>
           <a:p>
             <a:r>
-              <a:rPr lang="en-US" smtClean="0"/>
+              <a:rPr lang="en-US"/>
               <a:t>Click to edit Master title style</a:t>
             </a:r>
             <a:endParaRPr lang="en-US" dirty="0"/>
@@ -558,35 +558,35 @@
           <a:p>
             <a:pPr lvl="0"/>
             <a:r>
-              <a:rPr lang="en-US" smtClean="0"/>
+              <a:rPr lang="en-US"/>
               <a:t>Edit Master text styles</a:t>
             </a:r>
           </a:p>
           <a:p>
             <a:pPr lvl="1"/>
             <a:r>
-              <a:rPr lang="en-US" smtClean="0"/>
+              <a:rPr lang="en-US"/>
               <a:t>Second level</a:t>
             </a:r>
           </a:p>
           <a:p>
             <a:pPr lvl="2"/>
             <a:r>
-              <a:rPr lang="en-US" smtClean="0"/>
+              <a:rPr lang="en-US"/>
               <a:t>Third level</a:t>
             </a:r>
           </a:p>
           <a:p>
             <a:pPr lvl="3"/>
             <a:r>
-              <a:rPr lang="en-US" smtClean="0"/>
+              <a:rPr lang="en-US"/>
               <a:t>Fourth level</a:t>
             </a:r>
           </a:p>
           <a:p>
             <a:pPr lvl="4"/>
             <a:r>
-              <a:rPr lang="en-US" smtClean="0"/>
+              <a:rPr lang="en-US"/>
               <a:t>Fifth level</a:t>
             </a:r>
             <a:endParaRPr lang="en-US" dirty="0"/>
@@ -610,7 +610,7 @@
           <a:p>
             <a:fld id="{CD4867BA-9107-4E6F-9EA9-0922E06396EE}" type="datetimeFigureOut">
               <a:rPr lang="en-US" smtClean="0"/>
-              <a:t>9/9/2021</a:t>
+              <a:t>9/22/2021</a:t>
             </a:fld>
             <a:endParaRPr lang="en-US" dirty="0"/>
           </a:p>
@@ -704,7 +704,7 @@
           <a:lstStyle/>
           <a:p>
             <a:r>
-              <a:rPr lang="en-US" smtClean="0"/>
+              <a:rPr lang="en-US"/>
               <a:t>Click to edit Master title style</a:t>
             </a:r>
             <a:endParaRPr lang="en-US" dirty="0"/>
@@ -728,35 +728,35 @@
           <a:p>
             <a:pPr lvl="0"/>
             <a:r>
-              <a:rPr lang="en-US" smtClean="0"/>
+              <a:rPr lang="en-US"/>
               <a:t>Edit Master text styles</a:t>
             </a:r>
           </a:p>
           <a:p>
             <a:pPr lvl="1"/>
             <a:r>
-              <a:rPr lang="en-US" smtClean="0"/>
+              <a:rPr lang="en-US"/>
               <a:t>Second level</a:t>
             </a:r>
           </a:p>
           <a:p>
             <a:pPr lvl="2"/>
             <a:r>
-              <a:rPr lang="en-US" smtClean="0"/>
+              <a:rPr lang="en-US"/>
               <a:t>Third level</a:t>
             </a:r>
           </a:p>
           <a:p>
             <a:pPr lvl="3"/>
             <a:r>
-              <a:rPr lang="en-US" smtClean="0"/>
+              <a:rPr lang="en-US"/>
               <a:t>Fourth level</a:t>
             </a:r>
           </a:p>
           <a:p>
             <a:pPr lvl="4"/>
             <a:r>
-              <a:rPr lang="en-US" smtClean="0"/>
+              <a:rPr lang="en-US"/>
               <a:t>Fifth level</a:t>
             </a:r>
             <a:endParaRPr lang="en-US" dirty="0"/>
@@ -780,7 +780,7 @@
           <a:p>
             <a:fld id="{CD4867BA-9107-4E6F-9EA9-0922E06396EE}" type="datetimeFigureOut">
               <a:rPr lang="en-US" smtClean="0"/>
-              <a:t>9/9/2021</a:t>
+              <a:t>9/22/2021</a:t>
             </a:fld>
             <a:endParaRPr lang="en-US" dirty="0"/>
           </a:p>
@@ -883,7 +883,7 @@
           </a:lstStyle>
           <a:p>
             <a:r>
-              <a:rPr lang="en-US" smtClean="0"/>
+              <a:rPr lang="en-US"/>
               <a:t>Click to edit Master title style</a:t>
             </a:r>
             <a:endParaRPr lang="en-US" dirty="0"/>
@@ -1003,7 +1003,7 @@
           <a:p>
             <a:pPr lvl="0"/>
             <a:r>
-              <a:rPr lang="en-US" smtClean="0"/>
+              <a:rPr lang="en-US"/>
               <a:t>Edit Master text styles</a:t>
             </a:r>
           </a:p>
@@ -1026,7 +1026,7 @@
           <a:p>
             <a:fld id="{CD4867BA-9107-4E6F-9EA9-0922E06396EE}" type="datetimeFigureOut">
               <a:rPr lang="en-US" smtClean="0"/>
-              <a:t>9/9/2021</a:t>
+              <a:t>9/22/2021</a:t>
             </a:fld>
             <a:endParaRPr lang="en-US" dirty="0"/>
           </a:p>
@@ -1120,7 +1120,7 @@
           <a:lstStyle/>
           <a:p>
             <a:r>
-              <a:rPr lang="en-US" smtClean="0"/>
+              <a:rPr lang="en-US"/>
               <a:t>Click to edit Master title style</a:t>
             </a:r>
             <a:endParaRPr lang="en-US" dirty="0"/>
@@ -1149,35 +1149,35 @@
           <a:p>
             <a:pPr lvl="0"/>
             <a:r>
-              <a:rPr lang="en-US" smtClean="0"/>
+              <a:rPr lang="en-US"/>
               <a:t>Edit Master text styles</a:t>
             </a:r>
           </a:p>
           <a:p>
             <a:pPr lvl="1"/>
             <a:r>
-              <a:rPr lang="en-US" smtClean="0"/>
+              <a:rPr lang="en-US"/>
               <a:t>Second level</a:t>
             </a:r>
           </a:p>
           <a:p>
             <a:pPr lvl="2"/>
             <a:r>
-              <a:rPr lang="en-US" smtClean="0"/>
+              <a:rPr lang="en-US"/>
               <a:t>Third level</a:t>
             </a:r>
           </a:p>
           <a:p>
             <a:pPr lvl="3"/>
             <a:r>
-              <a:rPr lang="en-US" smtClean="0"/>
+              <a:rPr lang="en-US"/>
               <a:t>Fourth level</a:t>
             </a:r>
           </a:p>
           <a:p>
             <a:pPr lvl="4"/>
             <a:r>
-              <a:rPr lang="en-US" smtClean="0"/>
+              <a:rPr lang="en-US"/>
               <a:t>Fifth level</a:t>
             </a:r>
             <a:endParaRPr lang="en-US" dirty="0"/>
@@ -1206,35 +1206,35 @@
           <a:p>
             <a:pPr lvl="0"/>
             <a:r>
-              <a:rPr lang="en-US" smtClean="0"/>
+              <a:rPr lang="en-US"/>
               <a:t>Edit Master text styles</a:t>
             </a:r>
           </a:p>
           <a:p>
             <a:pPr lvl="1"/>
             <a:r>
-              <a:rPr lang="en-US" smtClean="0"/>
+              <a:rPr lang="en-US"/>
               <a:t>Second level</a:t>
             </a:r>
           </a:p>
           <a:p>
             <a:pPr lvl="2"/>
             <a:r>
-              <a:rPr lang="en-US" smtClean="0"/>
+              <a:rPr lang="en-US"/>
               <a:t>Third level</a:t>
             </a:r>
           </a:p>
           <a:p>
             <a:pPr lvl="3"/>
             <a:r>
-              <a:rPr lang="en-US" smtClean="0"/>
+              <a:rPr lang="en-US"/>
               <a:t>Fourth level</a:t>
             </a:r>
           </a:p>
           <a:p>
             <a:pPr lvl="4"/>
             <a:r>
-              <a:rPr lang="en-US" smtClean="0"/>
+              <a:rPr lang="en-US"/>
               <a:t>Fifth level</a:t>
             </a:r>
             <a:endParaRPr lang="en-US" dirty="0"/>
@@ -1258,7 +1258,7 @@
           <a:p>
             <a:fld id="{CD4867BA-9107-4E6F-9EA9-0922E06396EE}" type="datetimeFigureOut">
               <a:rPr lang="en-US" smtClean="0"/>
-              <a:t>9/9/2021</a:t>
+              <a:t>9/22/2021</a:t>
             </a:fld>
             <a:endParaRPr lang="en-US" dirty="0"/>
           </a:p>
@@ -1357,7 +1357,7 @@
           <a:lstStyle/>
           <a:p>
             <a:r>
-              <a:rPr lang="en-US" smtClean="0"/>
+              <a:rPr lang="en-US"/>
               <a:t>Click to edit Master title style</a:t>
             </a:r>
             <a:endParaRPr lang="en-US" dirty="0"/>
@@ -1423,7 +1423,7 @@
           <a:p>
             <a:pPr lvl="0"/>
             <a:r>
-              <a:rPr lang="en-US" smtClean="0"/>
+              <a:rPr lang="en-US"/>
               <a:t>Edit Master text styles</a:t>
             </a:r>
           </a:p>
@@ -1451,35 +1451,35 @@
           <a:p>
             <a:pPr lvl="0"/>
             <a:r>
-              <a:rPr lang="en-US" smtClean="0"/>
+              <a:rPr lang="en-US"/>
               <a:t>Edit Master text styles</a:t>
             </a:r>
           </a:p>
           <a:p>
             <a:pPr lvl="1"/>
             <a:r>
-              <a:rPr lang="en-US" smtClean="0"/>
+              <a:rPr lang="en-US"/>
               <a:t>Second level</a:t>
             </a:r>
           </a:p>
           <a:p>
             <a:pPr lvl="2"/>
             <a:r>
-              <a:rPr lang="en-US" smtClean="0"/>
+              <a:rPr lang="en-US"/>
               <a:t>Third level</a:t>
             </a:r>
           </a:p>
           <a:p>
             <a:pPr lvl="3"/>
             <a:r>
-              <a:rPr lang="en-US" smtClean="0"/>
+              <a:rPr lang="en-US"/>
               <a:t>Fourth level</a:t>
             </a:r>
           </a:p>
           <a:p>
             <a:pPr lvl="4"/>
             <a:r>
-              <a:rPr lang="en-US" smtClean="0"/>
+              <a:rPr lang="en-US"/>
               <a:t>Fifth level</a:t>
             </a:r>
             <a:endParaRPr lang="en-US" dirty="0"/>
@@ -1545,7 +1545,7 @@
           <a:p>
             <a:pPr lvl="0"/>
             <a:r>
-              <a:rPr lang="en-US" smtClean="0"/>
+              <a:rPr lang="en-US"/>
               <a:t>Edit Master text styles</a:t>
             </a:r>
           </a:p>
@@ -1573,35 +1573,35 @@
           <a:p>
             <a:pPr lvl="0"/>
             <a:r>
-              <a:rPr lang="en-US" smtClean="0"/>
+              <a:rPr lang="en-US"/>
               <a:t>Edit Master text styles</a:t>
             </a:r>
           </a:p>
           <a:p>
             <a:pPr lvl="1"/>
             <a:r>
-              <a:rPr lang="en-US" smtClean="0"/>
+              <a:rPr lang="en-US"/>
               <a:t>Second level</a:t>
             </a:r>
           </a:p>
           <a:p>
             <a:pPr lvl="2"/>
             <a:r>
-              <a:rPr lang="en-US" smtClean="0"/>
+              <a:rPr lang="en-US"/>
               <a:t>Third level</a:t>
             </a:r>
           </a:p>
           <a:p>
             <a:pPr lvl="3"/>
             <a:r>
-              <a:rPr lang="en-US" smtClean="0"/>
+              <a:rPr lang="en-US"/>
               <a:t>Fourth level</a:t>
             </a:r>
           </a:p>
           <a:p>
             <a:pPr lvl="4"/>
             <a:r>
-              <a:rPr lang="en-US" smtClean="0"/>
+              <a:rPr lang="en-US"/>
               <a:t>Fifth level</a:t>
             </a:r>
             <a:endParaRPr lang="en-US" dirty="0"/>
@@ -1625,7 +1625,7 @@
           <a:p>
             <a:fld id="{CD4867BA-9107-4E6F-9EA9-0922E06396EE}" type="datetimeFigureOut">
               <a:rPr lang="en-US" smtClean="0"/>
-              <a:t>9/9/2021</a:t>
+              <a:t>9/22/2021</a:t>
             </a:fld>
             <a:endParaRPr lang="en-US" dirty="0"/>
           </a:p>
@@ -1719,7 +1719,7 @@
           <a:lstStyle/>
           <a:p>
             <a:r>
-              <a:rPr lang="en-US" smtClean="0"/>
+              <a:rPr lang="en-US"/>
               <a:t>Click to edit Master title style</a:t>
             </a:r>
             <a:endParaRPr lang="en-US" dirty="0"/>
@@ -1743,7 +1743,7 @@
           <a:p>
             <a:fld id="{CD4867BA-9107-4E6F-9EA9-0922E06396EE}" type="datetimeFigureOut">
               <a:rPr lang="en-US" smtClean="0"/>
-              <a:t>9/9/2021</a:t>
+              <a:t>9/22/2021</a:t>
             </a:fld>
             <a:endParaRPr lang="en-US" dirty="0"/>
           </a:p>
@@ -1838,7 +1838,7 @@
           <a:p>
             <a:fld id="{CD4867BA-9107-4E6F-9EA9-0922E06396EE}" type="datetimeFigureOut">
               <a:rPr lang="en-US" smtClean="0"/>
-              <a:t>9/9/2021</a:t>
+              <a:t>9/22/2021</a:t>
             </a:fld>
             <a:endParaRPr lang="en-US" dirty="0"/>
           </a:p>
@@ -1941,7 +1941,7 @@
           </a:lstStyle>
           <a:p>
             <a:r>
-              <a:rPr lang="en-US" smtClean="0"/>
+              <a:rPr lang="en-US"/>
               <a:t>Click to edit Master title style</a:t>
             </a:r>
             <a:endParaRPr lang="en-US" dirty="0"/>
@@ -1998,35 +1998,35 @@
           <a:p>
             <a:pPr lvl="0"/>
             <a:r>
-              <a:rPr lang="en-US" smtClean="0"/>
+              <a:rPr lang="en-US"/>
               <a:t>Edit Master text styles</a:t>
             </a:r>
           </a:p>
           <a:p>
             <a:pPr lvl="1"/>
             <a:r>
-              <a:rPr lang="en-US" smtClean="0"/>
+              <a:rPr lang="en-US"/>
               <a:t>Second level</a:t>
             </a:r>
           </a:p>
           <a:p>
             <a:pPr lvl="2"/>
             <a:r>
-              <a:rPr lang="en-US" smtClean="0"/>
+              <a:rPr lang="en-US"/>
               <a:t>Third level</a:t>
             </a:r>
           </a:p>
           <a:p>
             <a:pPr lvl="3"/>
             <a:r>
-              <a:rPr lang="en-US" smtClean="0"/>
+              <a:rPr lang="en-US"/>
               <a:t>Fourth level</a:t>
             </a:r>
           </a:p>
           <a:p>
             <a:pPr lvl="4"/>
             <a:r>
-              <a:rPr lang="en-US" smtClean="0"/>
+              <a:rPr lang="en-US"/>
               <a:t>Fifth level</a:t>
             </a:r>
             <a:endParaRPr lang="en-US" dirty="0"/>
@@ -2092,7 +2092,7 @@
           <a:p>
             <a:pPr lvl="0"/>
             <a:r>
-              <a:rPr lang="en-US" smtClean="0"/>
+              <a:rPr lang="en-US"/>
               <a:t>Edit Master text styles</a:t>
             </a:r>
           </a:p>
@@ -2115,7 +2115,7 @@
           <a:p>
             <a:fld id="{CD4867BA-9107-4E6F-9EA9-0922E06396EE}" type="datetimeFigureOut">
               <a:rPr lang="en-US" smtClean="0"/>
-              <a:t>9/9/2021</a:t>
+              <a:t>9/22/2021</a:t>
             </a:fld>
             <a:endParaRPr lang="en-US" dirty="0"/>
           </a:p>
@@ -2218,7 +2218,7 @@
           </a:lstStyle>
           <a:p>
             <a:r>
-              <a:rPr lang="en-US" smtClean="0"/>
+              <a:rPr lang="en-US"/>
               <a:t>Click to edit Master title style</a:t>
             </a:r>
             <a:endParaRPr lang="en-US" dirty="0"/>
@@ -2283,10 +2283,9 @@
           </a:lstStyle>
           <a:p>
             <a:r>
-              <a:rPr lang="en-US" dirty="0" smtClean="0"/>
+              <a:rPr lang="en-US" dirty="0"/>
               <a:t>Click icon to add picture</a:t>
             </a:r>
-            <a:endParaRPr lang="en-US" dirty="0"/>
           </a:p>
         </p:txBody>
       </p:sp>
@@ -2349,7 +2348,7 @@
           <a:p>
             <a:pPr lvl="0"/>
             <a:r>
-              <a:rPr lang="en-US" smtClean="0"/>
+              <a:rPr lang="en-US"/>
               <a:t>Edit Master text styles</a:t>
             </a:r>
           </a:p>
@@ -2372,7 +2371,7 @@
           <a:p>
             <a:fld id="{CD4867BA-9107-4E6F-9EA9-0922E06396EE}" type="datetimeFigureOut">
               <a:rPr lang="en-US" smtClean="0"/>
-              <a:t>9/9/2021</a:t>
+              <a:t>9/22/2021</a:t>
             </a:fld>
             <a:endParaRPr lang="en-US" dirty="0"/>
           </a:p>
@@ -2481,7 +2480,7 @@
           <a:lstStyle/>
           <a:p>
             <a:r>
-              <a:rPr lang="en-US" smtClean="0"/>
+              <a:rPr lang="en-US"/>
               <a:t>Click to edit Master title style</a:t>
             </a:r>
             <a:endParaRPr lang="en-US" dirty="0"/>
@@ -2515,35 +2514,35 @@
           <a:p>
             <a:pPr lvl="0"/>
             <a:r>
-              <a:rPr lang="en-US" smtClean="0"/>
+              <a:rPr lang="en-US"/>
               <a:t>Edit Master text styles</a:t>
             </a:r>
           </a:p>
           <a:p>
             <a:pPr lvl="1"/>
             <a:r>
-              <a:rPr lang="en-US" smtClean="0"/>
+              <a:rPr lang="en-US"/>
               <a:t>Second level</a:t>
             </a:r>
           </a:p>
           <a:p>
             <a:pPr lvl="2"/>
             <a:r>
-              <a:rPr lang="en-US" smtClean="0"/>
+              <a:rPr lang="en-US"/>
               <a:t>Third level</a:t>
             </a:r>
           </a:p>
           <a:p>
             <a:pPr lvl="3"/>
             <a:r>
-              <a:rPr lang="en-US" smtClean="0"/>
+              <a:rPr lang="en-US"/>
               <a:t>Fourth level</a:t>
             </a:r>
           </a:p>
           <a:p>
             <a:pPr lvl="4"/>
             <a:r>
-              <a:rPr lang="en-US" smtClean="0"/>
+              <a:rPr lang="en-US"/>
               <a:t>Fifth level</a:t>
             </a:r>
             <a:endParaRPr lang="en-US" dirty="0"/>
@@ -2585,7 +2584,7 @@
           <a:p>
             <a:fld id="{CD4867BA-9107-4E6F-9EA9-0922E06396EE}" type="datetimeFigureOut">
               <a:rPr lang="en-US" smtClean="0"/>
-              <a:t>9/9/2021</a:t>
+              <a:t>9/22/2021</a:t>
             </a:fld>
             <a:endParaRPr lang="en-US" dirty="0"/>
           </a:p>
@@ -3084,24 +3083,14 @@
               <a:defRPr/>
             </a:pPr>
             <a:r>
-              <a:rPr lang="en-US" sz="1200" dirty="0" smtClean="0">
+              <a:rPr lang="en-US" sz="1200" dirty="0">
                 <a:solidFill>
                   <a:srgbClr val="D86613"/>
                 </a:solidFill>
                 <a:latin typeface="Arial" panose="020B0604020202020204" pitchFamily="34" charset="0"/>
                 <a:cs typeface="Arial" panose="020B0604020202020204" pitchFamily="34" charset="0"/>
               </a:rPr>
-              <a:t>                                         Auto </a:t>
-            </a:r>
-            <a:r>
-              <a:rPr lang="en-US" sz="1200" dirty="0">
-                <a:solidFill>
-                  <a:srgbClr val="D86613"/>
-                </a:solidFill>
-                <a:latin typeface="Arial" panose="020B0604020202020204" pitchFamily="34" charset="0"/>
-                <a:cs typeface="Arial" panose="020B0604020202020204" pitchFamily="34" charset="0"/>
-              </a:rPr>
-              <a:t>Scaling group</a:t>
+              <a:t>                                         Auto Scaling group</a:t>
             </a:r>
           </a:p>
         </p:txBody>
@@ -3200,42 +3189,15 @@
               <a:defRPr/>
             </a:pPr>
             <a:r>
-              <a:rPr lang="en-US" sz="1200" dirty="0" smtClean="0">
+              <a:rPr lang="en-US" sz="1200" dirty="0">
                 <a:solidFill>
                   <a:srgbClr val="D86613"/>
                 </a:solidFill>
                 <a:latin typeface="Arial" panose="020B0604020202020204" pitchFamily="34" charset="0"/>
                 <a:cs typeface="Arial" panose="020B0604020202020204" pitchFamily="34" charset="0"/>
               </a:rPr>
-              <a:t>                                         Auto </a:t>
+              <a:t>                                         Auto Scaling group</a:t>
             </a:r>
-            <a:r>
-              <a:rPr lang="en-US" sz="1200" dirty="0">
-                <a:solidFill>
-                  <a:srgbClr val="D86613"/>
-                </a:solidFill>
-                <a:latin typeface="Arial" panose="020B0604020202020204" pitchFamily="34" charset="0"/>
-                <a:cs typeface="Arial" panose="020B0604020202020204" pitchFamily="34" charset="0"/>
-              </a:rPr>
-              <a:t>Scaling </a:t>
-            </a:r>
-            <a:r>
-              <a:rPr lang="en-US" sz="1200" dirty="0" smtClean="0">
-                <a:solidFill>
-                  <a:srgbClr val="D86613"/>
-                </a:solidFill>
-                <a:latin typeface="Arial" panose="020B0604020202020204" pitchFamily="34" charset="0"/>
-                <a:cs typeface="Arial" panose="020B0604020202020204" pitchFamily="34" charset="0"/>
-              </a:rPr>
-              <a:t>group</a:t>
-            </a:r>
-            <a:endParaRPr lang="en-US" sz="1200" dirty="0">
-              <a:solidFill>
-                <a:srgbClr val="D86613"/>
-              </a:solidFill>
-              <a:latin typeface="Arial" panose="020B0604020202020204" pitchFamily="34" charset="0"/>
-              <a:cs typeface="Arial" panose="020B0604020202020204" pitchFamily="34" charset="0"/>
-            </a:endParaRPr>
           </a:p>
         </p:txBody>
       </p:sp>
@@ -3540,7 +3502,7 @@
           <a:blip r:embed="rId2">
             <a:extLst>
               <a:ext uri="{96DAC541-7B7A-43D3-8B79-37D633B846F1}">
-                <asvg:svgBlip xmlns:asvg="http://schemas.microsoft.com/office/drawing/2016/SVG/main" xmlns="" r:embed="rId3"/>
+                <asvg:svgBlip xmlns:asvg="http://schemas.microsoft.com/office/drawing/2016/SVG/main" r:embed="rId3"/>
               </a:ext>
             </a:extLst>
           </a:blip>
@@ -3575,7 +3537,7 @@
           <a:blip r:embed="rId4">
             <a:extLst>
               <a:ext uri="{96DAC541-7B7A-43D3-8B79-37D633B846F1}">
-                <asvg:svgBlip xmlns:asvg="http://schemas.microsoft.com/office/drawing/2016/SVG/main" xmlns="" r:embed="rId17"/>
+                <asvg:svgBlip xmlns:asvg="http://schemas.microsoft.com/office/drawing/2016/SVG/main" r:embed="rId5"/>
               </a:ext>
             </a:extLst>
           </a:blip>
@@ -3608,10 +3570,10 @@
           <p:nvPr/>
         </p:nvPicPr>
         <p:blipFill>
-          <a:blip r:embed="rId18">
+          <a:blip r:embed="rId6">
             <a:extLst>
               <a:ext uri="{96DAC541-7B7A-43D3-8B79-37D633B846F1}">
-                <asvg:svgBlip xmlns:asvg="http://schemas.microsoft.com/office/drawing/2016/SVG/main" xmlns="" r:embed="rId19"/>
+                <asvg:svgBlip xmlns:asvg="http://schemas.microsoft.com/office/drawing/2016/SVG/main" r:embed="rId7"/>
               </a:ext>
             </a:extLst>
           </a:blip>
@@ -3716,10 +3678,10 @@
           <p:nvPr/>
         </p:nvPicPr>
         <p:blipFill>
-          <a:blip r:embed="rId20">
+          <a:blip r:embed="rId8">
             <a:extLst>
               <a:ext uri="{96DAC541-7B7A-43D3-8B79-37D633B846F1}">
-                <asvg:svgBlip xmlns:asvg="http://schemas.microsoft.com/office/drawing/2016/SVG/main" xmlns="" r:embed="rId21"/>
+                <asvg:svgBlip xmlns:asvg="http://schemas.microsoft.com/office/drawing/2016/SVG/main" r:embed="rId9"/>
               </a:ext>
             </a:extLst>
           </a:blip>
@@ -3752,10 +3714,10 @@
           <p:nvPr/>
         </p:nvPicPr>
         <p:blipFill>
-          <a:blip r:embed="rId22">
+          <a:blip r:embed="rId10">
             <a:extLst>
               <a:ext uri="{96DAC541-7B7A-43D3-8B79-37D633B846F1}">
-                <asvg:svgBlip xmlns:asvg="http://schemas.microsoft.com/office/drawing/2016/SVG/main" xmlns="" r:embed="rId24"/>
+                <asvg:svgBlip xmlns:asvg="http://schemas.microsoft.com/office/drawing/2016/SVG/main" r:embed="rId11"/>
               </a:ext>
             </a:extLst>
           </a:blip>
@@ -3964,7 +3926,7 @@
           <p:nvPr/>
         </p:nvPicPr>
         <p:blipFill>
-          <a:blip r:embed="rId25" cstate="print">
+          <a:blip r:embed="rId12" cstate="print">
             <a:extLst>
               <a:ext uri="{28A0092B-C50C-407E-A947-70E740481C1C}">
                 <a14:useLocalDpi xmlns:a14="http://schemas.microsoft.com/office/drawing/2010/main" val="0"/>
@@ -4096,10 +4058,10 @@
           <p:nvPr/>
         </p:nvPicPr>
         <p:blipFill>
-          <a:blip r:embed="rId18">
+          <a:blip r:embed="rId6">
             <a:extLst>
               <a:ext uri="{96DAC541-7B7A-43D3-8B79-37D633B846F1}">
-                <asvg:svgBlip xmlns:asvg="http://schemas.microsoft.com/office/drawing/2016/SVG/main" xmlns="" r:embed="rId19"/>
+                <asvg:svgBlip xmlns:asvg="http://schemas.microsoft.com/office/drawing/2016/SVG/main" r:embed="rId7"/>
               </a:ext>
             </a:extLst>
           </a:blip>
@@ -4204,10 +4166,10 @@
           <p:nvPr/>
         </p:nvPicPr>
         <p:blipFill>
-          <a:blip r:embed="rId20">
+          <a:blip r:embed="rId8">
             <a:extLst>
               <a:ext uri="{96DAC541-7B7A-43D3-8B79-37D633B846F1}">
-                <asvg:svgBlip xmlns:asvg="http://schemas.microsoft.com/office/drawing/2016/SVG/main" xmlns="" r:embed="rId21"/>
+                <asvg:svgBlip xmlns:asvg="http://schemas.microsoft.com/office/drawing/2016/SVG/main" r:embed="rId9"/>
               </a:ext>
             </a:extLst>
           </a:blip>
@@ -4240,11 +4202,11 @@
           <p:nvPr/>
         </p:nvPicPr>
         <p:blipFill>
-          <a:blip r:embed="rId26" cstate="print">
+          <a:blip r:embed="rId13" cstate="print">
             <a:extLst>
               <a:ext uri="{BEBA8EAE-BF5A-486C-A8C5-ECC9F3942E4B}">
                 <a14:imgProps xmlns:a14="http://schemas.microsoft.com/office/drawing/2010/main">
-                  <a14:imgLayer r:embed="rId27">
+                  <a14:imgLayer r:embed="rId14">
                     <a14:imgEffect>
                       <a14:artisticBlur/>
                     </a14:imgEffect>
@@ -4445,7 +4407,7 @@
           <a:p>
             <a:pPr algn="ctr" eaLnBrk="1" hangingPunct="1"/>
             <a:r>
-              <a:rPr lang="en-US" altLang="en-US" sz="1200" dirty="0" smtClean="0">
+              <a:rPr lang="en-US" altLang="en-US" sz="1200" dirty="0">
                 <a:latin typeface="Arial" panose="020B0604020202020204" pitchFamily="34" charset="0"/>
                 <a:ea typeface="Amazon Ember" panose="020B0603020204020204" pitchFamily="34" charset="0"/>
                 <a:cs typeface="Arial" panose="020B0604020202020204" pitchFamily="34" charset="0"/>
@@ -4453,25 +4415,20 @@
               <a:t>AIT and </a:t>
             </a:r>
             <a:br>
-              <a:rPr lang="en-US" altLang="en-US" sz="1200" dirty="0" smtClean="0">
+              <a:rPr lang="en-US" altLang="en-US" sz="1200" dirty="0">
                 <a:latin typeface="Arial" panose="020B0604020202020204" pitchFamily="34" charset="0"/>
                 <a:ea typeface="Amazon Ember" panose="020B0603020204020204" pitchFamily="34" charset="0"/>
                 <a:cs typeface="Arial" panose="020B0604020202020204" pitchFamily="34" charset="0"/>
               </a:rPr>
             </a:br>
             <a:r>
-              <a:rPr lang="en-US" altLang="en-US" sz="1200" dirty="0" smtClean="0">
+              <a:rPr lang="en-US" altLang="en-US" sz="1200" dirty="0">
                 <a:latin typeface="Arial" panose="020B0604020202020204" pitchFamily="34" charset="0"/>
                 <a:ea typeface="Amazon Ember" panose="020B0603020204020204" pitchFamily="34" charset="0"/>
                 <a:cs typeface="Arial" panose="020B0604020202020204" pitchFamily="34" charset="0"/>
               </a:rPr>
               <a:t>Open MCT</a:t>
             </a:r>
-            <a:endParaRPr lang="en-US" altLang="en-US" sz="1200" dirty="0">
-              <a:latin typeface="Arial" panose="020B0604020202020204" pitchFamily="34" charset="0"/>
-              <a:ea typeface="Amazon Ember" panose="020B0603020204020204" pitchFamily="34" charset="0"/>
-              <a:cs typeface="Arial" panose="020B0604020202020204" pitchFamily="34" charset="0"/>
-            </a:endParaRPr>
           </a:p>
         </p:txBody>
       </p:sp>
@@ -4490,7 +4447,7 @@
           <p:nvPr/>
         </p:nvPicPr>
         <p:blipFill>
-          <a:blip r:embed="rId26" cstate="print">
+          <a:blip r:embed="rId13" cstate="print">
             <a:extLst>
               <a:ext uri="{28A0092B-C50C-407E-A947-70E740481C1C}">
                 <a14:useLocalDpi xmlns:a14="http://schemas.microsoft.com/office/drawing/2010/main" val="0"/>
@@ -4504,7 +4461,7 @@
         </p:blipFill>
         <p:spPr bwMode="auto">
           <a:xfrm>
-            <a:off x="8646284" y="6488965"/>
+            <a:off x="8646284" y="6448624"/>
             <a:ext cx="457200" cy="457200"/>
           </a:xfrm>
           <a:prstGeom prst="rect">
@@ -4551,8 +4508,8 @@
         </p:nvSpPr>
         <p:spPr bwMode="auto">
           <a:xfrm>
-            <a:off x="8317100" y="6923166"/>
-            <a:ext cx="1115568" cy="276999"/>
+            <a:off x="8317100" y="6882825"/>
+            <a:ext cx="1115568" cy="461665"/>
           </a:xfrm>
           <a:prstGeom prst="rect">
             <a:avLst/>
@@ -4684,20 +4641,15 @@
             </a:lvl9pPr>
           </a:lstStyle>
           <a:p>
-            <a:pPr algn="ctr" eaLnBrk="1" hangingPunct="1"/>
+            <a:pPr algn="ctr"/>
             <a:r>
-              <a:rPr lang="en-US" altLang="en-US" sz="1200" dirty="0" smtClean="0">
+              <a:rPr lang="en-US" altLang="en-US" sz="1200" dirty="0">
                 <a:latin typeface="Arial" panose="020B0604020202020204" pitchFamily="34" charset="0"/>
                 <a:ea typeface="Amazon Ember" panose="020B0603020204020204" pitchFamily="34" charset="0"/>
                 <a:cs typeface="Arial" panose="020B0604020202020204" pitchFamily="34" charset="0"/>
               </a:rPr>
-              <a:t>AIT Editor</a:t>
+              <a:t>AIT Sequence Editor</a:t>
             </a:r>
-            <a:endParaRPr lang="en-US" altLang="en-US" sz="1200" dirty="0">
-              <a:latin typeface="Arial" panose="020B0604020202020204" pitchFamily="34" charset="0"/>
-              <a:ea typeface="Amazon Ember" panose="020B0603020204020204" pitchFamily="34" charset="0"/>
-              <a:cs typeface="Arial" panose="020B0604020202020204" pitchFamily="34" charset="0"/>
-            </a:endParaRPr>
           </a:p>
         </p:txBody>
       </p:sp>
@@ -4852,18 +4804,13 @@
           <a:p>
             <a:pPr algn="ctr" eaLnBrk="1" hangingPunct="1"/>
             <a:r>
-              <a:rPr lang="en-US" altLang="en-US" sz="1200" dirty="0" smtClean="0">
+              <a:rPr lang="en-US" altLang="en-US" sz="1200" dirty="0">
                 <a:latin typeface="Arial" panose="020B0604020202020204" pitchFamily="34" charset="0"/>
                 <a:ea typeface="Amazon Ember" panose="020B0603020204020204" pitchFamily="34" charset="0"/>
                 <a:cs typeface="Arial" panose="020B0604020202020204" pitchFamily="34" charset="0"/>
               </a:rPr>
               <a:t>Bastion host</a:t>
             </a:r>
-            <a:endParaRPr lang="en-US" altLang="en-US" sz="1200" dirty="0">
-              <a:latin typeface="Arial" panose="020B0604020202020204" pitchFamily="34" charset="0"/>
-              <a:ea typeface="Amazon Ember" panose="020B0603020204020204" pitchFamily="34" charset="0"/>
-              <a:cs typeface="Arial" panose="020B0604020202020204" pitchFamily="34" charset="0"/>
-            </a:endParaRPr>
           </a:p>
         </p:txBody>
       </p:sp>
@@ -4882,7 +4829,7 @@
           <p:nvPr/>
         </p:nvPicPr>
         <p:blipFill>
-          <a:blip r:embed="rId28" cstate="print">
+          <a:blip r:embed="rId15" cstate="print">
             <a:extLst>
               <a:ext uri="{28A0092B-C50C-407E-A947-70E740481C1C}">
                 <a14:useLocalDpi xmlns:a14="http://schemas.microsoft.com/office/drawing/2010/main" val="0"/>
@@ -5078,7 +5025,7 @@
           <a:p>
             <a:pPr algn="ctr" eaLnBrk="1" hangingPunct="1"/>
             <a:r>
-              <a:rPr lang="en-US" altLang="en-US" sz="1200" dirty="0" smtClean="0">
+              <a:rPr lang="en-US" altLang="en-US" sz="1200" dirty="0">
                 <a:latin typeface="Arial" panose="020B0604020202020204" pitchFamily="34" charset="0"/>
                 <a:ea typeface="Amazon Ember" panose="020B0603020204020204" pitchFamily="34" charset="0"/>
                 <a:cs typeface="Arial" panose="020B0604020202020204" pitchFamily="34" charset="0"/>
@@ -5086,25 +5033,20 @@
               <a:t>AIT and </a:t>
             </a:r>
             <a:br>
-              <a:rPr lang="en-US" altLang="en-US" sz="1200" dirty="0" smtClean="0">
+              <a:rPr lang="en-US" altLang="en-US" sz="1200" dirty="0">
                 <a:latin typeface="Arial" panose="020B0604020202020204" pitchFamily="34" charset="0"/>
                 <a:ea typeface="Amazon Ember" panose="020B0603020204020204" pitchFamily="34" charset="0"/>
                 <a:cs typeface="Arial" panose="020B0604020202020204" pitchFamily="34" charset="0"/>
               </a:rPr>
             </a:br>
             <a:r>
-              <a:rPr lang="en-US" altLang="en-US" sz="1200" dirty="0" smtClean="0">
+              <a:rPr lang="en-US" altLang="en-US" sz="1200" dirty="0">
                 <a:latin typeface="Arial" panose="020B0604020202020204" pitchFamily="34" charset="0"/>
                 <a:ea typeface="Amazon Ember" panose="020B0603020204020204" pitchFamily="34" charset="0"/>
                 <a:cs typeface="Arial" panose="020B0604020202020204" pitchFamily="34" charset="0"/>
               </a:rPr>
               <a:t>Open MCT</a:t>
             </a:r>
-            <a:endParaRPr lang="en-US" altLang="en-US" sz="1200" dirty="0">
-              <a:latin typeface="Arial" panose="020B0604020202020204" pitchFamily="34" charset="0"/>
-              <a:ea typeface="Amazon Ember" panose="020B0603020204020204" pitchFamily="34" charset="0"/>
-              <a:cs typeface="Arial" panose="020B0604020202020204" pitchFamily="34" charset="0"/>
-            </a:endParaRPr>
           </a:p>
         </p:txBody>
       </p:sp>
@@ -5123,7 +5065,7 @@
           <p:nvPr/>
         </p:nvPicPr>
         <p:blipFill>
-          <a:blip r:embed="rId28" cstate="print">
+          <a:blip r:embed="rId15" cstate="print">
             <a:extLst>
               <a:ext uri="{28A0092B-C50C-407E-A947-70E740481C1C}">
                 <a14:useLocalDpi xmlns:a14="http://schemas.microsoft.com/office/drawing/2010/main" val="0"/>
@@ -5137,7 +5079,7 @@
         </p:blipFill>
         <p:spPr bwMode="auto">
           <a:xfrm>
-            <a:off x="4813516" y="6488965"/>
+            <a:off x="4813516" y="6448624"/>
             <a:ext cx="457200" cy="457200"/>
           </a:xfrm>
           <a:prstGeom prst="rect">
@@ -5184,8 +5126,8 @@
         </p:nvSpPr>
         <p:spPr bwMode="auto">
           <a:xfrm>
-            <a:off x="4484332" y="6923166"/>
-            <a:ext cx="1115568" cy="276999"/>
+            <a:off x="4484332" y="6882825"/>
+            <a:ext cx="1115568" cy="461665"/>
           </a:xfrm>
           <a:prstGeom prst="rect">
             <a:avLst/>
@@ -5319,18 +5261,13 @@
           <a:p>
             <a:pPr algn="ctr" eaLnBrk="1" hangingPunct="1"/>
             <a:r>
-              <a:rPr lang="en-US" altLang="en-US" sz="1200" dirty="0" smtClean="0">
+              <a:rPr lang="en-US" altLang="en-US" sz="1200" dirty="0">
                 <a:latin typeface="Arial" panose="020B0604020202020204" pitchFamily="34" charset="0"/>
                 <a:ea typeface="Amazon Ember" panose="020B0603020204020204" pitchFamily="34" charset="0"/>
                 <a:cs typeface="Arial" panose="020B0604020202020204" pitchFamily="34" charset="0"/>
               </a:rPr>
-              <a:t>AIT Editor</a:t>
+              <a:t>AIT Sequence Editor</a:t>
             </a:r>
-            <a:endParaRPr lang="en-US" altLang="en-US" sz="1200" dirty="0">
-              <a:latin typeface="Arial" panose="020B0604020202020204" pitchFamily="34" charset="0"/>
-              <a:ea typeface="Amazon Ember" panose="020B0603020204020204" pitchFamily="34" charset="0"/>
-              <a:cs typeface="Arial" panose="020B0604020202020204" pitchFamily="34" charset="0"/>
-            </a:endParaRPr>
           </a:p>
         </p:txBody>
       </p:sp>
@@ -5349,7 +5286,7 @@
           <p:nvPr/>
         </p:nvPicPr>
         <p:blipFill>
-          <a:blip r:embed="rId28" cstate="print">
+          <a:blip r:embed="rId15" cstate="print">
             <a:extLst>
               <a:ext uri="{28A0092B-C50C-407E-A947-70E740481C1C}">
                 <a14:useLocalDpi xmlns:a14="http://schemas.microsoft.com/office/drawing/2010/main" val="0"/>
@@ -5545,18 +5482,13 @@
           <a:p>
             <a:pPr algn="ctr" eaLnBrk="1" hangingPunct="1"/>
             <a:r>
-              <a:rPr lang="en-US" altLang="en-US" sz="1200" dirty="0" smtClean="0">
+              <a:rPr lang="en-US" altLang="en-US" sz="1200" dirty="0">
                 <a:latin typeface="Arial" panose="020B0604020202020204" pitchFamily="34" charset="0"/>
                 <a:ea typeface="Amazon Ember" panose="020B0603020204020204" pitchFamily="34" charset="0"/>
                 <a:cs typeface="Arial" panose="020B0604020202020204" pitchFamily="34" charset="0"/>
               </a:rPr>
               <a:t>Bastion host</a:t>
             </a:r>
-            <a:endParaRPr lang="en-US" altLang="en-US" sz="1200" dirty="0">
-              <a:latin typeface="Arial" panose="020B0604020202020204" pitchFamily="34" charset="0"/>
-              <a:ea typeface="Amazon Ember" panose="020B0603020204020204" pitchFamily="34" charset="0"/>
-              <a:cs typeface="Arial" panose="020B0604020202020204" pitchFamily="34" charset="0"/>
-            </a:endParaRPr>
           </a:p>
         </p:txBody>
       </p:sp>
@@ -5575,11 +5507,11 @@
           <p:nvPr/>
         </p:nvPicPr>
         <p:blipFill>
-          <a:blip r:embed="rId26" cstate="print">
+          <a:blip r:embed="rId13" cstate="print">
             <a:extLst>
               <a:ext uri="{BEBA8EAE-BF5A-486C-A8C5-ECC9F3942E4B}">
                 <a14:imgProps xmlns:a14="http://schemas.microsoft.com/office/drawing/2010/main">
-                  <a14:imgLayer r:embed="rId27">
+                  <a14:imgLayer r:embed="rId14">
                     <a14:imgEffect>
                       <a14:artisticBlur/>
                     </a14:imgEffect>
@@ -5644,10 +5576,10 @@
           <p:nvPr/>
         </p:nvPicPr>
         <p:blipFill>
-          <a:blip r:embed="rId22">
+          <a:blip r:embed="rId10">
             <a:extLst>
               <a:ext uri="{96DAC541-7B7A-43D3-8B79-37D633B846F1}">
-                <asvg:svgBlip xmlns:asvg="http://schemas.microsoft.com/office/drawing/2016/SVG/main" xmlns="" r:embed="rId24"/>
+                <asvg:svgBlip xmlns:asvg="http://schemas.microsoft.com/office/drawing/2016/SVG/main" r:embed="rId11"/>
               </a:ext>
             </a:extLst>
           </a:blip>
@@ -5730,25 +5662,8 @@
                 <a:latin typeface="Arial" panose="020B0604020202020204" pitchFamily="34" charset="0"/>
                 <a:cs typeface="Arial" panose="020B0604020202020204" pitchFamily="34" charset="0"/>
               </a:rPr>
-              <a:t>Availability </a:t>
+              <a:t>Availability Zone 1</a:t>
             </a:r>
-            <a:r>
-              <a:rPr lang="en-US" sz="1200" dirty="0" smtClean="0">
-                <a:solidFill>
-                  <a:srgbClr val="5B9CD5"/>
-                </a:solidFill>
-                <a:latin typeface="Arial" panose="020B0604020202020204" pitchFamily="34" charset="0"/>
-                <a:cs typeface="Arial" panose="020B0604020202020204" pitchFamily="34" charset="0"/>
-              </a:rPr>
-              <a:t>Zone 1</a:t>
-            </a:r>
-            <a:endParaRPr lang="en-US" sz="1200" dirty="0">
-              <a:solidFill>
-                <a:srgbClr val="5B9CD5"/>
-              </a:solidFill>
-              <a:latin typeface="Arial" panose="020B0604020202020204" pitchFamily="34" charset="0"/>
-              <a:cs typeface="Arial" panose="020B0604020202020204" pitchFamily="34" charset="0"/>
-            </a:endParaRPr>
           </a:p>
         </p:txBody>
       </p:sp>
@@ -5817,25 +5732,8 @@
                 <a:latin typeface="Arial" panose="020B0604020202020204" pitchFamily="34" charset="0"/>
                 <a:cs typeface="Arial" panose="020B0604020202020204" pitchFamily="34" charset="0"/>
               </a:rPr>
-              <a:t>Availability </a:t>
+              <a:t>Availability Zone 2</a:t>
             </a:r>
-            <a:r>
-              <a:rPr lang="en-US" sz="1200" dirty="0" smtClean="0">
-                <a:solidFill>
-                  <a:srgbClr val="5B9CD5"/>
-                </a:solidFill>
-                <a:latin typeface="Arial" panose="020B0604020202020204" pitchFamily="34" charset="0"/>
-                <a:cs typeface="Arial" panose="020B0604020202020204" pitchFamily="34" charset="0"/>
-              </a:rPr>
-              <a:t>Zone 2</a:t>
-            </a:r>
-            <a:endParaRPr lang="en-US" sz="1200" dirty="0">
-              <a:solidFill>
-                <a:srgbClr val="5B9CD5"/>
-              </a:solidFill>
-              <a:latin typeface="Arial" panose="020B0604020202020204" pitchFamily="34" charset="0"/>
-              <a:cs typeface="Arial" panose="020B0604020202020204" pitchFamily="34" charset="0"/>
-            </a:endParaRPr>
           </a:p>
         </p:txBody>
       </p:sp>
@@ -5854,7 +5752,7 @@
           <p:nvPr/>
         </p:nvPicPr>
         <p:blipFill>
-          <a:blip r:embed="rId29" cstate="print">
+          <a:blip r:embed="rId16" cstate="print">
             <a:extLst>
               <a:ext uri="{28A0092B-C50C-407E-A947-70E740481C1C}">
                 <a14:useLocalDpi xmlns:a14="http://schemas.microsoft.com/office/drawing/2010/main" val="0"/>
@@ -6075,7 +5973,7 @@
           <p:nvPr/>
         </p:nvPicPr>
         <p:blipFill>
-          <a:blip r:embed="rId30" cstate="print">
+          <a:blip r:embed="rId17" cstate="print">
             <a:extLst>
               <a:ext uri="{28A0092B-C50C-407E-A947-70E740481C1C}">
                 <a14:useLocalDpi xmlns:a14="http://schemas.microsoft.com/office/drawing/2010/main" val="0"/>
@@ -6271,7 +6169,7 @@
           <a:p>
             <a:pPr algn="ctr" eaLnBrk="1" hangingPunct="1"/>
             <a:r>
-              <a:rPr lang="en-US" altLang="en-US" sz="1200" dirty="0" smtClean="0">
+              <a:rPr lang="en-US" altLang="en-US" sz="1200" dirty="0">
                 <a:latin typeface="Arial" panose="020B0604020202020204" pitchFamily="34" charset="0"/>
                 <a:ea typeface="Amazon Ember" panose="020B0603020204020204" pitchFamily="34" charset="0"/>
                 <a:cs typeface="Arial" panose="020B0604020202020204" pitchFamily="34" charset="0"/>
@@ -6279,25 +6177,20 @@
               <a:t>OpenSearch</a:t>
             </a:r>
             <a:br>
-              <a:rPr lang="en-US" altLang="en-US" sz="1200" dirty="0" smtClean="0">
+              <a:rPr lang="en-US" altLang="en-US" sz="1200" dirty="0">
                 <a:latin typeface="Arial" panose="020B0604020202020204" pitchFamily="34" charset="0"/>
                 <a:ea typeface="Amazon Ember" panose="020B0603020204020204" pitchFamily="34" charset="0"/>
                 <a:cs typeface="Arial" panose="020B0604020202020204" pitchFamily="34" charset="0"/>
               </a:rPr>
             </a:br>
             <a:r>
-              <a:rPr lang="en-US" altLang="en-US" sz="1200" dirty="0" smtClean="0">
+              <a:rPr lang="en-US" altLang="en-US" sz="1200" dirty="0">
                 <a:latin typeface="Arial" panose="020B0604020202020204" pitchFamily="34" charset="0"/>
                 <a:ea typeface="Amazon Ember" panose="020B0603020204020204" pitchFamily="34" charset="0"/>
                 <a:cs typeface="Arial" panose="020B0604020202020204" pitchFamily="34" charset="0"/>
               </a:rPr>
               <a:t>Service</a:t>
             </a:r>
-            <a:endParaRPr lang="en-US" altLang="en-US" sz="1200" dirty="0">
-              <a:latin typeface="Arial" panose="020B0604020202020204" pitchFamily="34" charset="0"/>
-              <a:ea typeface="Amazon Ember" panose="020B0603020204020204" pitchFamily="34" charset="0"/>
-              <a:cs typeface="Arial" panose="020B0604020202020204" pitchFamily="34" charset="0"/>
-            </a:endParaRPr>
           </a:p>
         </p:txBody>
       </p:sp>
@@ -6452,18 +6345,13 @@
           <a:p>
             <a:pPr algn="ctr" eaLnBrk="1" hangingPunct="1"/>
             <a:r>
-              <a:rPr lang="en-US" altLang="en-US" sz="1200" dirty="0" smtClean="0">
+              <a:rPr lang="en-US" altLang="en-US" sz="1200" dirty="0">
                 <a:latin typeface="Arial" panose="020B0604020202020204" pitchFamily="34" charset="0"/>
                 <a:ea typeface="Amazon Ember" panose="020B0603020204020204" pitchFamily="34" charset="0"/>
                 <a:cs typeface="Arial" panose="020B0604020202020204" pitchFamily="34" charset="0"/>
               </a:rPr>
               <a:t>S3 configuration files</a:t>
             </a:r>
-            <a:endParaRPr lang="en-US" altLang="en-US" sz="1200" dirty="0">
-              <a:latin typeface="Arial" panose="020B0604020202020204" pitchFamily="34" charset="0"/>
-              <a:ea typeface="Amazon Ember" panose="020B0603020204020204" pitchFamily="34" charset="0"/>
-              <a:cs typeface="Arial" panose="020B0604020202020204" pitchFamily="34" charset="0"/>
-            </a:endParaRPr>
           </a:p>
         </p:txBody>
       </p:sp>
@@ -6482,7 +6370,7 @@
           <p:nvPr/>
         </p:nvPicPr>
         <p:blipFill>
-          <a:blip r:embed="rId31" cstate="print">
+          <a:blip r:embed="rId18" cstate="print">
             <a:extLst>
               <a:ext uri="{28A0092B-C50C-407E-A947-70E740481C1C}">
                 <a14:useLocalDpi xmlns:a14="http://schemas.microsoft.com/office/drawing/2010/main" val="0"/>
@@ -6678,18 +6566,13 @@
           <a:p>
             <a:pPr algn="ctr" eaLnBrk="1" hangingPunct="1"/>
             <a:r>
-              <a:rPr lang="en-US" altLang="en-US" sz="1200" dirty="0" smtClean="0">
+              <a:rPr lang="en-US" altLang="en-US" sz="1200" dirty="0">
                 <a:latin typeface="Arial" panose="020B0604020202020204" pitchFamily="34" charset="0"/>
                 <a:ea typeface="Amazon Ember" panose="020B0603020204020204" pitchFamily="34" charset="0"/>
                 <a:cs typeface="Arial" panose="020B0604020202020204" pitchFamily="34" charset="0"/>
               </a:rPr>
               <a:t>S3 log files</a:t>
             </a:r>
-            <a:endParaRPr lang="en-US" altLang="en-US" sz="1200" dirty="0">
-              <a:latin typeface="Arial" panose="020B0604020202020204" pitchFamily="34" charset="0"/>
-              <a:ea typeface="Amazon Ember" panose="020B0603020204020204" pitchFamily="34" charset="0"/>
-              <a:cs typeface="Arial" panose="020B0604020202020204" pitchFamily="34" charset="0"/>
-            </a:endParaRPr>
           </a:p>
         </p:txBody>
       </p:sp>
@@ -6708,7 +6591,7 @@
           <p:nvPr/>
         </p:nvPicPr>
         <p:blipFill>
-          <a:blip r:embed="rId32" cstate="print">
+          <a:blip r:embed="rId19" cstate="print">
             <a:extLst>
               <a:ext uri="{28A0092B-C50C-407E-A947-70E740481C1C}">
                 <a14:useLocalDpi xmlns:a14="http://schemas.microsoft.com/office/drawing/2010/main" val="0"/>
@@ -6768,7 +6651,7 @@
           <p:nvPr/>
         </p:nvPicPr>
         <p:blipFill>
-          <a:blip r:embed="rId33" cstate="print">
+          <a:blip r:embed="rId20" cstate="print">
             <a:extLst>
               <a:ext uri="{28A0092B-C50C-407E-A947-70E740481C1C}">
                 <a14:useLocalDpi xmlns:a14="http://schemas.microsoft.com/office/drawing/2010/main" val="0"/>
@@ -6964,20 +6847,12 @@
           <a:p>
             <a:pPr algn="ctr" eaLnBrk="1" hangingPunct="1"/>
             <a:r>
-              <a:rPr lang="en-US" altLang="en-US" sz="1200" dirty="0" smtClean="0">
-                <a:latin typeface="Arial" panose="020B0604020202020204" pitchFamily="34" charset="0"/>
-                <a:ea typeface="Amazon Ember" panose="020B0603020204020204" pitchFamily="34" charset="0"/>
-                <a:cs typeface="Arial" panose="020B0604020202020204" pitchFamily="34" charset="0"/>
-              </a:rPr>
-              <a:t>Route </a:t>
-            </a:r>
-            <a:r>
               <a:rPr lang="en-US" altLang="en-US" sz="1200" dirty="0">
                 <a:latin typeface="Arial" panose="020B0604020202020204" pitchFamily="34" charset="0"/>
                 <a:ea typeface="Amazon Ember" panose="020B0603020204020204" pitchFamily="34" charset="0"/>
                 <a:cs typeface="Arial" panose="020B0604020202020204" pitchFamily="34" charset="0"/>
               </a:rPr>
-              <a:t>53</a:t>
+              <a:t>Route 53</a:t>
             </a:r>
           </a:p>
         </p:txBody>
@@ -6997,7 +6872,7 @@
           <p:nvPr/>
         </p:nvPicPr>
         <p:blipFill>
-          <a:blip r:embed="rId34" cstate="print">
+          <a:blip r:embed="rId21" cstate="print">
             <a:extLst>
               <a:ext uri="{28A0092B-C50C-407E-A947-70E740481C1C}">
                 <a14:useLocalDpi xmlns:a14="http://schemas.microsoft.com/office/drawing/2010/main" val="0"/>
@@ -7193,18 +7068,13 @@
           <a:p>
             <a:pPr algn="ctr" eaLnBrk="1" hangingPunct="1"/>
             <a:r>
-              <a:rPr lang="en-US" altLang="en-US" sz="1200" dirty="0" smtClean="0">
+              <a:rPr lang="en-US" altLang="en-US" sz="1200" dirty="0">
                 <a:latin typeface="Arial" panose="020B0604020202020204" pitchFamily="34" charset="0"/>
                 <a:ea typeface="Amazon Ember" panose="020B0603020204020204" pitchFamily="34" charset="0"/>
                 <a:cs typeface="Arial" panose="020B0604020202020204" pitchFamily="34" charset="0"/>
               </a:rPr>
               <a:t>Lambda</a:t>
             </a:r>
-            <a:endParaRPr lang="en-US" altLang="en-US" sz="1200" dirty="0">
-              <a:latin typeface="Arial" panose="020B0604020202020204" pitchFamily="34" charset="0"/>
-              <a:ea typeface="Amazon Ember" panose="020B0603020204020204" pitchFamily="34" charset="0"/>
-              <a:cs typeface="Arial" panose="020B0604020202020204" pitchFamily="34" charset="0"/>
-            </a:endParaRPr>
           </a:p>
         </p:txBody>
       </p:sp>
@@ -7223,7 +7093,7 @@
           <p:nvPr/>
         </p:nvPicPr>
         <p:blipFill>
-          <a:blip r:embed="rId35" cstate="print">
+          <a:blip r:embed="rId22" cstate="print">
             <a:extLst>
               <a:ext uri="{28A0092B-C50C-407E-A947-70E740481C1C}">
                 <a14:useLocalDpi xmlns:a14="http://schemas.microsoft.com/office/drawing/2010/main" val="0"/>
@@ -7424,21 +7294,8 @@
                 <a:ea typeface="Amazon Ember" panose="020B0603020204020204" pitchFamily="34" charset="0"/>
                 <a:cs typeface="Arial" panose="020B0604020202020204" pitchFamily="34" charset="0"/>
               </a:rPr>
-              <a:t>C</a:t>
+              <a:t>CloudWatch</a:t>
             </a:r>
-            <a:r>
-              <a:rPr lang="en-US" altLang="en-US" sz="1200" dirty="0" smtClean="0">
-                <a:latin typeface="Arial" panose="020B0604020202020204" pitchFamily="34" charset="0"/>
-                <a:ea typeface="Amazon Ember" panose="020B0603020204020204" pitchFamily="34" charset="0"/>
-                <a:cs typeface="Arial" panose="020B0604020202020204" pitchFamily="34" charset="0"/>
-              </a:rPr>
-              <a:t>loudWatch</a:t>
-            </a:r>
-            <a:endParaRPr lang="en-US" altLang="en-US" sz="1200" dirty="0">
-              <a:latin typeface="Arial" panose="020B0604020202020204" pitchFamily="34" charset="0"/>
-              <a:ea typeface="Amazon Ember" panose="020B0603020204020204" pitchFamily="34" charset="0"/>
-              <a:cs typeface="Arial" panose="020B0604020202020204" pitchFamily="34" charset="0"/>
-            </a:endParaRPr>
           </a:p>
         </p:txBody>
       </p:sp>
@@ -7457,7 +7314,7 @@
           <p:nvPr/>
         </p:nvPicPr>
         <p:blipFill>
-          <a:blip r:embed="rId36" cstate="print">
+          <a:blip r:embed="rId23" cstate="print">
             <a:extLst>
               <a:ext uri="{28A0092B-C50C-407E-A947-70E740481C1C}">
                 <a14:useLocalDpi xmlns:a14="http://schemas.microsoft.com/office/drawing/2010/main" val="0"/>
@@ -7653,20 +7510,12 @@
           <a:p>
             <a:pPr algn="ctr" eaLnBrk="1" hangingPunct="1"/>
             <a:r>
-              <a:rPr lang="en-US" altLang="en-US" sz="1200" dirty="0" smtClean="0">
+              <a:rPr lang="en-US" altLang="en-US" sz="1200" dirty="0">
                 <a:latin typeface="Arial" panose="020B0604020202020204" pitchFamily="34" charset="0"/>
                 <a:ea typeface="Amazon Ember" panose="020B0603020204020204" pitchFamily="34" charset="0"/>
                 <a:cs typeface="Arial" panose="020B0604020202020204" pitchFamily="34" charset="0"/>
               </a:rPr>
               <a:t>Kinesis</a:t>
-            </a:r>
-            <a:r>
-              <a:rPr lang="en-US" altLang="en-US" sz="1200" dirty="0">
-                <a:latin typeface="Arial" panose="020B0604020202020204" pitchFamily="34" charset="0"/>
-                <a:ea typeface="Amazon Ember" panose="020B0603020204020204" pitchFamily="34" charset="0"/>
-                <a:cs typeface="Arial" panose="020B0604020202020204" pitchFamily="34" charset="0"/>
-              </a:rPr>
-              <a:t/>
             </a:r>
             <a:br>
               <a:rPr lang="en-US" altLang="en-US" sz="1200" dirty="0">
@@ -7700,8 +7549,8 @@
         </p:nvSpPr>
         <p:spPr>
           <a:xfrm>
-            <a:off x="4481439" y="6343166"/>
-            <a:ext cx="7579615" cy="889002"/>
+            <a:off x="4481439" y="6343165"/>
+            <a:ext cx="7579615" cy="1041665"/>
           </a:xfrm>
           <a:prstGeom prst="rect">
             <a:avLst/>
@@ -7744,7 +7593,7 @@
               <a:defRPr/>
             </a:pPr>
             <a:r>
-              <a:rPr lang="en-US" sz="1200" dirty="0" smtClean="0">
+              <a:rPr lang="en-US" sz="1200" dirty="0">
                 <a:solidFill>
                   <a:srgbClr val="5A6B86"/>
                 </a:solidFill>
@@ -7753,13 +7602,6 @@
               </a:rPr>
               <a:t>                                          Docker container</a:t>
             </a:r>
-            <a:endParaRPr lang="en-US" sz="1200" dirty="0">
-              <a:solidFill>
-                <a:srgbClr val="5A6B86"/>
-              </a:solidFill>
-              <a:latin typeface="Arial" panose="020B0604020202020204" pitchFamily="34" charset="0"/>
-              <a:cs typeface="Arial" panose="020B0604020202020204" pitchFamily="34" charset="0"/>
-            </a:endParaRPr>
           </a:p>
         </p:txBody>
       </p:sp>
@@ -7778,10 +7620,10 @@
           <p:nvPr/>
         </p:nvPicPr>
         <p:blipFill>
-          <a:blip r:embed="rId18">
+          <a:blip r:embed="rId6">
             <a:extLst>
               <a:ext uri="{96DAC541-7B7A-43D3-8B79-37D633B846F1}">
-                <asvg:svgBlip xmlns:asvg="http://schemas.microsoft.com/office/drawing/2016/SVG/main" xmlns="" r:embed="rId19"/>
+                <asvg:svgBlip xmlns:asvg="http://schemas.microsoft.com/office/drawing/2016/SVG/main" r:embed="rId7"/>
               </a:ext>
             </a:extLst>
           </a:blip>
@@ -7886,10 +7728,10 @@
           <p:nvPr/>
         </p:nvPicPr>
         <p:blipFill>
-          <a:blip r:embed="rId20">
+          <a:blip r:embed="rId8">
             <a:extLst>
               <a:ext uri="{96DAC541-7B7A-43D3-8B79-37D633B846F1}">
-                <asvg:svgBlip xmlns:asvg="http://schemas.microsoft.com/office/drawing/2016/SVG/main" xmlns="" r:embed="rId21"/>
+                <asvg:svgBlip xmlns:asvg="http://schemas.microsoft.com/office/drawing/2016/SVG/main" r:embed="rId9"/>
               </a:ext>
             </a:extLst>
           </a:blip>
@@ -7922,11 +7764,11 @@
           <p:nvPr/>
         </p:nvPicPr>
         <p:blipFill>
-          <a:blip r:embed="rId26" cstate="print">
+          <a:blip r:embed="rId13" cstate="print">
             <a:extLst>
               <a:ext uri="{BEBA8EAE-BF5A-486C-A8C5-ECC9F3942E4B}">
                 <a14:imgProps xmlns:a14="http://schemas.microsoft.com/office/drawing/2010/main">
-                  <a14:imgLayer r:embed="rId27">
+                  <a14:imgLayer r:embed="rId14">
                     <a14:imgEffect>
                       <a14:artisticBlur/>
                     </a14:imgEffect>
@@ -8127,7 +7969,7 @@
           <a:p>
             <a:pPr algn="ctr" eaLnBrk="1" hangingPunct="1"/>
             <a:r>
-              <a:rPr lang="en-US" altLang="en-US" sz="1200" dirty="0" smtClean="0">
+              <a:rPr lang="en-US" altLang="en-US" sz="1200" dirty="0">
                 <a:latin typeface="Arial" panose="020B0604020202020204" pitchFamily="34" charset="0"/>
                 <a:ea typeface="Amazon Ember" panose="020B0603020204020204" pitchFamily="34" charset="0"/>
                 <a:cs typeface="Arial" panose="020B0604020202020204" pitchFamily="34" charset="0"/>
@@ -8135,25 +7977,20 @@
               <a:t>AIT and </a:t>
             </a:r>
             <a:br>
-              <a:rPr lang="en-US" altLang="en-US" sz="1200" dirty="0" smtClean="0">
+              <a:rPr lang="en-US" altLang="en-US" sz="1200" dirty="0">
                 <a:latin typeface="Arial" panose="020B0604020202020204" pitchFamily="34" charset="0"/>
                 <a:ea typeface="Amazon Ember" panose="020B0603020204020204" pitchFamily="34" charset="0"/>
                 <a:cs typeface="Arial" panose="020B0604020202020204" pitchFamily="34" charset="0"/>
               </a:rPr>
             </a:br>
             <a:r>
-              <a:rPr lang="en-US" altLang="en-US" sz="1200" dirty="0" smtClean="0">
+              <a:rPr lang="en-US" altLang="en-US" sz="1200" dirty="0">
                 <a:latin typeface="Arial" panose="020B0604020202020204" pitchFamily="34" charset="0"/>
                 <a:ea typeface="Amazon Ember" panose="020B0603020204020204" pitchFamily="34" charset="0"/>
                 <a:cs typeface="Arial" panose="020B0604020202020204" pitchFamily="34" charset="0"/>
               </a:rPr>
               <a:t>Open MCT</a:t>
             </a:r>
-            <a:endParaRPr lang="en-US" altLang="en-US" sz="1200" dirty="0">
-              <a:latin typeface="Arial" panose="020B0604020202020204" pitchFamily="34" charset="0"/>
-              <a:ea typeface="Amazon Ember" panose="020B0603020204020204" pitchFamily="34" charset="0"/>
-              <a:cs typeface="Arial" panose="020B0604020202020204" pitchFamily="34" charset="0"/>
-            </a:endParaRPr>
           </a:p>
         </p:txBody>
       </p:sp>
@@ -8172,7 +8009,7 @@
           <p:nvPr/>
         </p:nvPicPr>
         <p:blipFill>
-          <a:blip r:embed="rId26" cstate="print">
+          <a:blip r:embed="rId13" cstate="print">
             <a:extLst>
               <a:ext uri="{28A0092B-C50C-407E-A947-70E740481C1C}">
                 <a14:useLocalDpi xmlns:a14="http://schemas.microsoft.com/office/drawing/2010/main" val="0"/>
@@ -8186,7 +8023,7 @@
         </p:blipFill>
         <p:spPr bwMode="auto">
           <a:xfrm>
-            <a:off x="11274670" y="6488965"/>
+            <a:off x="11274670" y="6448624"/>
             <a:ext cx="457200" cy="457200"/>
           </a:xfrm>
           <a:prstGeom prst="rect">
@@ -8233,8 +8070,8 @@
         </p:nvSpPr>
         <p:spPr bwMode="auto">
           <a:xfrm>
-            <a:off x="10945486" y="6923166"/>
-            <a:ext cx="1115568" cy="276999"/>
+            <a:off x="10945486" y="6882825"/>
+            <a:ext cx="1115568" cy="461665"/>
           </a:xfrm>
           <a:prstGeom prst="rect">
             <a:avLst/>
@@ -8366,20 +8203,15 @@
             </a:lvl9pPr>
           </a:lstStyle>
           <a:p>
-            <a:pPr algn="ctr" eaLnBrk="1" hangingPunct="1"/>
+            <a:pPr algn="ctr"/>
             <a:r>
-              <a:rPr lang="en-US" altLang="en-US" sz="1200" dirty="0" smtClean="0">
+              <a:rPr lang="en-US" altLang="en-US" sz="1200" dirty="0">
                 <a:latin typeface="Arial" panose="020B0604020202020204" pitchFamily="34" charset="0"/>
                 <a:ea typeface="Amazon Ember" panose="020B0603020204020204" pitchFamily="34" charset="0"/>
                 <a:cs typeface="Arial" panose="020B0604020202020204" pitchFamily="34" charset="0"/>
               </a:rPr>
-              <a:t>AIT Editor</a:t>
+              <a:t>AIT Sequence Editor</a:t>
             </a:r>
-            <a:endParaRPr lang="en-US" altLang="en-US" sz="1200" dirty="0">
-              <a:latin typeface="Arial" panose="020B0604020202020204" pitchFamily="34" charset="0"/>
-              <a:ea typeface="Amazon Ember" panose="020B0603020204020204" pitchFamily="34" charset="0"/>
-              <a:cs typeface="Arial" panose="020B0604020202020204" pitchFamily="34" charset="0"/>
-            </a:endParaRPr>
           </a:p>
         </p:txBody>
       </p:sp>
@@ -8534,18 +8366,13 @@
           <a:p>
             <a:pPr algn="ctr" eaLnBrk="1" hangingPunct="1"/>
             <a:r>
-              <a:rPr lang="en-US" altLang="en-US" sz="1200" dirty="0" smtClean="0">
+              <a:rPr lang="en-US" altLang="en-US" sz="1200" dirty="0">
                 <a:latin typeface="Arial" panose="020B0604020202020204" pitchFamily="34" charset="0"/>
                 <a:ea typeface="Amazon Ember" panose="020B0603020204020204" pitchFamily="34" charset="0"/>
                 <a:cs typeface="Arial" panose="020B0604020202020204" pitchFamily="34" charset="0"/>
               </a:rPr>
               <a:t>Bastion host</a:t>
             </a:r>
-            <a:endParaRPr lang="en-US" altLang="en-US" sz="1200" dirty="0">
-              <a:latin typeface="Arial" panose="020B0604020202020204" pitchFamily="34" charset="0"/>
-              <a:ea typeface="Amazon Ember" panose="020B0603020204020204" pitchFamily="34" charset="0"/>
-              <a:cs typeface="Arial" panose="020B0604020202020204" pitchFamily="34" charset="0"/>
-            </a:endParaRPr>
           </a:p>
         </p:txBody>
       </p:sp>
@@ -8564,11 +8391,11 @@
           <p:nvPr/>
         </p:nvPicPr>
         <p:blipFill>
-          <a:blip r:embed="rId26" cstate="print">
+          <a:blip r:embed="rId13" cstate="print">
             <a:extLst>
               <a:ext uri="{BEBA8EAE-BF5A-486C-A8C5-ECC9F3942E4B}">
                 <a14:imgProps xmlns:a14="http://schemas.microsoft.com/office/drawing/2010/main">
-                  <a14:imgLayer r:embed="rId27">
+                  <a14:imgLayer r:embed="rId14">
                     <a14:imgEffect>
                       <a14:artisticBlur/>
                     </a14:imgEffect>
@@ -8683,25 +8510,8 @@
                 <a:latin typeface="Arial" panose="020B0604020202020204" pitchFamily="34" charset="0"/>
                 <a:cs typeface="Arial" panose="020B0604020202020204" pitchFamily="34" charset="0"/>
               </a:rPr>
-              <a:t>Availability </a:t>
+              <a:t>Availability Zone 3</a:t>
             </a:r>
-            <a:r>
-              <a:rPr lang="en-US" sz="1200" dirty="0" smtClean="0">
-                <a:solidFill>
-                  <a:srgbClr val="5B9CD5"/>
-                </a:solidFill>
-                <a:latin typeface="Arial" panose="020B0604020202020204" pitchFamily="34" charset="0"/>
-                <a:cs typeface="Arial" panose="020B0604020202020204" pitchFamily="34" charset="0"/>
-              </a:rPr>
-              <a:t>Zone 3</a:t>
-            </a:r>
-            <a:endParaRPr lang="en-US" sz="1200" dirty="0">
-              <a:solidFill>
-                <a:srgbClr val="5B9CD5"/>
-              </a:solidFill>
-              <a:latin typeface="Arial" panose="020B0604020202020204" pitchFamily="34" charset="0"/>
-              <a:cs typeface="Arial" panose="020B0604020202020204" pitchFamily="34" charset="0"/>
-            </a:endParaRPr>
           </a:p>
         </p:txBody>
       </p:sp>
@@ -8720,7 +8530,7 @@
           <p:nvPr/>
         </p:nvPicPr>
         <p:blipFill>
-          <a:blip r:embed="rId37" cstate="print">
+          <a:blip r:embed="rId24" cstate="print">
             <a:extLst>
               <a:ext uri="{28A0092B-C50C-407E-A947-70E740481C1C}">
                 <a14:useLocalDpi xmlns:a14="http://schemas.microsoft.com/office/drawing/2010/main" val="0"/>
@@ -8916,7 +8726,7 @@
           <a:p>
             <a:pPr algn="ctr" eaLnBrk="1" hangingPunct="1"/>
             <a:r>
-              <a:rPr lang="en-US" altLang="en-US" sz="1200" dirty="0" smtClean="0">
+              <a:rPr lang="en-US" altLang="en-US" sz="1200" dirty="0">
                 <a:latin typeface="Arial" panose="020B0604020202020204" pitchFamily="34" charset="0"/>
                 <a:ea typeface="Amazon Ember" panose="020B0603020204020204" pitchFamily="34" charset="0"/>
                 <a:cs typeface="Arial" panose="020B0604020202020204" pitchFamily="34" charset="0"/>
@@ -8924,25 +8734,20 @@
               <a:t>NAT </a:t>
             </a:r>
             <a:br>
-              <a:rPr lang="en-US" altLang="en-US" sz="1200" dirty="0" smtClean="0">
+              <a:rPr lang="en-US" altLang="en-US" sz="1200" dirty="0">
                 <a:latin typeface="Arial" panose="020B0604020202020204" pitchFamily="34" charset="0"/>
                 <a:ea typeface="Amazon Ember" panose="020B0603020204020204" pitchFamily="34" charset="0"/>
                 <a:cs typeface="Arial" panose="020B0604020202020204" pitchFamily="34" charset="0"/>
               </a:rPr>
             </a:br>
             <a:r>
-              <a:rPr lang="en-US" altLang="en-US" sz="1200" dirty="0" smtClean="0">
+              <a:rPr lang="en-US" altLang="en-US" sz="1200" dirty="0">
                 <a:latin typeface="Arial" panose="020B0604020202020204" pitchFamily="34" charset="0"/>
                 <a:ea typeface="Amazon Ember" panose="020B0603020204020204" pitchFamily="34" charset="0"/>
                 <a:cs typeface="Arial" panose="020B0604020202020204" pitchFamily="34" charset="0"/>
               </a:rPr>
               <a:t>gateway</a:t>
             </a:r>
-            <a:endParaRPr lang="en-US" altLang="en-US" sz="1200" dirty="0">
-              <a:latin typeface="Arial" panose="020B0604020202020204" pitchFamily="34" charset="0"/>
-              <a:ea typeface="Amazon Ember" panose="020B0603020204020204" pitchFamily="34" charset="0"/>
-              <a:cs typeface="Arial" panose="020B0604020202020204" pitchFamily="34" charset="0"/>
-            </a:endParaRPr>
           </a:p>
         </p:txBody>
       </p:sp>
@@ -9070,24 +8875,14 @@
               <a:defRPr/>
             </a:pPr>
             <a:r>
-              <a:rPr lang="en-US" sz="1200" dirty="0" smtClean="0">
+              <a:rPr lang="en-US" sz="1200" dirty="0">
                 <a:solidFill>
                   <a:srgbClr val="D86613"/>
                 </a:solidFill>
                 <a:latin typeface="Arial" panose="020B0604020202020204" pitchFamily="34" charset="0"/>
                 <a:cs typeface="Arial" panose="020B0604020202020204" pitchFamily="34" charset="0"/>
               </a:rPr>
-              <a:t>                                 Auto </a:t>
-            </a:r>
-            <a:r>
-              <a:rPr lang="en-US" sz="1200" dirty="0">
-                <a:solidFill>
-                  <a:srgbClr val="D86613"/>
-                </a:solidFill>
-                <a:latin typeface="Arial" panose="020B0604020202020204" pitchFamily="34" charset="0"/>
-                <a:cs typeface="Arial" panose="020B0604020202020204" pitchFamily="34" charset="0"/>
-              </a:rPr>
-              <a:t>Scaling group</a:t>
+              <a:t>                                 Auto Scaling group</a:t>
             </a:r>
           </a:p>
         </p:txBody>
@@ -9186,24 +8981,14 @@
               <a:defRPr/>
             </a:pPr>
             <a:r>
-              <a:rPr lang="en-US" sz="1200" dirty="0" smtClean="0">
+              <a:rPr lang="en-US" sz="1200" dirty="0">
                 <a:solidFill>
                   <a:srgbClr val="D86613"/>
                 </a:solidFill>
                 <a:latin typeface="Arial" panose="020B0604020202020204" pitchFamily="34" charset="0"/>
                 <a:cs typeface="Arial" panose="020B0604020202020204" pitchFamily="34" charset="0"/>
               </a:rPr>
-              <a:t>                                 Auto </a:t>
-            </a:r>
-            <a:r>
-              <a:rPr lang="en-US" sz="1200" dirty="0">
-                <a:solidFill>
-                  <a:srgbClr val="D86613"/>
-                </a:solidFill>
-                <a:latin typeface="Arial" panose="020B0604020202020204" pitchFamily="34" charset="0"/>
-                <a:cs typeface="Arial" panose="020B0604020202020204" pitchFamily="34" charset="0"/>
-              </a:rPr>
-              <a:t>Scaling group</a:t>
+              <a:t>                                 Auto Scaling group</a:t>
             </a:r>
           </a:p>
         </p:txBody>
@@ -9509,7 +9294,7 @@
           <a:blip r:embed="rId2">
             <a:extLst>
               <a:ext uri="{96DAC541-7B7A-43D3-8B79-37D633B846F1}">
-                <asvg:svgBlip xmlns:asvg="http://schemas.microsoft.com/office/drawing/2016/SVG/main" xmlns="" r:embed="rId3"/>
+                <asvg:svgBlip xmlns:asvg="http://schemas.microsoft.com/office/drawing/2016/SVG/main" r:embed="rId3"/>
               </a:ext>
             </a:extLst>
           </a:blip>
@@ -9544,7 +9329,7 @@
           <a:blip r:embed="rId4">
             <a:extLst>
               <a:ext uri="{96DAC541-7B7A-43D3-8B79-37D633B846F1}">
-                <asvg:svgBlip xmlns:asvg="http://schemas.microsoft.com/office/drawing/2016/SVG/main" xmlns="" r:embed="rId17"/>
+                <asvg:svgBlip xmlns:asvg="http://schemas.microsoft.com/office/drawing/2016/SVG/main" r:embed="rId5"/>
               </a:ext>
             </a:extLst>
           </a:blip>
@@ -9577,10 +9362,10 @@
           <p:nvPr/>
         </p:nvPicPr>
         <p:blipFill>
-          <a:blip r:embed="rId18">
+          <a:blip r:embed="rId6">
             <a:extLst>
               <a:ext uri="{96DAC541-7B7A-43D3-8B79-37D633B846F1}">
-                <asvg:svgBlip xmlns:asvg="http://schemas.microsoft.com/office/drawing/2016/SVG/main" xmlns="" r:embed="rId19"/>
+                <asvg:svgBlip xmlns:asvg="http://schemas.microsoft.com/office/drawing/2016/SVG/main" r:embed="rId7"/>
               </a:ext>
             </a:extLst>
           </a:blip>
@@ -9685,10 +9470,10 @@
           <p:nvPr/>
         </p:nvPicPr>
         <p:blipFill>
-          <a:blip r:embed="rId20">
+          <a:blip r:embed="rId8">
             <a:extLst>
               <a:ext uri="{96DAC541-7B7A-43D3-8B79-37D633B846F1}">
-                <asvg:svgBlip xmlns:asvg="http://schemas.microsoft.com/office/drawing/2016/SVG/main" xmlns="" r:embed="rId21"/>
+                <asvg:svgBlip xmlns:asvg="http://schemas.microsoft.com/office/drawing/2016/SVG/main" r:embed="rId9"/>
               </a:ext>
             </a:extLst>
           </a:blip>
@@ -9721,7 +9506,7 @@
           <p:nvPr/>
         </p:nvPicPr>
         <p:blipFill>
-          <a:blip r:embed="rId22" cstate="print">
+          <a:blip r:embed="rId10" cstate="print">
             <a:extLst>
               <a:ext uri="{28A0092B-C50C-407E-A947-70E740481C1C}">
                 <a14:useLocalDpi xmlns:a14="http://schemas.microsoft.com/office/drawing/2010/main" val="0"/>
@@ -9781,10 +9566,10 @@
           <p:nvPr/>
         </p:nvPicPr>
         <p:blipFill>
-          <a:blip r:embed="rId23">
+          <a:blip r:embed="rId11">
             <a:extLst>
               <a:ext uri="{96DAC541-7B7A-43D3-8B79-37D633B846F1}">
-                <asvg:svgBlip xmlns:asvg="http://schemas.microsoft.com/office/drawing/2016/SVG/main" xmlns="" r:embed="rId24"/>
+                <asvg:svgBlip xmlns:asvg="http://schemas.microsoft.com/office/drawing/2016/SVG/main" r:embed="rId12"/>
               </a:ext>
             </a:extLst>
           </a:blip>
@@ -9953,7 +9738,7 @@
           <a:p>
             <a:pPr algn="ctr" eaLnBrk="1" hangingPunct="1"/>
             <a:r>
-              <a:rPr lang="en-US" altLang="en-US" sz="1200" dirty="0" smtClean="0">
+              <a:rPr lang="en-US" altLang="en-US" sz="1200" dirty="0">
                 <a:latin typeface="Arial" panose="020B0604020202020204" pitchFamily="34" charset="0"/>
                 <a:ea typeface="Amazon Ember" panose="020B0603020204020204" pitchFamily="34" charset="0"/>
                 <a:cs typeface="Arial" panose="020B0604020202020204" pitchFamily="34" charset="0"/>
@@ -9961,25 +9746,20 @@
               <a:t>AIT and </a:t>
             </a:r>
             <a:br>
-              <a:rPr lang="en-US" altLang="en-US" sz="1200" dirty="0" smtClean="0">
+              <a:rPr lang="en-US" altLang="en-US" sz="1200" dirty="0">
                 <a:latin typeface="Arial" panose="020B0604020202020204" pitchFamily="34" charset="0"/>
                 <a:ea typeface="Amazon Ember" panose="020B0603020204020204" pitchFamily="34" charset="0"/>
                 <a:cs typeface="Arial" panose="020B0604020202020204" pitchFamily="34" charset="0"/>
               </a:rPr>
             </a:br>
             <a:r>
-              <a:rPr lang="en-US" altLang="en-US" sz="1200" dirty="0" smtClean="0">
+              <a:rPr lang="en-US" altLang="en-US" sz="1200" dirty="0">
                 <a:latin typeface="Arial" panose="020B0604020202020204" pitchFamily="34" charset="0"/>
                 <a:ea typeface="Amazon Ember" panose="020B0603020204020204" pitchFamily="34" charset="0"/>
                 <a:cs typeface="Arial" panose="020B0604020202020204" pitchFamily="34" charset="0"/>
               </a:rPr>
               <a:t>Open MCT</a:t>
             </a:r>
-            <a:endParaRPr lang="en-US" altLang="en-US" sz="1200" dirty="0">
-              <a:latin typeface="Arial" panose="020B0604020202020204" pitchFamily="34" charset="0"/>
-              <a:ea typeface="Amazon Ember" panose="020B0603020204020204" pitchFamily="34" charset="0"/>
-              <a:cs typeface="Arial" panose="020B0604020202020204" pitchFamily="34" charset="0"/>
-            </a:endParaRPr>
           </a:p>
         </p:txBody>
       </p:sp>
@@ -9998,7 +9778,7 @@
           <p:nvPr/>
         </p:nvPicPr>
         <p:blipFill>
-          <a:blip r:embed="rId22" cstate="print">
+          <a:blip r:embed="rId10" cstate="print">
             <a:extLst>
               <a:ext uri="{28A0092B-C50C-407E-A947-70E740481C1C}">
                 <a14:useLocalDpi xmlns:a14="http://schemas.microsoft.com/office/drawing/2010/main" val="0"/>
@@ -10194,18 +9974,13 @@
           <a:p>
             <a:pPr algn="ctr" eaLnBrk="1" hangingPunct="1"/>
             <a:r>
-              <a:rPr lang="en-US" altLang="en-US" sz="1200" dirty="0" smtClean="0">
+              <a:rPr lang="en-US" altLang="en-US" sz="1200" dirty="0">
                 <a:latin typeface="Arial" panose="020B0604020202020204" pitchFamily="34" charset="0"/>
                 <a:ea typeface="Amazon Ember" panose="020B0603020204020204" pitchFamily="34" charset="0"/>
                 <a:cs typeface="Arial" panose="020B0604020202020204" pitchFamily="34" charset="0"/>
               </a:rPr>
               <a:t>AIT Editor</a:t>
             </a:r>
-            <a:endParaRPr lang="en-US" altLang="en-US" sz="1200" dirty="0">
-              <a:latin typeface="Arial" panose="020B0604020202020204" pitchFamily="34" charset="0"/>
-              <a:ea typeface="Amazon Ember" panose="020B0603020204020204" pitchFamily="34" charset="0"/>
-              <a:cs typeface="Arial" panose="020B0604020202020204" pitchFamily="34" charset="0"/>
-            </a:endParaRPr>
           </a:p>
         </p:txBody>
       </p:sp>
@@ -10400,7 +10175,7 @@
           <p:nvPr/>
         </p:nvPicPr>
         <p:blipFill>
-          <a:blip r:embed="rId25" cstate="print">
+          <a:blip r:embed="rId13" cstate="print">
             <a:extLst>
               <a:ext uri="{28A0092B-C50C-407E-A947-70E740481C1C}">
                 <a14:useLocalDpi xmlns:a14="http://schemas.microsoft.com/office/drawing/2010/main" val="0"/>
@@ -10532,10 +10307,10 @@
           <p:nvPr/>
         </p:nvPicPr>
         <p:blipFill>
-          <a:blip r:embed="rId18">
+          <a:blip r:embed="rId6">
             <a:extLst>
               <a:ext uri="{96DAC541-7B7A-43D3-8B79-37D633B846F1}">
-                <asvg:svgBlip xmlns:asvg="http://schemas.microsoft.com/office/drawing/2016/SVG/main" xmlns="" r:embed="rId19"/>
+                <asvg:svgBlip xmlns:asvg="http://schemas.microsoft.com/office/drawing/2016/SVG/main" r:embed="rId7"/>
               </a:ext>
             </a:extLst>
           </a:blip>
@@ -10640,10 +10415,10 @@
           <p:nvPr/>
         </p:nvPicPr>
         <p:blipFill>
-          <a:blip r:embed="rId20">
+          <a:blip r:embed="rId8">
             <a:extLst>
               <a:ext uri="{96DAC541-7B7A-43D3-8B79-37D633B846F1}">
-                <asvg:svgBlip xmlns:asvg="http://schemas.microsoft.com/office/drawing/2016/SVG/main" xmlns="" r:embed="rId21"/>
+                <asvg:svgBlip xmlns:asvg="http://schemas.microsoft.com/office/drawing/2016/SVG/main" r:embed="rId9"/>
               </a:ext>
             </a:extLst>
           </a:blip>
@@ -10676,11 +10451,11 @@
           <p:nvPr/>
         </p:nvPicPr>
         <p:blipFill>
-          <a:blip r:embed="rId26" cstate="print">
+          <a:blip r:embed="rId14" cstate="print">
             <a:extLst>
               <a:ext uri="{BEBA8EAE-BF5A-486C-A8C5-ECC9F3942E4B}">
                 <a14:imgProps xmlns:a14="http://schemas.microsoft.com/office/drawing/2010/main">
-                  <a14:imgLayer r:embed="rId27">
+                  <a14:imgLayer r:embed="rId15">
                     <a14:imgEffect>
                       <a14:artisticBlur/>
                     </a14:imgEffect>
@@ -10881,7 +10656,7 @@
           <a:p>
             <a:pPr algn="ctr" eaLnBrk="1" hangingPunct="1"/>
             <a:r>
-              <a:rPr lang="en-US" altLang="en-US" sz="1200" dirty="0" smtClean="0">
+              <a:rPr lang="en-US" altLang="en-US" sz="1200" dirty="0">
                 <a:latin typeface="Arial" panose="020B0604020202020204" pitchFamily="34" charset="0"/>
                 <a:ea typeface="Amazon Ember" panose="020B0603020204020204" pitchFamily="34" charset="0"/>
                 <a:cs typeface="Arial" panose="020B0604020202020204" pitchFamily="34" charset="0"/>
@@ -10889,25 +10664,20 @@
               <a:t>AIT and </a:t>
             </a:r>
             <a:br>
-              <a:rPr lang="en-US" altLang="en-US" sz="1200" dirty="0" smtClean="0">
+              <a:rPr lang="en-US" altLang="en-US" sz="1200" dirty="0">
                 <a:latin typeface="Arial" panose="020B0604020202020204" pitchFamily="34" charset="0"/>
                 <a:ea typeface="Amazon Ember" panose="020B0603020204020204" pitchFamily="34" charset="0"/>
                 <a:cs typeface="Arial" panose="020B0604020202020204" pitchFamily="34" charset="0"/>
               </a:rPr>
             </a:br>
             <a:r>
-              <a:rPr lang="en-US" altLang="en-US" sz="1200" dirty="0" smtClean="0">
+              <a:rPr lang="en-US" altLang="en-US" sz="1200" dirty="0">
                 <a:latin typeface="Arial" panose="020B0604020202020204" pitchFamily="34" charset="0"/>
                 <a:ea typeface="Amazon Ember" panose="020B0603020204020204" pitchFamily="34" charset="0"/>
                 <a:cs typeface="Arial" panose="020B0604020202020204" pitchFamily="34" charset="0"/>
               </a:rPr>
               <a:t>Open MCT</a:t>
             </a:r>
-            <a:endParaRPr lang="en-US" altLang="en-US" sz="1200" dirty="0">
-              <a:latin typeface="Arial" panose="020B0604020202020204" pitchFamily="34" charset="0"/>
-              <a:ea typeface="Amazon Ember" panose="020B0603020204020204" pitchFamily="34" charset="0"/>
-              <a:cs typeface="Arial" panose="020B0604020202020204" pitchFamily="34" charset="0"/>
-            </a:endParaRPr>
           </a:p>
         </p:txBody>
       </p:sp>
@@ -10926,7 +10696,7 @@
           <p:nvPr/>
         </p:nvPicPr>
         <p:blipFill>
-          <a:blip r:embed="rId26" cstate="print">
+          <a:blip r:embed="rId14" cstate="print">
             <a:extLst>
               <a:ext uri="{28A0092B-C50C-407E-A947-70E740481C1C}">
                 <a14:useLocalDpi xmlns:a14="http://schemas.microsoft.com/office/drawing/2010/main" val="0"/>
@@ -11122,18 +10892,13 @@
           <a:p>
             <a:pPr algn="ctr" eaLnBrk="1" hangingPunct="1"/>
             <a:r>
-              <a:rPr lang="en-US" altLang="en-US" sz="1200" dirty="0" smtClean="0">
+              <a:rPr lang="en-US" altLang="en-US" sz="1200" dirty="0">
                 <a:latin typeface="Arial" panose="020B0604020202020204" pitchFamily="34" charset="0"/>
                 <a:ea typeface="Amazon Ember" panose="020B0603020204020204" pitchFamily="34" charset="0"/>
                 <a:cs typeface="Arial" panose="020B0604020202020204" pitchFamily="34" charset="0"/>
               </a:rPr>
               <a:t>AIT Editor</a:t>
             </a:r>
-            <a:endParaRPr lang="en-US" altLang="en-US" sz="1200" dirty="0">
-              <a:latin typeface="Arial" panose="020B0604020202020204" pitchFamily="34" charset="0"/>
-              <a:ea typeface="Amazon Ember" panose="020B0603020204020204" pitchFamily="34" charset="0"/>
-              <a:cs typeface="Arial" panose="020B0604020202020204" pitchFamily="34" charset="0"/>
-            </a:endParaRPr>
           </a:p>
         </p:txBody>
       </p:sp>
@@ -11288,18 +11053,13 @@
           <a:p>
             <a:pPr algn="ctr" eaLnBrk="1" hangingPunct="1"/>
             <a:r>
-              <a:rPr lang="en-US" altLang="en-US" sz="1200" dirty="0" smtClean="0">
+              <a:rPr lang="en-US" altLang="en-US" sz="1200" dirty="0">
                 <a:latin typeface="Arial" panose="020B0604020202020204" pitchFamily="34" charset="0"/>
                 <a:ea typeface="Amazon Ember" panose="020B0603020204020204" pitchFamily="34" charset="0"/>
                 <a:cs typeface="Arial" panose="020B0604020202020204" pitchFamily="34" charset="0"/>
               </a:rPr>
               <a:t>Bastion host</a:t>
             </a:r>
-            <a:endParaRPr lang="en-US" altLang="en-US" sz="1200" dirty="0">
-              <a:latin typeface="Arial" panose="020B0604020202020204" pitchFamily="34" charset="0"/>
-              <a:ea typeface="Amazon Ember" panose="020B0603020204020204" pitchFamily="34" charset="0"/>
-              <a:cs typeface="Arial" panose="020B0604020202020204" pitchFamily="34" charset="0"/>
-            </a:endParaRPr>
           </a:p>
         </p:txBody>
       </p:sp>
@@ -11318,7 +11078,7 @@
           <p:nvPr/>
         </p:nvPicPr>
         <p:blipFill>
-          <a:blip r:embed="rId28" cstate="print">
+          <a:blip r:embed="rId16" cstate="print">
             <a:extLst>
               <a:ext uri="{28A0092B-C50C-407E-A947-70E740481C1C}">
                 <a14:useLocalDpi xmlns:a14="http://schemas.microsoft.com/office/drawing/2010/main" val="0"/>
@@ -11378,7 +11138,7 @@
           <p:nvPr/>
         </p:nvPicPr>
         <p:blipFill>
-          <a:blip r:embed="rId22" cstate="print">
+          <a:blip r:embed="rId10" cstate="print">
             <a:extLst>
               <a:ext uri="{28A0092B-C50C-407E-A947-70E740481C1C}">
                 <a14:useLocalDpi xmlns:a14="http://schemas.microsoft.com/office/drawing/2010/main" val="0"/>
@@ -11574,18 +11334,13 @@
           <a:p>
             <a:pPr algn="ctr" eaLnBrk="1" hangingPunct="1"/>
             <a:r>
-              <a:rPr lang="en-US" altLang="en-US" sz="1200" dirty="0" smtClean="0">
+              <a:rPr lang="en-US" altLang="en-US" sz="1200" dirty="0">
                 <a:latin typeface="Arial" panose="020B0604020202020204" pitchFamily="34" charset="0"/>
                 <a:ea typeface="Amazon Ember" panose="020B0603020204020204" pitchFamily="34" charset="0"/>
                 <a:cs typeface="Arial" panose="020B0604020202020204" pitchFamily="34" charset="0"/>
               </a:rPr>
               <a:t>NAT gateway</a:t>
             </a:r>
-            <a:endParaRPr lang="en-US" altLang="en-US" sz="1200" dirty="0">
-              <a:latin typeface="Arial" panose="020B0604020202020204" pitchFamily="34" charset="0"/>
-              <a:ea typeface="Amazon Ember" panose="020B0603020204020204" pitchFamily="34" charset="0"/>
-              <a:cs typeface="Arial" panose="020B0604020202020204" pitchFamily="34" charset="0"/>
-            </a:endParaRPr>
           </a:p>
         </p:txBody>
       </p:sp>
@@ -11740,18 +11495,13 @@
           <a:p>
             <a:pPr algn="ctr" eaLnBrk="1" hangingPunct="1"/>
             <a:r>
-              <a:rPr lang="en-US" altLang="en-US" sz="1200" dirty="0" smtClean="0">
+              <a:rPr lang="en-US" altLang="en-US" sz="1200" dirty="0">
                 <a:latin typeface="Arial" panose="020B0604020202020204" pitchFamily="34" charset="0"/>
                 <a:ea typeface="Amazon Ember" panose="020B0603020204020204" pitchFamily="34" charset="0"/>
                 <a:cs typeface="Arial" panose="020B0604020202020204" pitchFamily="34" charset="0"/>
               </a:rPr>
               <a:t>Bastion host</a:t>
             </a:r>
-            <a:endParaRPr lang="en-US" altLang="en-US" sz="1200" dirty="0">
-              <a:latin typeface="Arial" panose="020B0604020202020204" pitchFamily="34" charset="0"/>
-              <a:ea typeface="Amazon Ember" panose="020B0603020204020204" pitchFamily="34" charset="0"/>
-              <a:cs typeface="Arial" panose="020B0604020202020204" pitchFamily="34" charset="0"/>
-            </a:endParaRPr>
           </a:p>
         </p:txBody>
       </p:sp>
@@ -11770,7 +11520,7 @@
           <p:nvPr/>
         </p:nvPicPr>
         <p:blipFill>
-          <a:blip r:embed="rId28" cstate="print">
+          <a:blip r:embed="rId16" cstate="print">
             <a:extLst>
               <a:ext uri="{28A0092B-C50C-407E-A947-70E740481C1C}">
                 <a14:useLocalDpi xmlns:a14="http://schemas.microsoft.com/office/drawing/2010/main" val="0"/>
@@ -11830,11 +11580,11 @@
           <p:nvPr/>
         </p:nvPicPr>
         <p:blipFill>
-          <a:blip r:embed="rId26" cstate="print">
+          <a:blip r:embed="rId14" cstate="print">
             <a:extLst>
               <a:ext uri="{BEBA8EAE-BF5A-486C-A8C5-ECC9F3942E4B}">
                 <a14:imgProps xmlns:a14="http://schemas.microsoft.com/office/drawing/2010/main">
-                  <a14:imgLayer r:embed="rId27">
+                  <a14:imgLayer r:embed="rId15">
                     <a14:imgEffect>
                       <a14:artisticBlur/>
                     </a14:imgEffect>
@@ -12035,18 +11785,13 @@
           <a:p>
             <a:pPr algn="ctr" eaLnBrk="1" hangingPunct="1"/>
             <a:r>
-              <a:rPr lang="en-US" altLang="en-US" sz="1200" dirty="0" smtClean="0">
+              <a:rPr lang="en-US" altLang="en-US" sz="1200" dirty="0">
                 <a:latin typeface="Arial" panose="020B0604020202020204" pitchFamily="34" charset="0"/>
                 <a:ea typeface="Amazon Ember" panose="020B0603020204020204" pitchFamily="34" charset="0"/>
                 <a:cs typeface="Arial" panose="020B0604020202020204" pitchFamily="34" charset="0"/>
               </a:rPr>
               <a:t>NAT gateway</a:t>
             </a:r>
-            <a:endParaRPr lang="en-US" altLang="en-US" sz="1200" dirty="0">
-              <a:latin typeface="Arial" panose="020B0604020202020204" pitchFamily="34" charset="0"/>
-              <a:ea typeface="Amazon Ember" panose="020B0603020204020204" pitchFamily="34" charset="0"/>
-              <a:cs typeface="Arial" panose="020B0604020202020204" pitchFamily="34" charset="0"/>
-            </a:endParaRPr>
           </a:p>
         </p:txBody>
       </p:sp>
@@ -12065,10 +11810,10 @@
           <p:nvPr/>
         </p:nvPicPr>
         <p:blipFill>
-          <a:blip r:embed="rId23">
+          <a:blip r:embed="rId11">
             <a:extLst>
               <a:ext uri="{96DAC541-7B7A-43D3-8B79-37D633B846F1}">
-                <asvg:svgBlip xmlns:asvg="http://schemas.microsoft.com/office/drawing/2016/SVG/main" xmlns="" r:embed="rId24"/>
+                <asvg:svgBlip xmlns:asvg="http://schemas.microsoft.com/office/drawing/2016/SVG/main" r:embed="rId12"/>
               </a:ext>
             </a:extLst>
           </a:blip>
@@ -12151,25 +11896,8 @@
                 <a:latin typeface="Arial" panose="020B0604020202020204" pitchFamily="34" charset="0"/>
                 <a:cs typeface="Arial" panose="020B0604020202020204" pitchFamily="34" charset="0"/>
               </a:rPr>
-              <a:t>Availability </a:t>
+              <a:t>Availability Zone 1</a:t>
             </a:r>
-            <a:r>
-              <a:rPr lang="en-US" sz="1200" dirty="0" smtClean="0">
-                <a:solidFill>
-                  <a:srgbClr val="5B9CD5"/>
-                </a:solidFill>
-                <a:latin typeface="Arial" panose="020B0604020202020204" pitchFamily="34" charset="0"/>
-                <a:cs typeface="Arial" panose="020B0604020202020204" pitchFamily="34" charset="0"/>
-              </a:rPr>
-              <a:t>Zone 1</a:t>
-            </a:r>
-            <a:endParaRPr lang="en-US" sz="1200" dirty="0">
-              <a:solidFill>
-                <a:srgbClr val="5B9CD5"/>
-              </a:solidFill>
-              <a:latin typeface="Arial" panose="020B0604020202020204" pitchFamily="34" charset="0"/>
-              <a:cs typeface="Arial" panose="020B0604020202020204" pitchFamily="34" charset="0"/>
-            </a:endParaRPr>
           </a:p>
         </p:txBody>
       </p:sp>
@@ -12238,25 +11966,8 @@
                 <a:latin typeface="Arial" panose="020B0604020202020204" pitchFamily="34" charset="0"/>
                 <a:cs typeface="Arial" panose="020B0604020202020204" pitchFamily="34" charset="0"/>
               </a:rPr>
-              <a:t>Availability </a:t>
+              <a:t>Availability Zone 2</a:t>
             </a:r>
-            <a:r>
-              <a:rPr lang="en-US" sz="1200" dirty="0" smtClean="0">
-                <a:solidFill>
-                  <a:srgbClr val="5B9CD5"/>
-                </a:solidFill>
-                <a:latin typeface="Arial" panose="020B0604020202020204" pitchFamily="34" charset="0"/>
-                <a:cs typeface="Arial" panose="020B0604020202020204" pitchFamily="34" charset="0"/>
-              </a:rPr>
-              <a:t>Zone 2</a:t>
-            </a:r>
-            <a:endParaRPr lang="en-US" sz="1200" dirty="0">
-              <a:solidFill>
-                <a:srgbClr val="5B9CD5"/>
-              </a:solidFill>
-              <a:latin typeface="Arial" panose="020B0604020202020204" pitchFamily="34" charset="0"/>
-              <a:cs typeface="Arial" panose="020B0604020202020204" pitchFamily="34" charset="0"/>
-            </a:endParaRPr>
           </a:p>
         </p:txBody>
       </p:sp>
@@ -12289,7 +12000,7 @@
             <p:nvPr/>
           </p:nvPicPr>
           <p:blipFill>
-            <a:blip r:embed="rId29" cstate="print">
+            <a:blip r:embed="rId17" cstate="print">
               <a:extLst>
                 <a:ext uri="{28A0092B-C50C-407E-A947-70E740481C1C}">
                   <a14:useLocalDpi xmlns:a14="http://schemas.microsoft.com/office/drawing/2010/main" val="0"/>
@@ -12510,7 +12221,7 @@
             <p:nvPr/>
           </p:nvPicPr>
           <p:blipFill>
-            <a:blip r:embed="rId30" cstate="print">
+            <a:blip r:embed="rId18" cstate="print">
               <a:extLst>
                 <a:ext uri="{28A0092B-C50C-407E-A947-70E740481C1C}">
                   <a14:useLocalDpi xmlns:a14="http://schemas.microsoft.com/office/drawing/2010/main" val="0"/>
@@ -12711,21 +12422,8 @@
                   <a:ea typeface="Amazon Ember" panose="020B0603020204020204" pitchFamily="34" charset="0"/>
                   <a:cs typeface="Arial" panose="020B0604020202020204" pitchFamily="34" charset="0"/>
                 </a:rPr>
-                <a:t>Amazon </a:t>
+                <a:t>Amazon ES</a:t>
               </a:r>
-              <a:r>
-                <a:rPr lang="en-US" altLang="en-US" sz="1200" dirty="0" smtClean="0">
-                  <a:latin typeface="Arial" panose="020B0604020202020204" pitchFamily="34" charset="0"/>
-                  <a:ea typeface="Amazon Ember" panose="020B0603020204020204" pitchFamily="34" charset="0"/>
-                  <a:cs typeface="Arial" panose="020B0604020202020204" pitchFamily="34" charset="0"/>
-                </a:rPr>
-                <a:t>ES</a:t>
-              </a:r>
-              <a:endParaRPr lang="en-US" altLang="en-US" sz="1200" dirty="0">
-                <a:latin typeface="Arial" panose="020B0604020202020204" pitchFamily="34" charset="0"/>
-                <a:ea typeface="Amazon Ember" panose="020B0603020204020204" pitchFamily="34" charset="0"/>
-                <a:cs typeface="Arial" panose="020B0604020202020204" pitchFamily="34" charset="0"/>
-              </a:endParaRPr>
             </a:p>
           </p:txBody>
         </p:sp>
@@ -12747,973 +12445,6 @@
             <a:xfrm>
               <a:off x="12461740" y="6414268"/>
               <a:ext cx="1290638" cy="461665"/>
-            </a:xfrm>
-            <a:prstGeom prst="rect">
-              <a:avLst/>
-            </a:prstGeom>
-            <a:noFill/>
-            <a:ln>
-              <a:noFill/>
-            </a:ln>
-            <a:extLst>
-              <a:ext uri="{909E8E84-426E-40DD-AFC4-6F175D3DCCD1}">
-                <a14:hiddenFill xmlns:a14="http://schemas.microsoft.com/office/drawing/2010/main">
-                  <a:solidFill>
-                    <a:srgbClr val="FFFFFF"/>
-                  </a:solidFill>
-                </a14:hiddenFill>
-              </a:ext>
-              <a:ext uri="{91240B29-F687-4F45-9708-019B960494DF}">
-                <a14:hiddenLine xmlns:a14="http://schemas.microsoft.com/office/drawing/2010/main" w="9525">
-                  <a:solidFill>
-                    <a:srgbClr val="000000"/>
-                  </a:solidFill>
-                  <a:miter lim="800000"/>
-                  <a:headEnd/>
-                  <a:tailEnd/>
-                </a14:hiddenLine>
-              </a:ext>
-            </a:extLst>
-          </p:spPr>
-          <p:txBody>
-            <a:bodyPr wrap="square">
-              <a:spAutoFit/>
-            </a:bodyPr>
-            <a:lstStyle>
-              <a:lvl1pPr>
-                <a:defRPr>
-                  <a:solidFill>
-                    <a:schemeClr val="tx1"/>
-                  </a:solidFill>
-                  <a:latin typeface="Calibri" panose="020F0502020204030204" pitchFamily="34" charset="0"/>
-                </a:defRPr>
-              </a:lvl1pPr>
-              <a:lvl2pPr marL="742950" indent="-285750">
-                <a:defRPr>
-                  <a:solidFill>
-                    <a:schemeClr val="tx1"/>
-                  </a:solidFill>
-                  <a:latin typeface="Calibri" panose="020F0502020204030204" pitchFamily="34" charset="0"/>
-                </a:defRPr>
-              </a:lvl2pPr>
-              <a:lvl3pPr marL="1143000" indent="-228600">
-                <a:defRPr>
-                  <a:solidFill>
-                    <a:schemeClr val="tx1"/>
-                  </a:solidFill>
-                  <a:latin typeface="Calibri" panose="020F0502020204030204" pitchFamily="34" charset="0"/>
-                </a:defRPr>
-              </a:lvl3pPr>
-              <a:lvl4pPr marL="1600200" indent="-228600">
-                <a:defRPr>
-                  <a:solidFill>
-                    <a:schemeClr val="tx1"/>
-                  </a:solidFill>
-                  <a:latin typeface="Calibri" panose="020F0502020204030204" pitchFamily="34" charset="0"/>
-                </a:defRPr>
-              </a:lvl4pPr>
-              <a:lvl5pPr marL="2057400" indent="-228600">
-                <a:defRPr>
-                  <a:solidFill>
-                    <a:schemeClr val="tx1"/>
-                  </a:solidFill>
-                  <a:latin typeface="Calibri" panose="020F0502020204030204" pitchFamily="34" charset="0"/>
-                </a:defRPr>
-              </a:lvl5pPr>
-              <a:lvl6pPr marL="2514600" indent="-228600" eaLnBrk="0" fontAlgn="base" hangingPunct="0">
-                <a:spcBef>
-                  <a:spcPct val="0"/>
-                </a:spcBef>
-                <a:spcAft>
-                  <a:spcPct val="0"/>
-                </a:spcAft>
-                <a:defRPr>
-                  <a:solidFill>
-                    <a:schemeClr val="tx1"/>
-                  </a:solidFill>
-                  <a:latin typeface="Calibri" panose="020F0502020204030204" pitchFamily="34" charset="0"/>
-                </a:defRPr>
-              </a:lvl6pPr>
-              <a:lvl7pPr marL="2971800" indent="-228600" eaLnBrk="0" fontAlgn="base" hangingPunct="0">
-                <a:spcBef>
-                  <a:spcPct val="0"/>
-                </a:spcBef>
-                <a:spcAft>
-                  <a:spcPct val="0"/>
-                </a:spcAft>
-                <a:defRPr>
-                  <a:solidFill>
-                    <a:schemeClr val="tx1"/>
-                  </a:solidFill>
-                  <a:latin typeface="Calibri" panose="020F0502020204030204" pitchFamily="34" charset="0"/>
-                </a:defRPr>
-              </a:lvl7pPr>
-              <a:lvl8pPr marL="3429000" indent="-228600" eaLnBrk="0" fontAlgn="base" hangingPunct="0">
-                <a:spcBef>
-                  <a:spcPct val="0"/>
-                </a:spcBef>
-                <a:spcAft>
-                  <a:spcPct val="0"/>
-                </a:spcAft>
-                <a:defRPr>
-                  <a:solidFill>
-                    <a:schemeClr val="tx1"/>
-                  </a:solidFill>
-                  <a:latin typeface="Calibri" panose="020F0502020204030204" pitchFamily="34" charset="0"/>
-                </a:defRPr>
-              </a:lvl8pPr>
-              <a:lvl9pPr marL="3886200" indent="-228600" eaLnBrk="0" fontAlgn="base" hangingPunct="0">
-                <a:spcBef>
-                  <a:spcPct val="0"/>
-                </a:spcBef>
-                <a:spcAft>
-                  <a:spcPct val="0"/>
-                </a:spcAft>
-                <a:defRPr>
-                  <a:solidFill>
-                    <a:schemeClr val="tx1"/>
-                  </a:solidFill>
-                  <a:latin typeface="Calibri" panose="020F0502020204030204" pitchFamily="34" charset="0"/>
-                </a:defRPr>
-              </a:lvl9pPr>
-            </a:lstStyle>
-            <a:p>
-              <a:pPr algn="ctr" eaLnBrk="1" hangingPunct="1"/>
-              <a:r>
-                <a:rPr lang="en-US" altLang="en-US" sz="1200" dirty="0" smtClean="0">
-                  <a:latin typeface="Arial" panose="020B0604020202020204" pitchFamily="34" charset="0"/>
-                  <a:ea typeface="Amazon Ember" panose="020B0603020204020204" pitchFamily="34" charset="0"/>
-                  <a:cs typeface="Arial" panose="020B0604020202020204" pitchFamily="34" charset="0"/>
-                </a:rPr>
-                <a:t>S3 configuration files</a:t>
-              </a:r>
-              <a:endParaRPr lang="en-US" altLang="en-US" sz="1200" dirty="0">
-                <a:latin typeface="Arial" panose="020B0604020202020204" pitchFamily="34" charset="0"/>
-                <a:ea typeface="Amazon Ember" panose="020B0603020204020204" pitchFamily="34" charset="0"/>
-                <a:cs typeface="Arial" panose="020B0604020202020204" pitchFamily="34" charset="0"/>
-              </a:endParaRPr>
-            </a:p>
-          </p:txBody>
-        </p:sp>
-        <p:pic>
-          <p:nvPicPr>
-            <p:cNvPr id="43" name="Graphic 31">
-              <a:extLst>
-                <a:ext uri="{FF2B5EF4-FFF2-40B4-BE49-F238E27FC236}">
-                  <a16:creationId xmlns:a16="http://schemas.microsoft.com/office/drawing/2014/main" id="{5E4317A3-C947-2E4A-BF3D-D754AD5BF363}"/>
-                </a:ext>
-              </a:extLst>
-            </p:cNvPr>
-            <p:cNvPicPr>
-              <a:picLocks noChangeAspect="1" noChangeArrowheads="1"/>
-            </p:cNvPicPr>
-            <p:nvPr/>
-          </p:nvPicPr>
-          <p:blipFill>
-            <a:blip r:embed="rId31" cstate="print">
-              <a:extLst>
-                <a:ext uri="{28A0092B-C50C-407E-A947-70E740481C1C}">
-                  <a14:useLocalDpi xmlns:a14="http://schemas.microsoft.com/office/drawing/2010/main" val="0"/>
-                </a:ext>
-              </a:extLst>
-            </a:blip>
-            <a:srcRect/>
-            <a:stretch>
-              <a:fillRect/>
-            </a:stretch>
-          </p:blipFill>
-          <p:spPr bwMode="auto">
-            <a:xfrm>
-              <a:off x="12878459" y="5957068"/>
-              <a:ext cx="457200" cy="457200"/>
-            </a:xfrm>
-            <a:prstGeom prst="rect">
-              <a:avLst/>
-            </a:prstGeom>
-            <a:noFill/>
-            <a:ln>
-              <a:noFill/>
-            </a:ln>
-            <a:extLst>
-              <a:ext uri="{909E8E84-426E-40DD-AFC4-6F175D3DCCD1}">
-                <a14:hiddenFill xmlns:a14="http://schemas.microsoft.com/office/drawing/2010/main">
-                  <a:solidFill>
-                    <a:srgbClr val="FFFFFF"/>
-                  </a:solidFill>
-                </a14:hiddenFill>
-              </a:ext>
-              <a:ext uri="{91240B29-F687-4F45-9708-019B960494DF}">
-                <a14:hiddenLine xmlns:a14="http://schemas.microsoft.com/office/drawing/2010/main" w="9525">
-                  <a:solidFill>
-                    <a:srgbClr val="000000"/>
-                  </a:solidFill>
-                  <a:miter lim="800000"/>
-                  <a:headEnd/>
-                  <a:tailEnd/>
-                </a14:hiddenLine>
-              </a:ext>
-            </a:extLst>
-          </p:spPr>
-        </p:pic>
-        <p:sp>
-          <p:nvSpPr>
-            <p:cNvPr id="44" name="TextBox 60">
-              <a:extLst>
-                <a:ext uri="{FF2B5EF4-FFF2-40B4-BE49-F238E27FC236}">
-                  <a16:creationId xmlns:a16="http://schemas.microsoft.com/office/drawing/2014/main" id="{34E58C84-DC2E-5E48-8722-27FE9622CA30}"/>
-                </a:ext>
-              </a:extLst>
-            </p:cNvPr>
-            <p:cNvSpPr txBox="1">
-              <a:spLocks noChangeArrowheads="1"/>
-            </p:cNvSpPr>
-            <p:nvPr/>
-          </p:nvSpPr>
-          <p:spPr bwMode="auto">
-            <a:xfrm>
-              <a:off x="11308901" y="6414268"/>
-              <a:ext cx="637494" cy="461665"/>
-            </a:xfrm>
-            <a:prstGeom prst="rect">
-              <a:avLst/>
-            </a:prstGeom>
-            <a:noFill/>
-            <a:ln>
-              <a:noFill/>
-            </a:ln>
-            <a:extLst>
-              <a:ext uri="{909E8E84-426E-40DD-AFC4-6F175D3DCCD1}">
-                <a14:hiddenFill xmlns:a14="http://schemas.microsoft.com/office/drawing/2010/main">
-                  <a:solidFill>
-                    <a:srgbClr val="FFFFFF"/>
-                  </a:solidFill>
-                </a14:hiddenFill>
-              </a:ext>
-              <a:ext uri="{91240B29-F687-4F45-9708-019B960494DF}">
-                <a14:hiddenLine xmlns:a14="http://schemas.microsoft.com/office/drawing/2010/main" w="9525">
-                  <a:solidFill>
-                    <a:srgbClr val="000000"/>
-                  </a:solidFill>
-                  <a:miter lim="800000"/>
-                  <a:headEnd/>
-                  <a:tailEnd/>
-                </a14:hiddenLine>
-              </a:ext>
-            </a:extLst>
-          </p:spPr>
-          <p:txBody>
-            <a:bodyPr wrap="square">
-              <a:spAutoFit/>
-            </a:bodyPr>
-            <a:lstStyle>
-              <a:lvl1pPr>
-                <a:defRPr>
-                  <a:solidFill>
-                    <a:schemeClr val="tx1"/>
-                  </a:solidFill>
-                  <a:latin typeface="Calibri" panose="020F0502020204030204" pitchFamily="34" charset="0"/>
-                </a:defRPr>
-              </a:lvl1pPr>
-              <a:lvl2pPr marL="742950" indent="-285750">
-                <a:defRPr>
-                  <a:solidFill>
-                    <a:schemeClr val="tx1"/>
-                  </a:solidFill>
-                  <a:latin typeface="Calibri" panose="020F0502020204030204" pitchFamily="34" charset="0"/>
-                </a:defRPr>
-              </a:lvl2pPr>
-              <a:lvl3pPr marL="1143000" indent="-228600">
-                <a:defRPr>
-                  <a:solidFill>
-                    <a:schemeClr val="tx1"/>
-                  </a:solidFill>
-                  <a:latin typeface="Calibri" panose="020F0502020204030204" pitchFamily="34" charset="0"/>
-                </a:defRPr>
-              </a:lvl3pPr>
-              <a:lvl4pPr marL="1600200" indent="-228600">
-                <a:defRPr>
-                  <a:solidFill>
-                    <a:schemeClr val="tx1"/>
-                  </a:solidFill>
-                  <a:latin typeface="Calibri" panose="020F0502020204030204" pitchFamily="34" charset="0"/>
-                </a:defRPr>
-              </a:lvl4pPr>
-              <a:lvl5pPr marL="2057400" indent="-228600">
-                <a:defRPr>
-                  <a:solidFill>
-                    <a:schemeClr val="tx1"/>
-                  </a:solidFill>
-                  <a:latin typeface="Calibri" panose="020F0502020204030204" pitchFamily="34" charset="0"/>
-                </a:defRPr>
-              </a:lvl5pPr>
-              <a:lvl6pPr marL="2514600" indent="-228600" eaLnBrk="0" fontAlgn="base" hangingPunct="0">
-                <a:spcBef>
-                  <a:spcPct val="0"/>
-                </a:spcBef>
-                <a:spcAft>
-                  <a:spcPct val="0"/>
-                </a:spcAft>
-                <a:defRPr>
-                  <a:solidFill>
-                    <a:schemeClr val="tx1"/>
-                  </a:solidFill>
-                  <a:latin typeface="Calibri" panose="020F0502020204030204" pitchFamily="34" charset="0"/>
-                </a:defRPr>
-              </a:lvl6pPr>
-              <a:lvl7pPr marL="2971800" indent="-228600" eaLnBrk="0" fontAlgn="base" hangingPunct="0">
-                <a:spcBef>
-                  <a:spcPct val="0"/>
-                </a:spcBef>
-                <a:spcAft>
-                  <a:spcPct val="0"/>
-                </a:spcAft>
-                <a:defRPr>
-                  <a:solidFill>
-                    <a:schemeClr val="tx1"/>
-                  </a:solidFill>
-                  <a:latin typeface="Calibri" panose="020F0502020204030204" pitchFamily="34" charset="0"/>
-                </a:defRPr>
-              </a:lvl7pPr>
-              <a:lvl8pPr marL="3429000" indent="-228600" eaLnBrk="0" fontAlgn="base" hangingPunct="0">
-                <a:spcBef>
-                  <a:spcPct val="0"/>
-                </a:spcBef>
-                <a:spcAft>
-                  <a:spcPct val="0"/>
-                </a:spcAft>
-                <a:defRPr>
-                  <a:solidFill>
-                    <a:schemeClr val="tx1"/>
-                  </a:solidFill>
-                  <a:latin typeface="Calibri" panose="020F0502020204030204" pitchFamily="34" charset="0"/>
-                </a:defRPr>
-              </a:lvl8pPr>
-              <a:lvl9pPr marL="3886200" indent="-228600" eaLnBrk="0" fontAlgn="base" hangingPunct="0">
-                <a:spcBef>
-                  <a:spcPct val="0"/>
-                </a:spcBef>
-                <a:spcAft>
-                  <a:spcPct val="0"/>
-                </a:spcAft>
-                <a:defRPr>
-                  <a:solidFill>
-                    <a:schemeClr val="tx1"/>
-                  </a:solidFill>
-                  <a:latin typeface="Calibri" panose="020F0502020204030204" pitchFamily="34" charset="0"/>
-                </a:defRPr>
-              </a:lvl9pPr>
-            </a:lstStyle>
-            <a:p>
-              <a:pPr algn="ctr" eaLnBrk="1" hangingPunct="1"/>
-              <a:r>
-                <a:rPr lang="en-US" altLang="en-US" sz="1200" dirty="0" smtClean="0">
-                  <a:latin typeface="Arial" panose="020B0604020202020204" pitchFamily="34" charset="0"/>
-                  <a:ea typeface="Amazon Ember" panose="020B0603020204020204" pitchFamily="34" charset="0"/>
-                  <a:cs typeface="Arial" panose="020B0604020202020204" pitchFamily="34" charset="0"/>
-                </a:rPr>
-                <a:t>S3 log files</a:t>
-              </a:r>
-              <a:endParaRPr lang="en-US" altLang="en-US" sz="1200" dirty="0">
-                <a:latin typeface="Arial" panose="020B0604020202020204" pitchFamily="34" charset="0"/>
-                <a:ea typeface="Amazon Ember" panose="020B0603020204020204" pitchFamily="34" charset="0"/>
-                <a:cs typeface="Arial" panose="020B0604020202020204" pitchFamily="34" charset="0"/>
-              </a:endParaRPr>
-            </a:p>
-          </p:txBody>
-        </p:sp>
-        <p:pic>
-          <p:nvPicPr>
-            <p:cNvPr id="45" name="Graphic 66">
-              <a:extLst>
-                <a:ext uri="{FF2B5EF4-FFF2-40B4-BE49-F238E27FC236}">
-                  <a16:creationId xmlns:a16="http://schemas.microsoft.com/office/drawing/2014/main" id="{27A2FBEB-B16D-5C48-AABF-654B9E138990}"/>
-                </a:ext>
-              </a:extLst>
-            </p:cNvPr>
-            <p:cNvPicPr>
-              <a:picLocks noChangeAspect="1" noChangeArrowheads="1"/>
-            </p:cNvPicPr>
-            <p:nvPr/>
-          </p:nvPicPr>
-          <p:blipFill>
-            <a:blip r:embed="rId32" cstate="print">
-              <a:extLst>
-                <a:ext uri="{28A0092B-C50C-407E-A947-70E740481C1C}">
-                  <a14:useLocalDpi xmlns:a14="http://schemas.microsoft.com/office/drawing/2010/main" val="0"/>
-                </a:ext>
-              </a:extLst>
-            </a:blip>
-            <a:srcRect/>
-            <a:stretch>
-              <a:fillRect/>
-            </a:stretch>
-          </p:blipFill>
-          <p:spPr bwMode="auto">
-            <a:xfrm>
-              <a:off x="11399048" y="5957068"/>
-              <a:ext cx="457200" cy="457200"/>
-            </a:xfrm>
-            <a:prstGeom prst="rect">
-              <a:avLst/>
-            </a:prstGeom>
-            <a:noFill/>
-            <a:ln>
-              <a:noFill/>
-            </a:ln>
-            <a:extLst>
-              <a:ext uri="{909E8E84-426E-40DD-AFC4-6F175D3DCCD1}">
-                <a14:hiddenFill xmlns:a14="http://schemas.microsoft.com/office/drawing/2010/main">
-                  <a:solidFill>
-                    <a:srgbClr val="FFFFFF"/>
-                  </a:solidFill>
-                </a14:hiddenFill>
-              </a:ext>
-              <a:ext uri="{91240B29-F687-4F45-9708-019B960494DF}">
-                <a14:hiddenLine xmlns:a14="http://schemas.microsoft.com/office/drawing/2010/main" w="9525">
-                  <a:solidFill>
-                    <a:srgbClr val="000000"/>
-                  </a:solidFill>
-                  <a:miter lim="800000"/>
-                  <a:headEnd/>
-                  <a:tailEnd/>
-                </a14:hiddenLine>
-              </a:ext>
-            </a:extLst>
-          </p:spPr>
-        </p:pic>
-        <p:pic>
-          <p:nvPicPr>
-            <p:cNvPr id="46" name="Graphic 21">
-              <a:extLst>
-                <a:ext uri="{FF2B5EF4-FFF2-40B4-BE49-F238E27FC236}">
-                  <a16:creationId xmlns:a16="http://schemas.microsoft.com/office/drawing/2014/main" id="{2274BF0C-7782-4E49-BA18-B61AFF72E6DA}"/>
-                </a:ext>
-              </a:extLst>
-            </p:cNvPr>
-            <p:cNvPicPr>
-              <a:picLocks noChangeAspect="1" noChangeArrowheads="1"/>
-            </p:cNvPicPr>
-            <p:nvPr/>
-          </p:nvPicPr>
-          <p:blipFill>
-            <a:blip r:embed="rId33" cstate="print">
-              <a:extLst>
-                <a:ext uri="{28A0092B-C50C-407E-A947-70E740481C1C}">
-                  <a14:useLocalDpi xmlns:a14="http://schemas.microsoft.com/office/drawing/2010/main" val="0"/>
-                </a:ext>
-              </a:extLst>
-            </a:blip>
-            <a:srcRect/>
-            <a:stretch>
-              <a:fillRect/>
-            </a:stretch>
-          </p:blipFill>
-          <p:spPr bwMode="auto">
-            <a:xfrm>
-              <a:off x="12726059" y="4700695"/>
-              <a:ext cx="762000" cy="762000"/>
-            </a:xfrm>
-            <a:prstGeom prst="rect">
-              <a:avLst/>
-            </a:prstGeom>
-            <a:noFill/>
-            <a:ln>
-              <a:noFill/>
-            </a:ln>
-            <a:extLst>
-              <a:ext uri="{909E8E84-426E-40DD-AFC4-6F175D3DCCD1}">
-                <a14:hiddenFill xmlns:a14="http://schemas.microsoft.com/office/drawing/2010/main">
-                  <a:solidFill>
-                    <a:srgbClr val="FFFFFF"/>
-                  </a:solidFill>
-                </a14:hiddenFill>
-              </a:ext>
-              <a:ext uri="{91240B29-F687-4F45-9708-019B960494DF}">
-                <a14:hiddenLine xmlns:a14="http://schemas.microsoft.com/office/drawing/2010/main" w="9525">
-                  <a:solidFill>
-                    <a:srgbClr val="000000"/>
-                  </a:solidFill>
-                  <a:miter lim="800000"/>
-                  <a:headEnd/>
-                  <a:tailEnd/>
-                </a14:hiddenLine>
-              </a:ext>
-            </a:extLst>
-          </p:spPr>
-        </p:pic>
-        <p:sp>
-          <p:nvSpPr>
-            <p:cNvPr id="47" name="TextBox 12">
-              <a:extLst>
-                <a:ext uri="{FF2B5EF4-FFF2-40B4-BE49-F238E27FC236}">
-                  <a16:creationId xmlns:a16="http://schemas.microsoft.com/office/drawing/2014/main" id="{CCB91AC5-C76C-F545-8ADD-956FB2612C10}"/>
-                </a:ext>
-              </a:extLst>
-            </p:cNvPr>
-            <p:cNvSpPr txBox="1">
-              <a:spLocks noChangeArrowheads="1"/>
-            </p:cNvSpPr>
-            <p:nvPr/>
-          </p:nvSpPr>
-          <p:spPr bwMode="auto">
-            <a:xfrm>
-              <a:off x="12362293" y="5472411"/>
-              <a:ext cx="1489532" cy="276999"/>
-            </a:xfrm>
-            <a:prstGeom prst="rect">
-              <a:avLst/>
-            </a:prstGeom>
-            <a:noFill/>
-            <a:ln>
-              <a:noFill/>
-            </a:ln>
-            <a:extLst>
-              <a:ext uri="{909E8E84-426E-40DD-AFC4-6F175D3DCCD1}">
-                <a14:hiddenFill xmlns:a14="http://schemas.microsoft.com/office/drawing/2010/main">
-                  <a:solidFill>
-                    <a:srgbClr val="FFFFFF"/>
-                  </a:solidFill>
-                </a14:hiddenFill>
-              </a:ext>
-              <a:ext uri="{91240B29-F687-4F45-9708-019B960494DF}">
-                <a14:hiddenLine xmlns:a14="http://schemas.microsoft.com/office/drawing/2010/main" w="9525">
-                  <a:solidFill>
-                    <a:srgbClr val="000000"/>
-                  </a:solidFill>
-                  <a:miter lim="800000"/>
-                  <a:headEnd/>
-                  <a:tailEnd/>
-                </a14:hiddenLine>
-              </a:ext>
-            </a:extLst>
-          </p:spPr>
-          <p:txBody>
-            <a:bodyPr wrap="square">
-              <a:spAutoFit/>
-            </a:bodyPr>
-            <a:lstStyle>
-              <a:lvl1pPr>
-                <a:defRPr>
-                  <a:solidFill>
-                    <a:schemeClr val="tx1"/>
-                  </a:solidFill>
-                  <a:latin typeface="Calibri" panose="020F0502020204030204" pitchFamily="34" charset="0"/>
-                </a:defRPr>
-              </a:lvl1pPr>
-              <a:lvl2pPr marL="742950" indent="-285750">
-                <a:defRPr>
-                  <a:solidFill>
-                    <a:schemeClr val="tx1"/>
-                  </a:solidFill>
-                  <a:latin typeface="Calibri" panose="020F0502020204030204" pitchFamily="34" charset="0"/>
-                </a:defRPr>
-              </a:lvl2pPr>
-              <a:lvl3pPr marL="1143000" indent="-228600">
-                <a:defRPr>
-                  <a:solidFill>
-                    <a:schemeClr val="tx1"/>
-                  </a:solidFill>
-                  <a:latin typeface="Calibri" panose="020F0502020204030204" pitchFamily="34" charset="0"/>
-                </a:defRPr>
-              </a:lvl3pPr>
-              <a:lvl4pPr marL="1600200" indent="-228600">
-                <a:defRPr>
-                  <a:solidFill>
-                    <a:schemeClr val="tx1"/>
-                  </a:solidFill>
-                  <a:latin typeface="Calibri" panose="020F0502020204030204" pitchFamily="34" charset="0"/>
-                </a:defRPr>
-              </a:lvl4pPr>
-              <a:lvl5pPr marL="2057400" indent="-228600">
-                <a:defRPr>
-                  <a:solidFill>
-                    <a:schemeClr val="tx1"/>
-                  </a:solidFill>
-                  <a:latin typeface="Calibri" panose="020F0502020204030204" pitchFamily="34" charset="0"/>
-                </a:defRPr>
-              </a:lvl5pPr>
-              <a:lvl6pPr marL="2514600" indent="-228600" eaLnBrk="0" fontAlgn="base" hangingPunct="0">
-                <a:spcBef>
-                  <a:spcPct val="0"/>
-                </a:spcBef>
-                <a:spcAft>
-                  <a:spcPct val="0"/>
-                </a:spcAft>
-                <a:defRPr>
-                  <a:solidFill>
-                    <a:schemeClr val="tx1"/>
-                  </a:solidFill>
-                  <a:latin typeface="Calibri" panose="020F0502020204030204" pitchFamily="34" charset="0"/>
-                </a:defRPr>
-              </a:lvl6pPr>
-              <a:lvl7pPr marL="2971800" indent="-228600" eaLnBrk="0" fontAlgn="base" hangingPunct="0">
-                <a:spcBef>
-                  <a:spcPct val="0"/>
-                </a:spcBef>
-                <a:spcAft>
-                  <a:spcPct val="0"/>
-                </a:spcAft>
-                <a:defRPr>
-                  <a:solidFill>
-                    <a:schemeClr val="tx1"/>
-                  </a:solidFill>
-                  <a:latin typeface="Calibri" panose="020F0502020204030204" pitchFamily="34" charset="0"/>
-                </a:defRPr>
-              </a:lvl7pPr>
-              <a:lvl8pPr marL="3429000" indent="-228600" eaLnBrk="0" fontAlgn="base" hangingPunct="0">
-                <a:spcBef>
-                  <a:spcPct val="0"/>
-                </a:spcBef>
-                <a:spcAft>
-                  <a:spcPct val="0"/>
-                </a:spcAft>
-                <a:defRPr>
-                  <a:solidFill>
-                    <a:schemeClr val="tx1"/>
-                  </a:solidFill>
-                  <a:latin typeface="Calibri" panose="020F0502020204030204" pitchFamily="34" charset="0"/>
-                </a:defRPr>
-              </a:lvl8pPr>
-              <a:lvl9pPr marL="3886200" indent="-228600" eaLnBrk="0" fontAlgn="base" hangingPunct="0">
-                <a:spcBef>
-                  <a:spcPct val="0"/>
-                </a:spcBef>
-                <a:spcAft>
-                  <a:spcPct val="0"/>
-                </a:spcAft>
-                <a:defRPr>
-                  <a:solidFill>
-                    <a:schemeClr val="tx1"/>
-                  </a:solidFill>
-                  <a:latin typeface="Calibri" panose="020F0502020204030204" pitchFamily="34" charset="0"/>
-                </a:defRPr>
-              </a:lvl9pPr>
-            </a:lstStyle>
-            <a:p>
-              <a:pPr algn="ctr" eaLnBrk="1" hangingPunct="1"/>
-              <a:r>
-                <a:rPr lang="en-US" altLang="en-US" sz="1200" dirty="0" smtClean="0">
-                  <a:latin typeface="Arial" panose="020B0604020202020204" pitchFamily="34" charset="0"/>
-                  <a:ea typeface="Amazon Ember" panose="020B0603020204020204" pitchFamily="34" charset="0"/>
-                  <a:cs typeface="Arial" panose="020B0604020202020204" pitchFamily="34" charset="0"/>
-                </a:rPr>
-                <a:t>Route </a:t>
-              </a:r>
-              <a:r>
-                <a:rPr lang="en-US" altLang="en-US" sz="1200" dirty="0">
-                  <a:latin typeface="Arial" panose="020B0604020202020204" pitchFamily="34" charset="0"/>
-                  <a:ea typeface="Amazon Ember" panose="020B0603020204020204" pitchFamily="34" charset="0"/>
-                  <a:cs typeface="Arial" panose="020B0604020202020204" pitchFamily="34" charset="0"/>
-                </a:rPr>
-                <a:t>53</a:t>
-              </a:r>
-            </a:p>
-          </p:txBody>
-        </p:sp>
-        <p:pic>
-          <p:nvPicPr>
-            <p:cNvPr id="48" name="Graphic 10">
-              <a:extLst>
-                <a:ext uri="{FF2B5EF4-FFF2-40B4-BE49-F238E27FC236}">
-                  <a16:creationId xmlns:a16="http://schemas.microsoft.com/office/drawing/2014/main" id="{7249C1EC-5A69-3C4D-9DDF-0DB93BB70BC6}"/>
-                </a:ext>
-              </a:extLst>
-            </p:cNvPr>
-            <p:cNvPicPr>
-              <a:picLocks noChangeAspect="1" noChangeArrowheads="1"/>
-            </p:cNvPicPr>
-            <p:nvPr/>
-          </p:nvPicPr>
-          <p:blipFill>
-            <a:blip r:embed="rId34" cstate="print">
-              <a:extLst>
-                <a:ext uri="{28A0092B-C50C-407E-A947-70E740481C1C}">
-                  <a14:useLocalDpi xmlns:a14="http://schemas.microsoft.com/office/drawing/2010/main" val="0"/>
-                </a:ext>
-              </a:extLst>
-            </a:blip>
-            <a:srcRect/>
-            <a:stretch>
-              <a:fillRect/>
-            </a:stretch>
-          </p:blipFill>
-          <p:spPr bwMode="auto">
-            <a:xfrm>
-              <a:off x="11246648" y="4700695"/>
-              <a:ext cx="762000" cy="762000"/>
-            </a:xfrm>
-            <a:prstGeom prst="rect">
-              <a:avLst/>
-            </a:prstGeom>
-            <a:noFill/>
-            <a:ln>
-              <a:noFill/>
-            </a:ln>
-            <a:extLst>
-              <a:ext uri="{909E8E84-426E-40DD-AFC4-6F175D3DCCD1}">
-                <a14:hiddenFill xmlns:a14="http://schemas.microsoft.com/office/drawing/2010/main">
-                  <a:solidFill>
-                    <a:srgbClr val="FFFFFF"/>
-                  </a:solidFill>
-                </a14:hiddenFill>
-              </a:ext>
-              <a:ext uri="{91240B29-F687-4F45-9708-019B960494DF}">
-                <a14:hiddenLine xmlns:a14="http://schemas.microsoft.com/office/drawing/2010/main" w="9525">
-                  <a:solidFill>
-                    <a:srgbClr val="000000"/>
-                  </a:solidFill>
-                  <a:miter lim="800000"/>
-                  <a:headEnd/>
-                  <a:tailEnd/>
-                </a14:hiddenLine>
-              </a:ext>
-            </a:extLst>
-          </p:spPr>
-        </p:pic>
-        <p:sp>
-          <p:nvSpPr>
-            <p:cNvPr id="49" name="TextBox 20">
-              <a:extLst>
-                <a:ext uri="{FF2B5EF4-FFF2-40B4-BE49-F238E27FC236}">
-                  <a16:creationId xmlns:a16="http://schemas.microsoft.com/office/drawing/2014/main" id="{E5D4A7D0-5E44-1943-968A-C198F40D0E71}"/>
-                </a:ext>
-              </a:extLst>
-            </p:cNvPr>
-            <p:cNvSpPr txBox="1">
-              <a:spLocks noChangeArrowheads="1"/>
-            </p:cNvSpPr>
-            <p:nvPr/>
-          </p:nvSpPr>
-          <p:spPr bwMode="auto">
-            <a:xfrm>
-              <a:off x="10964197" y="5472411"/>
-              <a:ext cx="1352421" cy="276944"/>
-            </a:xfrm>
-            <a:prstGeom prst="rect">
-              <a:avLst/>
-            </a:prstGeom>
-            <a:noFill/>
-            <a:ln>
-              <a:noFill/>
-            </a:ln>
-            <a:extLst>
-              <a:ext uri="{909E8E84-426E-40DD-AFC4-6F175D3DCCD1}">
-                <a14:hiddenFill xmlns:a14="http://schemas.microsoft.com/office/drawing/2010/main">
-                  <a:solidFill>
-                    <a:srgbClr val="FFFFFF"/>
-                  </a:solidFill>
-                </a14:hiddenFill>
-              </a:ext>
-              <a:ext uri="{91240B29-F687-4F45-9708-019B960494DF}">
-                <a14:hiddenLine xmlns:a14="http://schemas.microsoft.com/office/drawing/2010/main" w="9525">
-                  <a:solidFill>
-                    <a:srgbClr val="000000"/>
-                  </a:solidFill>
-                  <a:miter lim="800000"/>
-                  <a:headEnd/>
-                  <a:tailEnd/>
-                </a14:hiddenLine>
-              </a:ext>
-            </a:extLst>
-          </p:spPr>
-          <p:txBody>
-            <a:bodyPr wrap="square">
-              <a:spAutoFit/>
-            </a:bodyPr>
-            <a:lstStyle>
-              <a:lvl1pPr>
-                <a:defRPr>
-                  <a:solidFill>
-                    <a:schemeClr val="tx1"/>
-                  </a:solidFill>
-                  <a:latin typeface="Calibri" panose="020F0502020204030204" pitchFamily="34" charset="0"/>
-                </a:defRPr>
-              </a:lvl1pPr>
-              <a:lvl2pPr marL="742950" indent="-285750">
-                <a:defRPr>
-                  <a:solidFill>
-                    <a:schemeClr val="tx1"/>
-                  </a:solidFill>
-                  <a:latin typeface="Calibri" panose="020F0502020204030204" pitchFamily="34" charset="0"/>
-                </a:defRPr>
-              </a:lvl2pPr>
-              <a:lvl3pPr marL="1143000" indent="-228600">
-                <a:defRPr>
-                  <a:solidFill>
-                    <a:schemeClr val="tx1"/>
-                  </a:solidFill>
-                  <a:latin typeface="Calibri" panose="020F0502020204030204" pitchFamily="34" charset="0"/>
-                </a:defRPr>
-              </a:lvl3pPr>
-              <a:lvl4pPr marL="1600200" indent="-228600">
-                <a:defRPr>
-                  <a:solidFill>
-                    <a:schemeClr val="tx1"/>
-                  </a:solidFill>
-                  <a:latin typeface="Calibri" panose="020F0502020204030204" pitchFamily="34" charset="0"/>
-                </a:defRPr>
-              </a:lvl4pPr>
-              <a:lvl5pPr marL="2057400" indent="-228600">
-                <a:defRPr>
-                  <a:solidFill>
-                    <a:schemeClr val="tx1"/>
-                  </a:solidFill>
-                  <a:latin typeface="Calibri" panose="020F0502020204030204" pitchFamily="34" charset="0"/>
-                </a:defRPr>
-              </a:lvl5pPr>
-              <a:lvl6pPr marL="2514600" indent="-228600" eaLnBrk="0" fontAlgn="base" hangingPunct="0">
-                <a:spcBef>
-                  <a:spcPct val="0"/>
-                </a:spcBef>
-                <a:spcAft>
-                  <a:spcPct val="0"/>
-                </a:spcAft>
-                <a:defRPr>
-                  <a:solidFill>
-                    <a:schemeClr val="tx1"/>
-                  </a:solidFill>
-                  <a:latin typeface="Calibri" panose="020F0502020204030204" pitchFamily="34" charset="0"/>
-                </a:defRPr>
-              </a:lvl6pPr>
-              <a:lvl7pPr marL="2971800" indent="-228600" eaLnBrk="0" fontAlgn="base" hangingPunct="0">
-                <a:spcBef>
-                  <a:spcPct val="0"/>
-                </a:spcBef>
-                <a:spcAft>
-                  <a:spcPct val="0"/>
-                </a:spcAft>
-                <a:defRPr>
-                  <a:solidFill>
-                    <a:schemeClr val="tx1"/>
-                  </a:solidFill>
-                  <a:latin typeface="Calibri" panose="020F0502020204030204" pitchFamily="34" charset="0"/>
-                </a:defRPr>
-              </a:lvl7pPr>
-              <a:lvl8pPr marL="3429000" indent="-228600" eaLnBrk="0" fontAlgn="base" hangingPunct="0">
-                <a:spcBef>
-                  <a:spcPct val="0"/>
-                </a:spcBef>
-                <a:spcAft>
-                  <a:spcPct val="0"/>
-                </a:spcAft>
-                <a:defRPr>
-                  <a:solidFill>
-                    <a:schemeClr val="tx1"/>
-                  </a:solidFill>
-                  <a:latin typeface="Calibri" panose="020F0502020204030204" pitchFamily="34" charset="0"/>
-                </a:defRPr>
-              </a:lvl8pPr>
-              <a:lvl9pPr marL="3886200" indent="-228600" eaLnBrk="0" fontAlgn="base" hangingPunct="0">
-                <a:spcBef>
-                  <a:spcPct val="0"/>
-                </a:spcBef>
-                <a:spcAft>
-                  <a:spcPct val="0"/>
-                </a:spcAft>
-                <a:defRPr>
-                  <a:solidFill>
-                    <a:schemeClr val="tx1"/>
-                  </a:solidFill>
-                  <a:latin typeface="Calibri" panose="020F0502020204030204" pitchFamily="34" charset="0"/>
-                </a:defRPr>
-              </a:lvl9pPr>
-            </a:lstStyle>
-            <a:p>
-              <a:pPr algn="ctr" eaLnBrk="1" hangingPunct="1"/>
-              <a:r>
-                <a:rPr lang="en-US" altLang="en-US" sz="1200" dirty="0" smtClean="0">
-                  <a:latin typeface="Arial" panose="020B0604020202020204" pitchFamily="34" charset="0"/>
-                  <a:ea typeface="Amazon Ember" panose="020B0603020204020204" pitchFamily="34" charset="0"/>
-                  <a:cs typeface="Arial" panose="020B0604020202020204" pitchFamily="34" charset="0"/>
-                </a:rPr>
-                <a:t>Lambda</a:t>
-              </a:r>
-              <a:endParaRPr lang="en-US" altLang="en-US" sz="1200" dirty="0">
-                <a:latin typeface="Arial" panose="020B0604020202020204" pitchFamily="34" charset="0"/>
-                <a:ea typeface="Amazon Ember" panose="020B0603020204020204" pitchFamily="34" charset="0"/>
-                <a:cs typeface="Arial" panose="020B0604020202020204" pitchFamily="34" charset="0"/>
-              </a:endParaRPr>
-            </a:p>
-          </p:txBody>
-        </p:sp>
-        <p:pic>
-          <p:nvPicPr>
-            <p:cNvPr id="52" name="Graphic 17">
-              <a:extLst>
-                <a:ext uri="{FF2B5EF4-FFF2-40B4-BE49-F238E27FC236}">
-                  <a16:creationId xmlns:a16="http://schemas.microsoft.com/office/drawing/2014/main" id="{443A8EDD-16C2-6848-83A6-4582C7B74B70}"/>
-                </a:ext>
-              </a:extLst>
-            </p:cNvPr>
-            <p:cNvPicPr>
-              <a:picLocks noChangeAspect="1" noChangeArrowheads="1"/>
-            </p:cNvPicPr>
-            <p:nvPr/>
-          </p:nvPicPr>
-          <p:blipFill>
-            <a:blip r:embed="rId35" cstate="print">
-              <a:extLst>
-                <a:ext uri="{28A0092B-C50C-407E-A947-70E740481C1C}">
-                  <a14:useLocalDpi xmlns:a14="http://schemas.microsoft.com/office/drawing/2010/main" val="0"/>
-                </a:ext>
-              </a:extLst>
-            </a:blip>
-            <a:srcRect/>
-            <a:stretch>
-              <a:fillRect/>
-            </a:stretch>
-          </p:blipFill>
-          <p:spPr bwMode="auto">
-            <a:xfrm>
-              <a:off x="11246648" y="3358946"/>
-              <a:ext cx="762000" cy="762000"/>
-            </a:xfrm>
-            <a:prstGeom prst="rect">
-              <a:avLst/>
-            </a:prstGeom>
-            <a:noFill/>
-            <a:ln>
-              <a:noFill/>
-            </a:ln>
-            <a:extLst>
-              <a:ext uri="{909E8E84-426E-40DD-AFC4-6F175D3DCCD1}">
-                <a14:hiddenFill xmlns:a14="http://schemas.microsoft.com/office/drawing/2010/main">
-                  <a:solidFill>
-                    <a:srgbClr val="FFFFFF"/>
-                  </a:solidFill>
-                </a14:hiddenFill>
-              </a:ext>
-              <a:ext uri="{91240B29-F687-4F45-9708-019B960494DF}">
-                <a14:hiddenLine xmlns:a14="http://schemas.microsoft.com/office/drawing/2010/main" w="9525">
-                  <a:solidFill>
-                    <a:srgbClr val="000000"/>
-                  </a:solidFill>
-                  <a:miter lim="800000"/>
-                  <a:headEnd/>
-                  <a:tailEnd/>
-                </a14:hiddenLine>
-              </a:ext>
-            </a:extLst>
-          </p:spPr>
-        </p:pic>
-        <p:sp>
-          <p:nvSpPr>
-            <p:cNvPr id="53" name="TextBox 9">
-              <a:extLst>
-                <a:ext uri="{FF2B5EF4-FFF2-40B4-BE49-F238E27FC236}">
-                  <a16:creationId xmlns:a16="http://schemas.microsoft.com/office/drawing/2014/main" id="{F9D6EE48-441C-334D-8184-61EA0808B9C5}"/>
-                </a:ext>
-              </a:extLst>
-            </p:cNvPr>
-            <p:cNvSpPr txBox="1">
-              <a:spLocks noChangeArrowheads="1"/>
-            </p:cNvSpPr>
-            <p:nvPr/>
-          </p:nvSpPr>
-          <p:spPr bwMode="auto">
-            <a:xfrm>
-              <a:off x="10786211" y="4123227"/>
-              <a:ext cx="1666870" cy="276999"/>
             </a:xfrm>
             <a:prstGeom prst="rect">
               <a:avLst/>
@@ -13852,30 +12583,17 @@
                   <a:ea typeface="Amazon Ember" panose="020B0603020204020204" pitchFamily="34" charset="0"/>
                   <a:cs typeface="Arial" panose="020B0604020202020204" pitchFamily="34" charset="0"/>
                 </a:rPr>
-                <a:t>C</a:t>
+                <a:t>S3 configuration files</a:t>
               </a:r>
-              <a:r>
-                <a:rPr lang="en-US" altLang="en-US" sz="1200" dirty="0" smtClean="0">
-                  <a:latin typeface="Arial" panose="020B0604020202020204" pitchFamily="34" charset="0"/>
-                  <a:ea typeface="Amazon Ember" panose="020B0603020204020204" pitchFamily="34" charset="0"/>
-                  <a:cs typeface="Arial" panose="020B0604020202020204" pitchFamily="34" charset="0"/>
-                </a:rPr>
-                <a:t>loudWatch</a:t>
-              </a:r>
-              <a:endParaRPr lang="en-US" altLang="en-US" sz="1200" dirty="0">
-                <a:latin typeface="Arial" panose="020B0604020202020204" pitchFamily="34" charset="0"/>
-                <a:ea typeface="Amazon Ember" panose="020B0603020204020204" pitchFamily="34" charset="0"/>
-                <a:cs typeface="Arial" panose="020B0604020202020204" pitchFamily="34" charset="0"/>
-              </a:endParaRPr>
             </a:p>
           </p:txBody>
         </p:sp>
         <p:pic>
           <p:nvPicPr>
-            <p:cNvPr id="54" name="Graphic 12">
+            <p:cNvPr id="43" name="Graphic 31">
               <a:extLst>
                 <a:ext uri="{FF2B5EF4-FFF2-40B4-BE49-F238E27FC236}">
-                  <a16:creationId xmlns:a16="http://schemas.microsoft.com/office/drawing/2014/main" id="{5EA8505D-C1F4-EE4E-833B-CB64A1B34000}"/>
+                  <a16:creationId xmlns:a16="http://schemas.microsoft.com/office/drawing/2014/main" id="{5E4317A3-C947-2E4A-BF3D-D754AD5BF363}"/>
                 </a:ext>
               </a:extLst>
             </p:cNvPr>
@@ -13885,7 +12603,7 @@
             <p:nvPr/>
           </p:nvPicPr>
           <p:blipFill>
-            <a:blip r:embed="rId36" cstate="print">
+            <a:blip r:embed="rId19" cstate="print">
               <a:extLst>
                 <a:ext uri="{28A0092B-C50C-407E-A947-70E740481C1C}">
                   <a14:useLocalDpi xmlns:a14="http://schemas.microsoft.com/office/drawing/2010/main" val="0"/>
@@ -13899,8 +12617,8 @@
           </p:blipFill>
           <p:spPr bwMode="auto">
             <a:xfrm>
-              <a:off x="12726059" y="2044290"/>
-              <a:ext cx="762000" cy="762000"/>
+              <a:off x="12878459" y="5957068"/>
+              <a:ext cx="457200" cy="457200"/>
             </a:xfrm>
             <a:prstGeom prst="rect">
               <a:avLst/>
@@ -13932,10 +12650,10 @@
         </p:pic>
         <p:sp>
           <p:nvSpPr>
-            <p:cNvPr id="55" name="TextBox 19">
+            <p:cNvPr id="44" name="TextBox 60">
               <a:extLst>
                 <a:ext uri="{FF2B5EF4-FFF2-40B4-BE49-F238E27FC236}">
-                  <a16:creationId xmlns:a16="http://schemas.microsoft.com/office/drawing/2014/main" id="{06DC369A-EAD9-9443-8C96-34434FF819DD}"/>
+                  <a16:creationId xmlns:a16="http://schemas.microsoft.com/office/drawing/2014/main" id="{34E58C84-DC2E-5E48-8722-27FE9622CA30}"/>
                 </a:ext>
               </a:extLst>
             </p:cNvPr>
@@ -13946,8 +12664,8 @@
           </p:nvSpPr>
           <p:spPr bwMode="auto">
             <a:xfrm>
-              <a:off x="12359399" y="2813284"/>
-              <a:ext cx="1495320" cy="461665"/>
+              <a:off x="11308901" y="6414268"/>
+              <a:ext cx="637494" cy="461665"/>
             </a:xfrm>
             <a:prstGeom prst="rect">
               <a:avLst/>
@@ -14081,20 +12799,956 @@
             <a:p>
               <a:pPr algn="ctr" eaLnBrk="1" hangingPunct="1"/>
               <a:r>
-                <a:rPr lang="en-US" altLang="en-US" sz="1200" dirty="0" smtClean="0">
+                <a:rPr lang="en-US" altLang="en-US" sz="1200" dirty="0">
                   <a:latin typeface="Arial" panose="020B0604020202020204" pitchFamily="34" charset="0"/>
                   <a:ea typeface="Amazon Ember" panose="020B0603020204020204" pitchFamily="34" charset="0"/>
                   <a:cs typeface="Arial" panose="020B0604020202020204" pitchFamily="34" charset="0"/>
                 </a:rPr>
-                <a:t>Kinesis</a:t>
+                <a:t>S3 log files</a:t>
               </a:r>
+            </a:p>
+          </p:txBody>
+        </p:sp>
+        <p:pic>
+          <p:nvPicPr>
+            <p:cNvPr id="45" name="Graphic 66">
+              <a:extLst>
+                <a:ext uri="{FF2B5EF4-FFF2-40B4-BE49-F238E27FC236}">
+                  <a16:creationId xmlns:a16="http://schemas.microsoft.com/office/drawing/2014/main" id="{27A2FBEB-B16D-5C48-AABF-654B9E138990}"/>
+                </a:ext>
+              </a:extLst>
+            </p:cNvPr>
+            <p:cNvPicPr>
+              <a:picLocks noChangeAspect="1" noChangeArrowheads="1"/>
+            </p:cNvPicPr>
+            <p:nvPr/>
+          </p:nvPicPr>
+          <p:blipFill>
+            <a:blip r:embed="rId20" cstate="print">
+              <a:extLst>
+                <a:ext uri="{28A0092B-C50C-407E-A947-70E740481C1C}">
+                  <a14:useLocalDpi xmlns:a14="http://schemas.microsoft.com/office/drawing/2010/main" val="0"/>
+                </a:ext>
+              </a:extLst>
+            </a:blip>
+            <a:srcRect/>
+            <a:stretch>
+              <a:fillRect/>
+            </a:stretch>
+          </p:blipFill>
+          <p:spPr bwMode="auto">
+            <a:xfrm>
+              <a:off x="11399048" y="5957068"/>
+              <a:ext cx="457200" cy="457200"/>
+            </a:xfrm>
+            <a:prstGeom prst="rect">
+              <a:avLst/>
+            </a:prstGeom>
+            <a:noFill/>
+            <a:ln>
+              <a:noFill/>
+            </a:ln>
+            <a:extLst>
+              <a:ext uri="{909E8E84-426E-40DD-AFC4-6F175D3DCCD1}">
+                <a14:hiddenFill xmlns:a14="http://schemas.microsoft.com/office/drawing/2010/main">
+                  <a:solidFill>
+                    <a:srgbClr val="FFFFFF"/>
+                  </a:solidFill>
+                </a14:hiddenFill>
+              </a:ext>
+              <a:ext uri="{91240B29-F687-4F45-9708-019B960494DF}">
+                <a14:hiddenLine xmlns:a14="http://schemas.microsoft.com/office/drawing/2010/main" w="9525">
+                  <a:solidFill>
+                    <a:srgbClr val="000000"/>
+                  </a:solidFill>
+                  <a:miter lim="800000"/>
+                  <a:headEnd/>
+                  <a:tailEnd/>
+                </a14:hiddenLine>
+              </a:ext>
+            </a:extLst>
+          </p:spPr>
+        </p:pic>
+        <p:pic>
+          <p:nvPicPr>
+            <p:cNvPr id="46" name="Graphic 21">
+              <a:extLst>
+                <a:ext uri="{FF2B5EF4-FFF2-40B4-BE49-F238E27FC236}">
+                  <a16:creationId xmlns:a16="http://schemas.microsoft.com/office/drawing/2014/main" id="{2274BF0C-7782-4E49-BA18-B61AFF72E6DA}"/>
+                </a:ext>
+              </a:extLst>
+            </p:cNvPr>
+            <p:cNvPicPr>
+              <a:picLocks noChangeAspect="1" noChangeArrowheads="1"/>
+            </p:cNvPicPr>
+            <p:nvPr/>
+          </p:nvPicPr>
+          <p:blipFill>
+            <a:blip r:embed="rId21" cstate="print">
+              <a:extLst>
+                <a:ext uri="{28A0092B-C50C-407E-A947-70E740481C1C}">
+                  <a14:useLocalDpi xmlns:a14="http://schemas.microsoft.com/office/drawing/2010/main" val="0"/>
+                </a:ext>
+              </a:extLst>
+            </a:blip>
+            <a:srcRect/>
+            <a:stretch>
+              <a:fillRect/>
+            </a:stretch>
+          </p:blipFill>
+          <p:spPr bwMode="auto">
+            <a:xfrm>
+              <a:off x="12726059" y="4700695"/>
+              <a:ext cx="762000" cy="762000"/>
+            </a:xfrm>
+            <a:prstGeom prst="rect">
+              <a:avLst/>
+            </a:prstGeom>
+            <a:noFill/>
+            <a:ln>
+              <a:noFill/>
+            </a:ln>
+            <a:extLst>
+              <a:ext uri="{909E8E84-426E-40DD-AFC4-6F175D3DCCD1}">
+                <a14:hiddenFill xmlns:a14="http://schemas.microsoft.com/office/drawing/2010/main">
+                  <a:solidFill>
+                    <a:srgbClr val="FFFFFF"/>
+                  </a:solidFill>
+                </a14:hiddenFill>
+              </a:ext>
+              <a:ext uri="{91240B29-F687-4F45-9708-019B960494DF}">
+                <a14:hiddenLine xmlns:a14="http://schemas.microsoft.com/office/drawing/2010/main" w="9525">
+                  <a:solidFill>
+                    <a:srgbClr val="000000"/>
+                  </a:solidFill>
+                  <a:miter lim="800000"/>
+                  <a:headEnd/>
+                  <a:tailEnd/>
+                </a14:hiddenLine>
+              </a:ext>
+            </a:extLst>
+          </p:spPr>
+        </p:pic>
+        <p:sp>
+          <p:nvSpPr>
+            <p:cNvPr id="47" name="TextBox 12">
+              <a:extLst>
+                <a:ext uri="{FF2B5EF4-FFF2-40B4-BE49-F238E27FC236}">
+                  <a16:creationId xmlns:a16="http://schemas.microsoft.com/office/drawing/2014/main" id="{CCB91AC5-C76C-F545-8ADD-956FB2612C10}"/>
+                </a:ext>
+              </a:extLst>
+            </p:cNvPr>
+            <p:cNvSpPr txBox="1">
+              <a:spLocks noChangeArrowheads="1"/>
+            </p:cNvSpPr>
+            <p:nvPr/>
+          </p:nvSpPr>
+          <p:spPr bwMode="auto">
+            <a:xfrm>
+              <a:off x="12362293" y="5472411"/>
+              <a:ext cx="1489532" cy="276999"/>
+            </a:xfrm>
+            <a:prstGeom prst="rect">
+              <a:avLst/>
+            </a:prstGeom>
+            <a:noFill/>
+            <a:ln>
+              <a:noFill/>
+            </a:ln>
+            <a:extLst>
+              <a:ext uri="{909E8E84-426E-40DD-AFC4-6F175D3DCCD1}">
+                <a14:hiddenFill xmlns:a14="http://schemas.microsoft.com/office/drawing/2010/main">
+                  <a:solidFill>
+                    <a:srgbClr val="FFFFFF"/>
+                  </a:solidFill>
+                </a14:hiddenFill>
+              </a:ext>
+              <a:ext uri="{91240B29-F687-4F45-9708-019B960494DF}">
+                <a14:hiddenLine xmlns:a14="http://schemas.microsoft.com/office/drawing/2010/main" w="9525">
+                  <a:solidFill>
+                    <a:srgbClr val="000000"/>
+                  </a:solidFill>
+                  <a:miter lim="800000"/>
+                  <a:headEnd/>
+                  <a:tailEnd/>
+                </a14:hiddenLine>
+              </a:ext>
+            </a:extLst>
+          </p:spPr>
+          <p:txBody>
+            <a:bodyPr wrap="square">
+              <a:spAutoFit/>
+            </a:bodyPr>
+            <a:lstStyle>
+              <a:lvl1pPr>
+                <a:defRPr>
+                  <a:solidFill>
+                    <a:schemeClr val="tx1"/>
+                  </a:solidFill>
+                  <a:latin typeface="Calibri" panose="020F0502020204030204" pitchFamily="34" charset="0"/>
+                </a:defRPr>
+              </a:lvl1pPr>
+              <a:lvl2pPr marL="742950" indent="-285750">
+                <a:defRPr>
+                  <a:solidFill>
+                    <a:schemeClr val="tx1"/>
+                  </a:solidFill>
+                  <a:latin typeface="Calibri" panose="020F0502020204030204" pitchFamily="34" charset="0"/>
+                </a:defRPr>
+              </a:lvl2pPr>
+              <a:lvl3pPr marL="1143000" indent="-228600">
+                <a:defRPr>
+                  <a:solidFill>
+                    <a:schemeClr val="tx1"/>
+                  </a:solidFill>
+                  <a:latin typeface="Calibri" panose="020F0502020204030204" pitchFamily="34" charset="0"/>
+                </a:defRPr>
+              </a:lvl3pPr>
+              <a:lvl4pPr marL="1600200" indent="-228600">
+                <a:defRPr>
+                  <a:solidFill>
+                    <a:schemeClr val="tx1"/>
+                  </a:solidFill>
+                  <a:latin typeface="Calibri" panose="020F0502020204030204" pitchFamily="34" charset="0"/>
+                </a:defRPr>
+              </a:lvl4pPr>
+              <a:lvl5pPr marL="2057400" indent="-228600">
+                <a:defRPr>
+                  <a:solidFill>
+                    <a:schemeClr val="tx1"/>
+                  </a:solidFill>
+                  <a:latin typeface="Calibri" panose="020F0502020204030204" pitchFamily="34" charset="0"/>
+                </a:defRPr>
+              </a:lvl5pPr>
+              <a:lvl6pPr marL="2514600" indent="-228600" eaLnBrk="0" fontAlgn="base" hangingPunct="0">
+                <a:spcBef>
+                  <a:spcPct val="0"/>
+                </a:spcBef>
+                <a:spcAft>
+                  <a:spcPct val="0"/>
+                </a:spcAft>
+                <a:defRPr>
+                  <a:solidFill>
+                    <a:schemeClr val="tx1"/>
+                  </a:solidFill>
+                  <a:latin typeface="Calibri" panose="020F0502020204030204" pitchFamily="34" charset="0"/>
+                </a:defRPr>
+              </a:lvl6pPr>
+              <a:lvl7pPr marL="2971800" indent="-228600" eaLnBrk="0" fontAlgn="base" hangingPunct="0">
+                <a:spcBef>
+                  <a:spcPct val="0"/>
+                </a:spcBef>
+                <a:spcAft>
+                  <a:spcPct val="0"/>
+                </a:spcAft>
+                <a:defRPr>
+                  <a:solidFill>
+                    <a:schemeClr val="tx1"/>
+                  </a:solidFill>
+                  <a:latin typeface="Calibri" panose="020F0502020204030204" pitchFamily="34" charset="0"/>
+                </a:defRPr>
+              </a:lvl7pPr>
+              <a:lvl8pPr marL="3429000" indent="-228600" eaLnBrk="0" fontAlgn="base" hangingPunct="0">
+                <a:spcBef>
+                  <a:spcPct val="0"/>
+                </a:spcBef>
+                <a:spcAft>
+                  <a:spcPct val="0"/>
+                </a:spcAft>
+                <a:defRPr>
+                  <a:solidFill>
+                    <a:schemeClr val="tx1"/>
+                  </a:solidFill>
+                  <a:latin typeface="Calibri" panose="020F0502020204030204" pitchFamily="34" charset="0"/>
+                </a:defRPr>
+              </a:lvl8pPr>
+              <a:lvl9pPr marL="3886200" indent="-228600" eaLnBrk="0" fontAlgn="base" hangingPunct="0">
+                <a:spcBef>
+                  <a:spcPct val="0"/>
+                </a:spcBef>
+                <a:spcAft>
+                  <a:spcPct val="0"/>
+                </a:spcAft>
+                <a:defRPr>
+                  <a:solidFill>
+                    <a:schemeClr val="tx1"/>
+                  </a:solidFill>
+                  <a:latin typeface="Calibri" panose="020F0502020204030204" pitchFamily="34" charset="0"/>
+                </a:defRPr>
+              </a:lvl9pPr>
+            </a:lstStyle>
+            <a:p>
+              <a:pPr algn="ctr" eaLnBrk="1" hangingPunct="1"/>
               <a:r>
                 <a:rPr lang="en-US" altLang="en-US" sz="1200" dirty="0">
                   <a:latin typeface="Arial" panose="020B0604020202020204" pitchFamily="34" charset="0"/>
                   <a:ea typeface="Amazon Ember" panose="020B0603020204020204" pitchFamily="34" charset="0"/>
                   <a:cs typeface="Arial" panose="020B0604020202020204" pitchFamily="34" charset="0"/>
                 </a:rPr>
-                <a:t/>
+                <a:t>Route 53</a:t>
+              </a:r>
+            </a:p>
+          </p:txBody>
+        </p:sp>
+        <p:pic>
+          <p:nvPicPr>
+            <p:cNvPr id="48" name="Graphic 10">
+              <a:extLst>
+                <a:ext uri="{FF2B5EF4-FFF2-40B4-BE49-F238E27FC236}">
+                  <a16:creationId xmlns:a16="http://schemas.microsoft.com/office/drawing/2014/main" id="{7249C1EC-5A69-3C4D-9DDF-0DB93BB70BC6}"/>
+                </a:ext>
+              </a:extLst>
+            </p:cNvPr>
+            <p:cNvPicPr>
+              <a:picLocks noChangeAspect="1" noChangeArrowheads="1"/>
+            </p:cNvPicPr>
+            <p:nvPr/>
+          </p:nvPicPr>
+          <p:blipFill>
+            <a:blip r:embed="rId22" cstate="print">
+              <a:extLst>
+                <a:ext uri="{28A0092B-C50C-407E-A947-70E740481C1C}">
+                  <a14:useLocalDpi xmlns:a14="http://schemas.microsoft.com/office/drawing/2010/main" val="0"/>
+                </a:ext>
+              </a:extLst>
+            </a:blip>
+            <a:srcRect/>
+            <a:stretch>
+              <a:fillRect/>
+            </a:stretch>
+          </p:blipFill>
+          <p:spPr bwMode="auto">
+            <a:xfrm>
+              <a:off x="11246648" y="4700695"/>
+              <a:ext cx="762000" cy="762000"/>
+            </a:xfrm>
+            <a:prstGeom prst="rect">
+              <a:avLst/>
+            </a:prstGeom>
+            <a:noFill/>
+            <a:ln>
+              <a:noFill/>
+            </a:ln>
+            <a:extLst>
+              <a:ext uri="{909E8E84-426E-40DD-AFC4-6F175D3DCCD1}">
+                <a14:hiddenFill xmlns:a14="http://schemas.microsoft.com/office/drawing/2010/main">
+                  <a:solidFill>
+                    <a:srgbClr val="FFFFFF"/>
+                  </a:solidFill>
+                </a14:hiddenFill>
+              </a:ext>
+              <a:ext uri="{91240B29-F687-4F45-9708-019B960494DF}">
+                <a14:hiddenLine xmlns:a14="http://schemas.microsoft.com/office/drawing/2010/main" w="9525">
+                  <a:solidFill>
+                    <a:srgbClr val="000000"/>
+                  </a:solidFill>
+                  <a:miter lim="800000"/>
+                  <a:headEnd/>
+                  <a:tailEnd/>
+                </a14:hiddenLine>
+              </a:ext>
+            </a:extLst>
+          </p:spPr>
+        </p:pic>
+        <p:sp>
+          <p:nvSpPr>
+            <p:cNvPr id="49" name="TextBox 20">
+              <a:extLst>
+                <a:ext uri="{FF2B5EF4-FFF2-40B4-BE49-F238E27FC236}">
+                  <a16:creationId xmlns:a16="http://schemas.microsoft.com/office/drawing/2014/main" id="{E5D4A7D0-5E44-1943-968A-C198F40D0E71}"/>
+                </a:ext>
+              </a:extLst>
+            </p:cNvPr>
+            <p:cNvSpPr txBox="1">
+              <a:spLocks noChangeArrowheads="1"/>
+            </p:cNvSpPr>
+            <p:nvPr/>
+          </p:nvSpPr>
+          <p:spPr bwMode="auto">
+            <a:xfrm>
+              <a:off x="10964197" y="5472411"/>
+              <a:ext cx="1352421" cy="276944"/>
+            </a:xfrm>
+            <a:prstGeom prst="rect">
+              <a:avLst/>
+            </a:prstGeom>
+            <a:noFill/>
+            <a:ln>
+              <a:noFill/>
+            </a:ln>
+            <a:extLst>
+              <a:ext uri="{909E8E84-426E-40DD-AFC4-6F175D3DCCD1}">
+                <a14:hiddenFill xmlns:a14="http://schemas.microsoft.com/office/drawing/2010/main">
+                  <a:solidFill>
+                    <a:srgbClr val="FFFFFF"/>
+                  </a:solidFill>
+                </a14:hiddenFill>
+              </a:ext>
+              <a:ext uri="{91240B29-F687-4F45-9708-019B960494DF}">
+                <a14:hiddenLine xmlns:a14="http://schemas.microsoft.com/office/drawing/2010/main" w="9525">
+                  <a:solidFill>
+                    <a:srgbClr val="000000"/>
+                  </a:solidFill>
+                  <a:miter lim="800000"/>
+                  <a:headEnd/>
+                  <a:tailEnd/>
+                </a14:hiddenLine>
+              </a:ext>
+            </a:extLst>
+          </p:spPr>
+          <p:txBody>
+            <a:bodyPr wrap="square">
+              <a:spAutoFit/>
+            </a:bodyPr>
+            <a:lstStyle>
+              <a:lvl1pPr>
+                <a:defRPr>
+                  <a:solidFill>
+                    <a:schemeClr val="tx1"/>
+                  </a:solidFill>
+                  <a:latin typeface="Calibri" panose="020F0502020204030204" pitchFamily="34" charset="0"/>
+                </a:defRPr>
+              </a:lvl1pPr>
+              <a:lvl2pPr marL="742950" indent="-285750">
+                <a:defRPr>
+                  <a:solidFill>
+                    <a:schemeClr val="tx1"/>
+                  </a:solidFill>
+                  <a:latin typeface="Calibri" panose="020F0502020204030204" pitchFamily="34" charset="0"/>
+                </a:defRPr>
+              </a:lvl2pPr>
+              <a:lvl3pPr marL="1143000" indent="-228600">
+                <a:defRPr>
+                  <a:solidFill>
+                    <a:schemeClr val="tx1"/>
+                  </a:solidFill>
+                  <a:latin typeface="Calibri" panose="020F0502020204030204" pitchFamily="34" charset="0"/>
+                </a:defRPr>
+              </a:lvl3pPr>
+              <a:lvl4pPr marL="1600200" indent="-228600">
+                <a:defRPr>
+                  <a:solidFill>
+                    <a:schemeClr val="tx1"/>
+                  </a:solidFill>
+                  <a:latin typeface="Calibri" panose="020F0502020204030204" pitchFamily="34" charset="0"/>
+                </a:defRPr>
+              </a:lvl4pPr>
+              <a:lvl5pPr marL="2057400" indent="-228600">
+                <a:defRPr>
+                  <a:solidFill>
+                    <a:schemeClr val="tx1"/>
+                  </a:solidFill>
+                  <a:latin typeface="Calibri" panose="020F0502020204030204" pitchFamily="34" charset="0"/>
+                </a:defRPr>
+              </a:lvl5pPr>
+              <a:lvl6pPr marL="2514600" indent="-228600" eaLnBrk="0" fontAlgn="base" hangingPunct="0">
+                <a:spcBef>
+                  <a:spcPct val="0"/>
+                </a:spcBef>
+                <a:spcAft>
+                  <a:spcPct val="0"/>
+                </a:spcAft>
+                <a:defRPr>
+                  <a:solidFill>
+                    <a:schemeClr val="tx1"/>
+                  </a:solidFill>
+                  <a:latin typeface="Calibri" panose="020F0502020204030204" pitchFamily="34" charset="0"/>
+                </a:defRPr>
+              </a:lvl6pPr>
+              <a:lvl7pPr marL="2971800" indent="-228600" eaLnBrk="0" fontAlgn="base" hangingPunct="0">
+                <a:spcBef>
+                  <a:spcPct val="0"/>
+                </a:spcBef>
+                <a:spcAft>
+                  <a:spcPct val="0"/>
+                </a:spcAft>
+                <a:defRPr>
+                  <a:solidFill>
+                    <a:schemeClr val="tx1"/>
+                  </a:solidFill>
+                  <a:latin typeface="Calibri" panose="020F0502020204030204" pitchFamily="34" charset="0"/>
+                </a:defRPr>
+              </a:lvl7pPr>
+              <a:lvl8pPr marL="3429000" indent="-228600" eaLnBrk="0" fontAlgn="base" hangingPunct="0">
+                <a:spcBef>
+                  <a:spcPct val="0"/>
+                </a:spcBef>
+                <a:spcAft>
+                  <a:spcPct val="0"/>
+                </a:spcAft>
+                <a:defRPr>
+                  <a:solidFill>
+                    <a:schemeClr val="tx1"/>
+                  </a:solidFill>
+                  <a:latin typeface="Calibri" panose="020F0502020204030204" pitchFamily="34" charset="0"/>
+                </a:defRPr>
+              </a:lvl8pPr>
+              <a:lvl9pPr marL="3886200" indent="-228600" eaLnBrk="0" fontAlgn="base" hangingPunct="0">
+                <a:spcBef>
+                  <a:spcPct val="0"/>
+                </a:spcBef>
+                <a:spcAft>
+                  <a:spcPct val="0"/>
+                </a:spcAft>
+                <a:defRPr>
+                  <a:solidFill>
+                    <a:schemeClr val="tx1"/>
+                  </a:solidFill>
+                  <a:latin typeface="Calibri" panose="020F0502020204030204" pitchFamily="34" charset="0"/>
+                </a:defRPr>
+              </a:lvl9pPr>
+            </a:lstStyle>
+            <a:p>
+              <a:pPr algn="ctr" eaLnBrk="1" hangingPunct="1"/>
+              <a:r>
+                <a:rPr lang="en-US" altLang="en-US" sz="1200" dirty="0">
+                  <a:latin typeface="Arial" panose="020B0604020202020204" pitchFamily="34" charset="0"/>
+                  <a:ea typeface="Amazon Ember" panose="020B0603020204020204" pitchFamily="34" charset="0"/>
+                  <a:cs typeface="Arial" panose="020B0604020202020204" pitchFamily="34" charset="0"/>
+                </a:rPr>
+                <a:t>Lambda</a:t>
+              </a:r>
+            </a:p>
+          </p:txBody>
+        </p:sp>
+        <p:pic>
+          <p:nvPicPr>
+            <p:cNvPr id="52" name="Graphic 17">
+              <a:extLst>
+                <a:ext uri="{FF2B5EF4-FFF2-40B4-BE49-F238E27FC236}">
+                  <a16:creationId xmlns:a16="http://schemas.microsoft.com/office/drawing/2014/main" id="{443A8EDD-16C2-6848-83A6-4582C7B74B70}"/>
+                </a:ext>
+              </a:extLst>
+            </p:cNvPr>
+            <p:cNvPicPr>
+              <a:picLocks noChangeAspect="1" noChangeArrowheads="1"/>
+            </p:cNvPicPr>
+            <p:nvPr/>
+          </p:nvPicPr>
+          <p:blipFill>
+            <a:blip r:embed="rId23" cstate="print">
+              <a:extLst>
+                <a:ext uri="{28A0092B-C50C-407E-A947-70E740481C1C}">
+                  <a14:useLocalDpi xmlns:a14="http://schemas.microsoft.com/office/drawing/2010/main" val="0"/>
+                </a:ext>
+              </a:extLst>
+            </a:blip>
+            <a:srcRect/>
+            <a:stretch>
+              <a:fillRect/>
+            </a:stretch>
+          </p:blipFill>
+          <p:spPr bwMode="auto">
+            <a:xfrm>
+              <a:off x="11246648" y="3358946"/>
+              <a:ext cx="762000" cy="762000"/>
+            </a:xfrm>
+            <a:prstGeom prst="rect">
+              <a:avLst/>
+            </a:prstGeom>
+            <a:noFill/>
+            <a:ln>
+              <a:noFill/>
+            </a:ln>
+            <a:extLst>
+              <a:ext uri="{909E8E84-426E-40DD-AFC4-6F175D3DCCD1}">
+                <a14:hiddenFill xmlns:a14="http://schemas.microsoft.com/office/drawing/2010/main">
+                  <a:solidFill>
+                    <a:srgbClr val="FFFFFF"/>
+                  </a:solidFill>
+                </a14:hiddenFill>
+              </a:ext>
+              <a:ext uri="{91240B29-F687-4F45-9708-019B960494DF}">
+                <a14:hiddenLine xmlns:a14="http://schemas.microsoft.com/office/drawing/2010/main" w="9525">
+                  <a:solidFill>
+                    <a:srgbClr val="000000"/>
+                  </a:solidFill>
+                  <a:miter lim="800000"/>
+                  <a:headEnd/>
+                  <a:tailEnd/>
+                </a14:hiddenLine>
+              </a:ext>
+            </a:extLst>
+          </p:spPr>
+        </p:pic>
+        <p:sp>
+          <p:nvSpPr>
+            <p:cNvPr id="53" name="TextBox 9">
+              <a:extLst>
+                <a:ext uri="{FF2B5EF4-FFF2-40B4-BE49-F238E27FC236}">
+                  <a16:creationId xmlns:a16="http://schemas.microsoft.com/office/drawing/2014/main" id="{F9D6EE48-441C-334D-8184-61EA0808B9C5}"/>
+                </a:ext>
+              </a:extLst>
+            </p:cNvPr>
+            <p:cNvSpPr txBox="1">
+              <a:spLocks noChangeArrowheads="1"/>
+            </p:cNvSpPr>
+            <p:nvPr/>
+          </p:nvSpPr>
+          <p:spPr bwMode="auto">
+            <a:xfrm>
+              <a:off x="10786211" y="4123227"/>
+              <a:ext cx="1666870" cy="276999"/>
+            </a:xfrm>
+            <a:prstGeom prst="rect">
+              <a:avLst/>
+            </a:prstGeom>
+            <a:noFill/>
+            <a:ln>
+              <a:noFill/>
+            </a:ln>
+            <a:extLst>
+              <a:ext uri="{909E8E84-426E-40DD-AFC4-6F175D3DCCD1}">
+                <a14:hiddenFill xmlns:a14="http://schemas.microsoft.com/office/drawing/2010/main">
+                  <a:solidFill>
+                    <a:srgbClr val="FFFFFF"/>
+                  </a:solidFill>
+                </a14:hiddenFill>
+              </a:ext>
+              <a:ext uri="{91240B29-F687-4F45-9708-019B960494DF}">
+                <a14:hiddenLine xmlns:a14="http://schemas.microsoft.com/office/drawing/2010/main" w="9525">
+                  <a:solidFill>
+                    <a:srgbClr val="000000"/>
+                  </a:solidFill>
+                  <a:miter lim="800000"/>
+                  <a:headEnd/>
+                  <a:tailEnd/>
+                </a14:hiddenLine>
+              </a:ext>
+            </a:extLst>
+          </p:spPr>
+          <p:txBody>
+            <a:bodyPr wrap="square">
+              <a:spAutoFit/>
+            </a:bodyPr>
+            <a:lstStyle>
+              <a:lvl1pPr>
+                <a:defRPr>
+                  <a:solidFill>
+                    <a:schemeClr val="tx1"/>
+                  </a:solidFill>
+                  <a:latin typeface="Calibri" panose="020F0502020204030204" pitchFamily="34" charset="0"/>
+                </a:defRPr>
+              </a:lvl1pPr>
+              <a:lvl2pPr marL="742950" indent="-285750">
+                <a:defRPr>
+                  <a:solidFill>
+                    <a:schemeClr val="tx1"/>
+                  </a:solidFill>
+                  <a:latin typeface="Calibri" panose="020F0502020204030204" pitchFamily="34" charset="0"/>
+                </a:defRPr>
+              </a:lvl2pPr>
+              <a:lvl3pPr marL="1143000" indent="-228600">
+                <a:defRPr>
+                  <a:solidFill>
+                    <a:schemeClr val="tx1"/>
+                  </a:solidFill>
+                  <a:latin typeface="Calibri" panose="020F0502020204030204" pitchFamily="34" charset="0"/>
+                </a:defRPr>
+              </a:lvl3pPr>
+              <a:lvl4pPr marL="1600200" indent="-228600">
+                <a:defRPr>
+                  <a:solidFill>
+                    <a:schemeClr val="tx1"/>
+                  </a:solidFill>
+                  <a:latin typeface="Calibri" panose="020F0502020204030204" pitchFamily="34" charset="0"/>
+                </a:defRPr>
+              </a:lvl4pPr>
+              <a:lvl5pPr marL="2057400" indent="-228600">
+                <a:defRPr>
+                  <a:solidFill>
+                    <a:schemeClr val="tx1"/>
+                  </a:solidFill>
+                  <a:latin typeface="Calibri" panose="020F0502020204030204" pitchFamily="34" charset="0"/>
+                </a:defRPr>
+              </a:lvl5pPr>
+              <a:lvl6pPr marL="2514600" indent="-228600" eaLnBrk="0" fontAlgn="base" hangingPunct="0">
+                <a:spcBef>
+                  <a:spcPct val="0"/>
+                </a:spcBef>
+                <a:spcAft>
+                  <a:spcPct val="0"/>
+                </a:spcAft>
+                <a:defRPr>
+                  <a:solidFill>
+                    <a:schemeClr val="tx1"/>
+                  </a:solidFill>
+                  <a:latin typeface="Calibri" panose="020F0502020204030204" pitchFamily="34" charset="0"/>
+                </a:defRPr>
+              </a:lvl6pPr>
+              <a:lvl7pPr marL="2971800" indent="-228600" eaLnBrk="0" fontAlgn="base" hangingPunct="0">
+                <a:spcBef>
+                  <a:spcPct val="0"/>
+                </a:spcBef>
+                <a:spcAft>
+                  <a:spcPct val="0"/>
+                </a:spcAft>
+                <a:defRPr>
+                  <a:solidFill>
+                    <a:schemeClr val="tx1"/>
+                  </a:solidFill>
+                  <a:latin typeface="Calibri" panose="020F0502020204030204" pitchFamily="34" charset="0"/>
+                </a:defRPr>
+              </a:lvl7pPr>
+              <a:lvl8pPr marL="3429000" indent="-228600" eaLnBrk="0" fontAlgn="base" hangingPunct="0">
+                <a:spcBef>
+                  <a:spcPct val="0"/>
+                </a:spcBef>
+                <a:spcAft>
+                  <a:spcPct val="0"/>
+                </a:spcAft>
+                <a:defRPr>
+                  <a:solidFill>
+                    <a:schemeClr val="tx1"/>
+                  </a:solidFill>
+                  <a:latin typeface="Calibri" panose="020F0502020204030204" pitchFamily="34" charset="0"/>
+                </a:defRPr>
+              </a:lvl8pPr>
+              <a:lvl9pPr marL="3886200" indent="-228600" eaLnBrk="0" fontAlgn="base" hangingPunct="0">
+                <a:spcBef>
+                  <a:spcPct val="0"/>
+                </a:spcBef>
+                <a:spcAft>
+                  <a:spcPct val="0"/>
+                </a:spcAft>
+                <a:defRPr>
+                  <a:solidFill>
+                    <a:schemeClr val="tx1"/>
+                  </a:solidFill>
+                  <a:latin typeface="Calibri" panose="020F0502020204030204" pitchFamily="34" charset="0"/>
+                </a:defRPr>
+              </a:lvl9pPr>
+            </a:lstStyle>
+            <a:p>
+              <a:pPr algn="ctr" eaLnBrk="1" hangingPunct="1"/>
+              <a:r>
+                <a:rPr lang="en-US" altLang="en-US" sz="1200" dirty="0">
+                  <a:latin typeface="Arial" panose="020B0604020202020204" pitchFamily="34" charset="0"/>
+                  <a:ea typeface="Amazon Ember" panose="020B0603020204020204" pitchFamily="34" charset="0"/>
+                  <a:cs typeface="Arial" panose="020B0604020202020204" pitchFamily="34" charset="0"/>
+                </a:rPr>
+                <a:t>CloudWatch</a:t>
+              </a:r>
+            </a:p>
+          </p:txBody>
+        </p:sp>
+        <p:pic>
+          <p:nvPicPr>
+            <p:cNvPr id="54" name="Graphic 12">
+              <a:extLst>
+                <a:ext uri="{FF2B5EF4-FFF2-40B4-BE49-F238E27FC236}">
+                  <a16:creationId xmlns:a16="http://schemas.microsoft.com/office/drawing/2014/main" id="{5EA8505D-C1F4-EE4E-833B-CB64A1B34000}"/>
+                </a:ext>
+              </a:extLst>
+            </p:cNvPr>
+            <p:cNvPicPr>
+              <a:picLocks noChangeAspect="1" noChangeArrowheads="1"/>
+            </p:cNvPicPr>
+            <p:nvPr/>
+          </p:nvPicPr>
+          <p:blipFill>
+            <a:blip r:embed="rId24" cstate="print">
+              <a:extLst>
+                <a:ext uri="{28A0092B-C50C-407E-A947-70E740481C1C}">
+                  <a14:useLocalDpi xmlns:a14="http://schemas.microsoft.com/office/drawing/2010/main" val="0"/>
+                </a:ext>
+              </a:extLst>
+            </a:blip>
+            <a:srcRect/>
+            <a:stretch>
+              <a:fillRect/>
+            </a:stretch>
+          </p:blipFill>
+          <p:spPr bwMode="auto">
+            <a:xfrm>
+              <a:off x="12726059" y="2044290"/>
+              <a:ext cx="762000" cy="762000"/>
+            </a:xfrm>
+            <a:prstGeom prst="rect">
+              <a:avLst/>
+            </a:prstGeom>
+            <a:noFill/>
+            <a:ln>
+              <a:noFill/>
+            </a:ln>
+            <a:extLst>
+              <a:ext uri="{909E8E84-426E-40DD-AFC4-6F175D3DCCD1}">
+                <a14:hiddenFill xmlns:a14="http://schemas.microsoft.com/office/drawing/2010/main">
+                  <a:solidFill>
+                    <a:srgbClr val="FFFFFF"/>
+                  </a:solidFill>
+                </a14:hiddenFill>
+              </a:ext>
+              <a:ext uri="{91240B29-F687-4F45-9708-019B960494DF}">
+                <a14:hiddenLine xmlns:a14="http://schemas.microsoft.com/office/drawing/2010/main" w="9525">
+                  <a:solidFill>
+                    <a:srgbClr val="000000"/>
+                  </a:solidFill>
+                  <a:miter lim="800000"/>
+                  <a:headEnd/>
+                  <a:tailEnd/>
+                </a14:hiddenLine>
+              </a:ext>
+            </a:extLst>
+          </p:spPr>
+        </p:pic>
+        <p:sp>
+          <p:nvSpPr>
+            <p:cNvPr id="55" name="TextBox 19">
+              <a:extLst>
+                <a:ext uri="{FF2B5EF4-FFF2-40B4-BE49-F238E27FC236}">
+                  <a16:creationId xmlns:a16="http://schemas.microsoft.com/office/drawing/2014/main" id="{06DC369A-EAD9-9443-8C96-34434FF819DD}"/>
+                </a:ext>
+              </a:extLst>
+            </p:cNvPr>
+            <p:cNvSpPr txBox="1">
+              <a:spLocks noChangeArrowheads="1"/>
+            </p:cNvSpPr>
+            <p:nvPr/>
+          </p:nvSpPr>
+          <p:spPr bwMode="auto">
+            <a:xfrm>
+              <a:off x="12359399" y="2813284"/>
+              <a:ext cx="1495320" cy="461665"/>
+            </a:xfrm>
+            <a:prstGeom prst="rect">
+              <a:avLst/>
+            </a:prstGeom>
+            <a:noFill/>
+            <a:ln>
+              <a:noFill/>
+            </a:ln>
+            <a:extLst>
+              <a:ext uri="{909E8E84-426E-40DD-AFC4-6F175D3DCCD1}">
+                <a14:hiddenFill xmlns:a14="http://schemas.microsoft.com/office/drawing/2010/main">
+                  <a:solidFill>
+                    <a:srgbClr val="FFFFFF"/>
+                  </a:solidFill>
+                </a14:hiddenFill>
+              </a:ext>
+              <a:ext uri="{91240B29-F687-4F45-9708-019B960494DF}">
+                <a14:hiddenLine xmlns:a14="http://schemas.microsoft.com/office/drawing/2010/main" w="9525">
+                  <a:solidFill>
+                    <a:srgbClr val="000000"/>
+                  </a:solidFill>
+                  <a:miter lim="800000"/>
+                  <a:headEnd/>
+                  <a:tailEnd/>
+                </a14:hiddenLine>
+              </a:ext>
+            </a:extLst>
+          </p:spPr>
+          <p:txBody>
+            <a:bodyPr wrap="square">
+              <a:spAutoFit/>
+            </a:bodyPr>
+            <a:lstStyle>
+              <a:lvl1pPr>
+                <a:defRPr>
+                  <a:solidFill>
+                    <a:schemeClr val="tx1"/>
+                  </a:solidFill>
+                  <a:latin typeface="Calibri" panose="020F0502020204030204" pitchFamily="34" charset="0"/>
+                </a:defRPr>
+              </a:lvl1pPr>
+              <a:lvl2pPr marL="742950" indent="-285750">
+                <a:defRPr>
+                  <a:solidFill>
+                    <a:schemeClr val="tx1"/>
+                  </a:solidFill>
+                  <a:latin typeface="Calibri" panose="020F0502020204030204" pitchFamily="34" charset="0"/>
+                </a:defRPr>
+              </a:lvl2pPr>
+              <a:lvl3pPr marL="1143000" indent="-228600">
+                <a:defRPr>
+                  <a:solidFill>
+                    <a:schemeClr val="tx1"/>
+                  </a:solidFill>
+                  <a:latin typeface="Calibri" panose="020F0502020204030204" pitchFamily="34" charset="0"/>
+                </a:defRPr>
+              </a:lvl3pPr>
+              <a:lvl4pPr marL="1600200" indent="-228600">
+                <a:defRPr>
+                  <a:solidFill>
+                    <a:schemeClr val="tx1"/>
+                  </a:solidFill>
+                  <a:latin typeface="Calibri" panose="020F0502020204030204" pitchFamily="34" charset="0"/>
+                </a:defRPr>
+              </a:lvl4pPr>
+              <a:lvl5pPr marL="2057400" indent="-228600">
+                <a:defRPr>
+                  <a:solidFill>
+                    <a:schemeClr val="tx1"/>
+                  </a:solidFill>
+                  <a:latin typeface="Calibri" panose="020F0502020204030204" pitchFamily="34" charset="0"/>
+                </a:defRPr>
+              </a:lvl5pPr>
+              <a:lvl6pPr marL="2514600" indent="-228600" eaLnBrk="0" fontAlgn="base" hangingPunct="0">
+                <a:spcBef>
+                  <a:spcPct val="0"/>
+                </a:spcBef>
+                <a:spcAft>
+                  <a:spcPct val="0"/>
+                </a:spcAft>
+                <a:defRPr>
+                  <a:solidFill>
+                    <a:schemeClr val="tx1"/>
+                  </a:solidFill>
+                  <a:latin typeface="Calibri" panose="020F0502020204030204" pitchFamily="34" charset="0"/>
+                </a:defRPr>
+              </a:lvl6pPr>
+              <a:lvl7pPr marL="2971800" indent="-228600" eaLnBrk="0" fontAlgn="base" hangingPunct="0">
+                <a:spcBef>
+                  <a:spcPct val="0"/>
+                </a:spcBef>
+                <a:spcAft>
+                  <a:spcPct val="0"/>
+                </a:spcAft>
+                <a:defRPr>
+                  <a:solidFill>
+                    <a:schemeClr val="tx1"/>
+                  </a:solidFill>
+                  <a:latin typeface="Calibri" panose="020F0502020204030204" pitchFamily="34" charset="0"/>
+                </a:defRPr>
+              </a:lvl7pPr>
+              <a:lvl8pPr marL="3429000" indent="-228600" eaLnBrk="0" fontAlgn="base" hangingPunct="0">
+                <a:spcBef>
+                  <a:spcPct val="0"/>
+                </a:spcBef>
+                <a:spcAft>
+                  <a:spcPct val="0"/>
+                </a:spcAft>
+                <a:defRPr>
+                  <a:solidFill>
+                    <a:schemeClr val="tx1"/>
+                  </a:solidFill>
+                  <a:latin typeface="Calibri" panose="020F0502020204030204" pitchFamily="34" charset="0"/>
+                </a:defRPr>
+              </a:lvl8pPr>
+              <a:lvl9pPr marL="3886200" indent="-228600" eaLnBrk="0" fontAlgn="base" hangingPunct="0">
+                <a:spcBef>
+                  <a:spcPct val="0"/>
+                </a:spcBef>
+                <a:spcAft>
+                  <a:spcPct val="0"/>
+                </a:spcAft>
+                <a:defRPr>
+                  <a:solidFill>
+                    <a:schemeClr val="tx1"/>
+                  </a:solidFill>
+                  <a:latin typeface="Calibri" panose="020F0502020204030204" pitchFamily="34" charset="0"/>
+                </a:defRPr>
+              </a:lvl9pPr>
+            </a:lstStyle>
+            <a:p>
+              <a:pPr algn="ctr" eaLnBrk="1" hangingPunct="1"/>
+              <a:r>
+                <a:rPr lang="en-US" altLang="en-US" sz="1200" dirty="0">
+                  <a:latin typeface="Arial" panose="020B0604020202020204" pitchFamily="34" charset="0"/>
+                  <a:ea typeface="Amazon Ember" panose="020B0603020204020204" pitchFamily="34" charset="0"/>
+                  <a:cs typeface="Arial" panose="020B0604020202020204" pitchFamily="34" charset="0"/>
+                </a:rPr>
+                <a:t>Kinesis</a:t>
               </a:r>
               <a:br>
                 <a:rPr lang="en-US" altLang="en-US" sz="1200" dirty="0">
@@ -14173,7 +13827,7 @@
               <a:defRPr/>
             </a:pPr>
             <a:r>
-              <a:rPr lang="en-US" sz="1200" dirty="0" smtClean="0">
+              <a:rPr lang="en-US" sz="1200" dirty="0">
                 <a:solidFill>
                   <a:srgbClr val="5A6B86"/>
                 </a:solidFill>
@@ -14182,13 +13836,6 @@
               </a:rPr>
               <a:t>                                  Docker container</a:t>
             </a:r>
-            <a:endParaRPr lang="en-US" sz="1200" dirty="0">
-              <a:solidFill>
-                <a:srgbClr val="5A6B86"/>
-              </a:solidFill>
-              <a:latin typeface="Arial" panose="020B0604020202020204" pitchFamily="34" charset="0"/>
-              <a:cs typeface="Arial" panose="020B0604020202020204" pitchFamily="34" charset="0"/>
-            </a:endParaRPr>
           </a:p>
         </p:txBody>
       </p:sp>
@@ -14207,10 +13854,10 @@
           <p:nvPr/>
         </p:nvPicPr>
         <p:blipFill>
-          <a:blip r:embed="rId18">
+          <a:blip r:embed="rId6">
             <a:extLst>
               <a:ext uri="{96DAC541-7B7A-43D3-8B79-37D633B846F1}">
-                <asvg:svgBlip xmlns:asvg="http://schemas.microsoft.com/office/drawing/2016/SVG/main" xmlns="" r:embed="rId19"/>
+                <asvg:svgBlip xmlns:asvg="http://schemas.microsoft.com/office/drawing/2016/SVG/main" r:embed="rId7"/>
               </a:ext>
             </a:extLst>
           </a:blip>
@@ -14315,10 +13962,10 @@
           <p:nvPr/>
         </p:nvPicPr>
         <p:blipFill>
-          <a:blip r:embed="rId20">
+          <a:blip r:embed="rId8">
             <a:extLst>
               <a:ext uri="{96DAC541-7B7A-43D3-8B79-37D633B846F1}">
-                <asvg:svgBlip xmlns:asvg="http://schemas.microsoft.com/office/drawing/2016/SVG/main" xmlns="" r:embed="rId21"/>
+                <asvg:svgBlip xmlns:asvg="http://schemas.microsoft.com/office/drawing/2016/SVG/main" r:embed="rId9"/>
               </a:ext>
             </a:extLst>
           </a:blip>
@@ -14351,11 +13998,11 @@
           <p:nvPr/>
         </p:nvPicPr>
         <p:blipFill>
-          <a:blip r:embed="rId26" cstate="print">
+          <a:blip r:embed="rId14" cstate="print">
             <a:extLst>
               <a:ext uri="{BEBA8EAE-BF5A-486C-A8C5-ECC9F3942E4B}">
                 <a14:imgProps xmlns:a14="http://schemas.microsoft.com/office/drawing/2010/main">
-                  <a14:imgLayer r:embed="rId27">
+                  <a14:imgLayer r:embed="rId15">
                     <a14:imgEffect>
                       <a14:artisticBlur/>
                     </a14:imgEffect>
@@ -14556,7 +14203,7 @@
           <a:p>
             <a:pPr algn="ctr" eaLnBrk="1" hangingPunct="1"/>
             <a:r>
-              <a:rPr lang="en-US" altLang="en-US" sz="1200" dirty="0" smtClean="0">
+              <a:rPr lang="en-US" altLang="en-US" sz="1200" dirty="0">
                 <a:latin typeface="Arial" panose="020B0604020202020204" pitchFamily="34" charset="0"/>
                 <a:ea typeface="Amazon Ember" panose="020B0603020204020204" pitchFamily="34" charset="0"/>
                 <a:cs typeface="Arial" panose="020B0604020202020204" pitchFamily="34" charset="0"/>
@@ -14564,25 +14211,20 @@
               <a:t>AIT and </a:t>
             </a:r>
             <a:br>
-              <a:rPr lang="en-US" altLang="en-US" sz="1200" dirty="0" smtClean="0">
+              <a:rPr lang="en-US" altLang="en-US" sz="1200" dirty="0">
                 <a:latin typeface="Arial" panose="020B0604020202020204" pitchFamily="34" charset="0"/>
                 <a:ea typeface="Amazon Ember" panose="020B0603020204020204" pitchFamily="34" charset="0"/>
                 <a:cs typeface="Arial" panose="020B0604020202020204" pitchFamily="34" charset="0"/>
               </a:rPr>
             </a:br>
             <a:r>
-              <a:rPr lang="en-US" altLang="en-US" sz="1200" dirty="0" smtClean="0">
+              <a:rPr lang="en-US" altLang="en-US" sz="1200" dirty="0">
                 <a:latin typeface="Arial" panose="020B0604020202020204" pitchFamily="34" charset="0"/>
                 <a:ea typeface="Amazon Ember" panose="020B0603020204020204" pitchFamily="34" charset="0"/>
                 <a:cs typeface="Arial" panose="020B0604020202020204" pitchFamily="34" charset="0"/>
               </a:rPr>
               <a:t>Open MCT</a:t>
             </a:r>
-            <a:endParaRPr lang="en-US" altLang="en-US" sz="1200" dirty="0">
-              <a:latin typeface="Arial" panose="020B0604020202020204" pitchFamily="34" charset="0"/>
-              <a:ea typeface="Amazon Ember" panose="020B0603020204020204" pitchFamily="34" charset="0"/>
-              <a:cs typeface="Arial" panose="020B0604020202020204" pitchFamily="34" charset="0"/>
-            </a:endParaRPr>
           </a:p>
         </p:txBody>
       </p:sp>
@@ -14601,7 +14243,7 @@
           <p:nvPr/>
         </p:nvPicPr>
         <p:blipFill>
-          <a:blip r:embed="rId26" cstate="print">
+          <a:blip r:embed="rId14" cstate="print">
             <a:extLst>
               <a:ext uri="{28A0092B-C50C-407E-A947-70E740481C1C}">
                 <a14:useLocalDpi xmlns:a14="http://schemas.microsoft.com/office/drawing/2010/main" val="0"/>
@@ -14797,18 +14439,13 @@
           <a:p>
             <a:pPr algn="ctr" eaLnBrk="1" hangingPunct="1"/>
             <a:r>
-              <a:rPr lang="en-US" altLang="en-US" sz="1200" dirty="0" smtClean="0">
+              <a:rPr lang="en-US" altLang="en-US" sz="1200" dirty="0">
                 <a:latin typeface="Arial" panose="020B0604020202020204" pitchFamily="34" charset="0"/>
                 <a:ea typeface="Amazon Ember" panose="020B0603020204020204" pitchFamily="34" charset="0"/>
                 <a:cs typeface="Arial" panose="020B0604020202020204" pitchFamily="34" charset="0"/>
               </a:rPr>
               <a:t>AIT Editor</a:t>
             </a:r>
-            <a:endParaRPr lang="en-US" altLang="en-US" sz="1200" dirty="0">
-              <a:latin typeface="Arial" panose="020B0604020202020204" pitchFamily="34" charset="0"/>
-              <a:ea typeface="Amazon Ember" panose="020B0603020204020204" pitchFamily="34" charset="0"/>
-              <a:cs typeface="Arial" panose="020B0604020202020204" pitchFamily="34" charset="0"/>
-            </a:endParaRPr>
           </a:p>
         </p:txBody>
       </p:sp>
@@ -14963,18 +14600,13 @@
           <a:p>
             <a:pPr algn="ctr" eaLnBrk="1" hangingPunct="1"/>
             <a:r>
-              <a:rPr lang="en-US" altLang="en-US" sz="1200" dirty="0" smtClean="0">
+              <a:rPr lang="en-US" altLang="en-US" sz="1200" dirty="0">
                 <a:latin typeface="Arial" panose="020B0604020202020204" pitchFamily="34" charset="0"/>
                 <a:ea typeface="Amazon Ember" panose="020B0603020204020204" pitchFamily="34" charset="0"/>
                 <a:cs typeface="Arial" panose="020B0604020202020204" pitchFamily="34" charset="0"/>
               </a:rPr>
               <a:t>Bastion host</a:t>
             </a:r>
-            <a:endParaRPr lang="en-US" altLang="en-US" sz="1200" dirty="0">
-              <a:latin typeface="Arial" panose="020B0604020202020204" pitchFamily="34" charset="0"/>
-              <a:ea typeface="Amazon Ember" panose="020B0603020204020204" pitchFamily="34" charset="0"/>
-              <a:cs typeface="Arial" panose="020B0604020202020204" pitchFamily="34" charset="0"/>
-            </a:endParaRPr>
           </a:p>
         </p:txBody>
       </p:sp>
@@ -14993,7 +14625,7 @@
           <p:nvPr/>
         </p:nvPicPr>
         <p:blipFill>
-          <a:blip r:embed="rId28" cstate="print">
+          <a:blip r:embed="rId16" cstate="print">
             <a:extLst>
               <a:ext uri="{28A0092B-C50C-407E-A947-70E740481C1C}">
                 <a14:useLocalDpi xmlns:a14="http://schemas.microsoft.com/office/drawing/2010/main" val="0"/>
@@ -15053,11 +14685,11 @@
           <p:nvPr/>
         </p:nvPicPr>
         <p:blipFill>
-          <a:blip r:embed="rId26" cstate="print">
+          <a:blip r:embed="rId14" cstate="print">
             <a:extLst>
               <a:ext uri="{BEBA8EAE-BF5A-486C-A8C5-ECC9F3942E4B}">
                 <a14:imgProps xmlns:a14="http://schemas.microsoft.com/office/drawing/2010/main">
-                  <a14:imgLayer r:embed="rId27">
+                  <a14:imgLayer r:embed="rId15">
                     <a14:imgEffect>
                       <a14:artisticBlur/>
                     </a14:imgEffect>
@@ -15258,18 +14890,13 @@
           <a:p>
             <a:pPr algn="ctr" eaLnBrk="1" hangingPunct="1"/>
             <a:r>
-              <a:rPr lang="en-US" altLang="en-US" sz="1200" dirty="0" smtClean="0">
+              <a:rPr lang="en-US" altLang="en-US" sz="1200" dirty="0">
                 <a:latin typeface="Arial" panose="020B0604020202020204" pitchFamily="34" charset="0"/>
                 <a:ea typeface="Amazon Ember" panose="020B0603020204020204" pitchFamily="34" charset="0"/>
                 <a:cs typeface="Arial" panose="020B0604020202020204" pitchFamily="34" charset="0"/>
               </a:rPr>
               <a:t>NAT gateway</a:t>
             </a:r>
-            <a:endParaRPr lang="en-US" altLang="en-US" sz="1200" dirty="0">
-              <a:latin typeface="Arial" panose="020B0604020202020204" pitchFamily="34" charset="0"/>
-              <a:ea typeface="Amazon Ember" panose="020B0603020204020204" pitchFamily="34" charset="0"/>
-              <a:cs typeface="Arial" panose="020B0604020202020204" pitchFamily="34" charset="0"/>
-            </a:endParaRPr>
           </a:p>
         </p:txBody>
       </p:sp>
@@ -15338,25 +14965,8 @@
                 <a:latin typeface="Arial" panose="020B0604020202020204" pitchFamily="34" charset="0"/>
                 <a:cs typeface="Arial" panose="020B0604020202020204" pitchFamily="34" charset="0"/>
               </a:rPr>
-              <a:t>Availability </a:t>
+              <a:t>Availability Zone 3</a:t>
             </a:r>
-            <a:r>
-              <a:rPr lang="en-US" sz="1200" dirty="0" smtClean="0">
-                <a:solidFill>
-                  <a:srgbClr val="5B9CD5"/>
-                </a:solidFill>
-                <a:latin typeface="Arial" panose="020B0604020202020204" pitchFamily="34" charset="0"/>
-                <a:cs typeface="Arial" panose="020B0604020202020204" pitchFamily="34" charset="0"/>
-              </a:rPr>
-              <a:t>Zone 3</a:t>
-            </a:r>
-            <a:endParaRPr lang="en-US" sz="1200" dirty="0">
-              <a:solidFill>
-                <a:srgbClr val="5B9CD5"/>
-              </a:solidFill>
-              <a:latin typeface="Arial" panose="020B0604020202020204" pitchFamily="34" charset="0"/>
-              <a:cs typeface="Arial" panose="020B0604020202020204" pitchFamily="34" charset="0"/>
-            </a:endParaRPr>
           </a:p>
         </p:txBody>
       </p:sp>
@@ -15679,7 +15289,7 @@
           <a:blip r:embed="rId2">
             <a:extLst>
               <a:ext uri="{96DAC541-7B7A-43D3-8B79-37D633B846F1}">
-                <asvg:svgBlip xmlns:asvg="http://schemas.microsoft.com/office/drawing/2016/SVG/main" xmlns="" r:embed="rId3"/>
+                <asvg:svgBlip xmlns:asvg="http://schemas.microsoft.com/office/drawing/2016/SVG/main" r:embed="rId3"/>
               </a:ext>
             </a:extLst>
           </a:blip>
@@ -15714,7 +15324,7 @@
           <a:blip r:embed="rId4">
             <a:extLst>
               <a:ext uri="{96DAC541-7B7A-43D3-8B79-37D633B846F1}">
-                <asvg:svgBlip xmlns:asvg="http://schemas.microsoft.com/office/drawing/2016/SVG/main" xmlns="" r:embed="rId17"/>
+                <asvg:svgBlip xmlns:asvg="http://schemas.microsoft.com/office/drawing/2016/SVG/main" r:embed="rId5"/>
               </a:ext>
             </a:extLst>
           </a:blip>
@@ -15747,10 +15357,10 @@
           <p:nvPr/>
         </p:nvPicPr>
         <p:blipFill>
-          <a:blip r:embed="rId18">
+          <a:blip r:embed="rId6">
             <a:extLst>
               <a:ext uri="{96DAC541-7B7A-43D3-8B79-37D633B846F1}">
-                <asvg:svgBlip xmlns:asvg="http://schemas.microsoft.com/office/drawing/2016/SVG/main" xmlns="" r:embed="rId19"/>
+                <asvg:svgBlip xmlns:asvg="http://schemas.microsoft.com/office/drawing/2016/SVG/main" r:embed="rId7"/>
               </a:ext>
             </a:extLst>
           </a:blip>
@@ -15855,10 +15465,10 @@
           <p:nvPr/>
         </p:nvPicPr>
         <p:blipFill>
-          <a:blip r:embed="rId20">
+          <a:blip r:embed="rId8">
             <a:extLst>
               <a:ext uri="{96DAC541-7B7A-43D3-8B79-37D633B846F1}">
-                <asvg:svgBlip xmlns:asvg="http://schemas.microsoft.com/office/drawing/2016/SVG/main" xmlns="" r:embed="rId21"/>
+                <asvg:svgBlip xmlns:asvg="http://schemas.microsoft.com/office/drawing/2016/SVG/main" r:embed="rId9"/>
               </a:ext>
             </a:extLst>
           </a:blip>
@@ -15891,7 +15501,7 @@
           <p:nvPr/>
         </p:nvPicPr>
         <p:blipFill>
-          <a:blip r:embed="rId22" cstate="print">
+          <a:blip r:embed="rId10" cstate="print">
             <a:extLst>
               <a:ext uri="{28A0092B-C50C-407E-A947-70E740481C1C}">
                 <a14:useLocalDpi xmlns:a14="http://schemas.microsoft.com/office/drawing/2010/main" val="0"/>
@@ -16057,10 +15667,10 @@
           <p:nvPr/>
         </p:nvPicPr>
         <p:blipFill>
-          <a:blip r:embed="rId23">
+          <a:blip r:embed="rId11">
             <a:extLst>
               <a:ext uri="{96DAC541-7B7A-43D3-8B79-37D633B846F1}">
-                <asvg:svgBlip xmlns:asvg="http://schemas.microsoft.com/office/drawing/2016/SVG/main" xmlns="" r:embed="rId24"/>
+                <asvg:svgBlip xmlns:asvg="http://schemas.microsoft.com/office/drawing/2016/SVG/main" r:embed="rId12"/>
               </a:ext>
             </a:extLst>
           </a:blip>
@@ -16229,7 +15839,7 @@
           <a:p>
             <a:pPr algn="ctr" eaLnBrk="1" hangingPunct="1"/>
             <a:r>
-              <a:rPr lang="en-US" altLang="en-US" sz="1200" dirty="0" smtClean="0">
+              <a:rPr lang="en-US" altLang="en-US" sz="1200" dirty="0">
                 <a:latin typeface="Arial" panose="020B0604020202020204" pitchFamily="34" charset="0"/>
                 <a:ea typeface="Amazon Ember" panose="020B0603020204020204" pitchFamily="34" charset="0"/>
                 <a:cs typeface="Arial" panose="020B0604020202020204" pitchFamily="34" charset="0"/>
@@ -16237,25 +15847,20 @@
               <a:t>AIT and </a:t>
             </a:r>
             <a:br>
-              <a:rPr lang="en-US" altLang="en-US" sz="1200" dirty="0" smtClean="0">
+              <a:rPr lang="en-US" altLang="en-US" sz="1200" dirty="0">
                 <a:latin typeface="Arial" panose="020B0604020202020204" pitchFamily="34" charset="0"/>
                 <a:ea typeface="Amazon Ember" panose="020B0603020204020204" pitchFamily="34" charset="0"/>
                 <a:cs typeface="Arial" panose="020B0604020202020204" pitchFamily="34" charset="0"/>
               </a:rPr>
             </a:br>
             <a:r>
-              <a:rPr lang="en-US" altLang="en-US" sz="1200" dirty="0" smtClean="0">
+              <a:rPr lang="en-US" altLang="en-US" sz="1200" dirty="0">
                 <a:latin typeface="Arial" panose="020B0604020202020204" pitchFamily="34" charset="0"/>
                 <a:ea typeface="Amazon Ember" panose="020B0603020204020204" pitchFamily="34" charset="0"/>
                 <a:cs typeface="Arial" panose="020B0604020202020204" pitchFamily="34" charset="0"/>
               </a:rPr>
               <a:t>Open MCT</a:t>
             </a:r>
-            <a:endParaRPr lang="en-US" altLang="en-US" sz="1200" dirty="0">
-              <a:latin typeface="Arial" panose="020B0604020202020204" pitchFamily="34" charset="0"/>
-              <a:ea typeface="Amazon Ember" panose="020B0603020204020204" pitchFamily="34" charset="0"/>
-              <a:cs typeface="Arial" panose="020B0604020202020204" pitchFamily="34" charset="0"/>
-            </a:endParaRPr>
           </a:p>
         </p:txBody>
       </p:sp>
@@ -16274,7 +15879,7 @@
           <p:nvPr/>
         </p:nvPicPr>
         <p:blipFill>
-          <a:blip r:embed="rId22" cstate="print">
+          <a:blip r:embed="rId10" cstate="print">
             <a:extLst>
               <a:ext uri="{28A0092B-C50C-407E-A947-70E740481C1C}">
                 <a14:useLocalDpi xmlns:a14="http://schemas.microsoft.com/office/drawing/2010/main" val="0"/>
@@ -16470,18 +16075,13 @@
           <a:p>
             <a:pPr algn="ctr" eaLnBrk="1" hangingPunct="1"/>
             <a:r>
-              <a:rPr lang="en-US" altLang="en-US" sz="1200" dirty="0" smtClean="0">
+              <a:rPr lang="en-US" altLang="en-US" sz="1200" dirty="0">
                 <a:latin typeface="Arial" panose="020B0604020202020204" pitchFamily="34" charset="0"/>
                 <a:ea typeface="Amazon Ember" panose="020B0603020204020204" pitchFamily="34" charset="0"/>
                 <a:cs typeface="Arial" panose="020B0604020202020204" pitchFamily="34" charset="0"/>
               </a:rPr>
               <a:t>AIT Editor</a:t>
             </a:r>
-            <a:endParaRPr lang="en-US" altLang="en-US" sz="1200" dirty="0">
-              <a:latin typeface="Arial" panose="020B0604020202020204" pitchFamily="34" charset="0"/>
-              <a:ea typeface="Amazon Ember" panose="020B0603020204020204" pitchFamily="34" charset="0"/>
-              <a:cs typeface="Arial" panose="020B0604020202020204" pitchFamily="34" charset="0"/>
-            </a:endParaRPr>
           </a:p>
         </p:txBody>
       </p:sp>
@@ -16676,7 +16276,7 @@
           <p:nvPr/>
         </p:nvPicPr>
         <p:blipFill>
-          <a:blip r:embed="rId25" cstate="print">
+          <a:blip r:embed="rId13" cstate="print">
             <a:extLst>
               <a:ext uri="{28A0092B-C50C-407E-A947-70E740481C1C}">
                 <a14:useLocalDpi xmlns:a14="http://schemas.microsoft.com/office/drawing/2010/main" val="0"/>
@@ -16808,10 +16408,10 @@
           <p:nvPr/>
         </p:nvPicPr>
         <p:blipFill>
-          <a:blip r:embed="rId18">
+          <a:blip r:embed="rId6">
             <a:extLst>
               <a:ext uri="{96DAC541-7B7A-43D3-8B79-37D633B846F1}">
-                <asvg:svgBlip xmlns:asvg="http://schemas.microsoft.com/office/drawing/2016/SVG/main" xmlns="" r:embed="rId19"/>
+                <asvg:svgBlip xmlns:asvg="http://schemas.microsoft.com/office/drawing/2016/SVG/main" r:embed="rId7"/>
               </a:ext>
             </a:extLst>
           </a:blip>
@@ -16916,10 +16516,10 @@
           <p:nvPr/>
         </p:nvPicPr>
         <p:blipFill>
-          <a:blip r:embed="rId20">
+          <a:blip r:embed="rId8">
             <a:extLst>
               <a:ext uri="{96DAC541-7B7A-43D3-8B79-37D633B846F1}">
-                <asvg:svgBlip xmlns:asvg="http://schemas.microsoft.com/office/drawing/2016/SVG/main" xmlns="" r:embed="rId21"/>
+                <asvg:svgBlip xmlns:asvg="http://schemas.microsoft.com/office/drawing/2016/SVG/main" r:embed="rId9"/>
               </a:ext>
             </a:extLst>
           </a:blip>
@@ -16952,11 +16552,11 @@
           <p:nvPr/>
         </p:nvPicPr>
         <p:blipFill>
-          <a:blip r:embed="rId26" cstate="print">
+          <a:blip r:embed="rId14" cstate="print">
             <a:extLst>
               <a:ext uri="{BEBA8EAE-BF5A-486C-A8C5-ECC9F3942E4B}">
                 <a14:imgProps xmlns:a14="http://schemas.microsoft.com/office/drawing/2010/main">
-                  <a14:imgLayer r:embed="rId27">
+                  <a14:imgLayer r:embed="rId15">
                     <a14:imgEffect>
                       <a14:artisticBlur/>
                     </a14:imgEffect>
@@ -17157,7 +16757,7 @@
           <a:p>
             <a:pPr algn="ctr" eaLnBrk="1" hangingPunct="1"/>
             <a:r>
-              <a:rPr lang="en-US" altLang="en-US" sz="1200" dirty="0" smtClean="0">
+              <a:rPr lang="en-US" altLang="en-US" sz="1200" dirty="0">
                 <a:latin typeface="Arial" panose="020B0604020202020204" pitchFamily="34" charset="0"/>
                 <a:ea typeface="Amazon Ember" panose="020B0603020204020204" pitchFamily="34" charset="0"/>
                 <a:cs typeface="Arial" panose="020B0604020202020204" pitchFamily="34" charset="0"/>
@@ -17165,25 +16765,20 @@
               <a:t>AIT and </a:t>
             </a:r>
             <a:br>
-              <a:rPr lang="en-US" altLang="en-US" sz="1200" dirty="0" smtClean="0">
+              <a:rPr lang="en-US" altLang="en-US" sz="1200" dirty="0">
                 <a:latin typeface="Arial" panose="020B0604020202020204" pitchFamily="34" charset="0"/>
                 <a:ea typeface="Amazon Ember" panose="020B0603020204020204" pitchFamily="34" charset="0"/>
                 <a:cs typeface="Arial" panose="020B0604020202020204" pitchFamily="34" charset="0"/>
               </a:rPr>
             </a:br>
             <a:r>
-              <a:rPr lang="en-US" altLang="en-US" sz="1200" dirty="0" smtClean="0">
+              <a:rPr lang="en-US" altLang="en-US" sz="1200" dirty="0">
                 <a:latin typeface="Arial" panose="020B0604020202020204" pitchFamily="34" charset="0"/>
                 <a:ea typeface="Amazon Ember" panose="020B0603020204020204" pitchFamily="34" charset="0"/>
                 <a:cs typeface="Arial" panose="020B0604020202020204" pitchFamily="34" charset="0"/>
               </a:rPr>
               <a:t>Open MCT</a:t>
             </a:r>
-            <a:endParaRPr lang="en-US" altLang="en-US" sz="1200" dirty="0">
-              <a:latin typeface="Arial" panose="020B0604020202020204" pitchFamily="34" charset="0"/>
-              <a:ea typeface="Amazon Ember" panose="020B0603020204020204" pitchFamily="34" charset="0"/>
-              <a:cs typeface="Arial" panose="020B0604020202020204" pitchFamily="34" charset="0"/>
-            </a:endParaRPr>
           </a:p>
         </p:txBody>
       </p:sp>
@@ -17202,7 +16797,7 @@
           <p:nvPr/>
         </p:nvPicPr>
         <p:blipFill>
-          <a:blip r:embed="rId26" cstate="print">
+          <a:blip r:embed="rId14" cstate="print">
             <a:extLst>
               <a:ext uri="{28A0092B-C50C-407E-A947-70E740481C1C}">
                 <a14:useLocalDpi xmlns:a14="http://schemas.microsoft.com/office/drawing/2010/main" val="0"/>
@@ -17398,18 +16993,13 @@
           <a:p>
             <a:pPr algn="ctr" eaLnBrk="1" hangingPunct="1"/>
             <a:r>
-              <a:rPr lang="en-US" altLang="en-US" sz="1200" dirty="0" smtClean="0">
+              <a:rPr lang="en-US" altLang="en-US" sz="1200" dirty="0">
                 <a:latin typeface="Arial" panose="020B0604020202020204" pitchFamily="34" charset="0"/>
                 <a:ea typeface="Amazon Ember" panose="020B0603020204020204" pitchFamily="34" charset="0"/>
                 <a:cs typeface="Arial" panose="020B0604020202020204" pitchFamily="34" charset="0"/>
               </a:rPr>
               <a:t>AIT Editor</a:t>
             </a:r>
-            <a:endParaRPr lang="en-US" altLang="en-US" sz="1200" dirty="0">
-              <a:latin typeface="Arial" panose="020B0604020202020204" pitchFamily="34" charset="0"/>
-              <a:ea typeface="Amazon Ember" panose="020B0603020204020204" pitchFamily="34" charset="0"/>
-              <a:cs typeface="Arial" panose="020B0604020202020204" pitchFamily="34" charset="0"/>
-            </a:endParaRPr>
           </a:p>
         </p:txBody>
       </p:sp>
@@ -17564,18 +17154,13 @@
           <a:p>
             <a:pPr algn="ctr" eaLnBrk="1" hangingPunct="1"/>
             <a:r>
-              <a:rPr lang="en-US" altLang="en-US" sz="1200" dirty="0" smtClean="0">
+              <a:rPr lang="en-US" altLang="en-US" sz="1200" dirty="0">
                 <a:latin typeface="Arial" panose="020B0604020202020204" pitchFamily="34" charset="0"/>
                 <a:ea typeface="Amazon Ember" panose="020B0603020204020204" pitchFamily="34" charset="0"/>
                 <a:cs typeface="Arial" panose="020B0604020202020204" pitchFamily="34" charset="0"/>
               </a:rPr>
               <a:t>Bastion host</a:t>
             </a:r>
-            <a:endParaRPr lang="en-US" altLang="en-US" sz="1200" dirty="0">
-              <a:latin typeface="Arial" panose="020B0604020202020204" pitchFamily="34" charset="0"/>
-              <a:ea typeface="Amazon Ember" panose="020B0603020204020204" pitchFamily="34" charset="0"/>
-              <a:cs typeface="Arial" panose="020B0604020202020204" pitchFamily="34" charset="0"/>
-            </a:endParaRPr>
           </a:p>
         </p:txBody>
       </p:sp>
@@ -17594,7 +17179,7 @@
           <p:nvPr/>
         </p:nvPicPr>
         <p:blipFill>
-          <a:blip r:embed="rId28" cstate="print">
+          <a:blip r:embed="rId16" cstate="print">
             <a:extLst>
               <a:ext uri="{28A0092B-C50C-407E-A947-70E740481C1C}">
                 <a14:useLocalDpi xmlns:a14="http://schemas.microsoft.com/office/drawing/2010/main" val="0"/>
@@ -17654,7 +17239,7 @@
           <p:nvPr/>
         </p:nvPicPr>
         <p:blipFill>
-          <a:blip r:embed="rId22" cstate="print">
+          <a:blip r:embed="rId10" cstate="print">
             <a:extLst>
               <a:ext uri="{28A0092B-C50C-407E-A947-70E740481C1C}">
                 <a14:useLocalDpi xmlns:a14="http://schemas.microsoft.com/office/drawing/2010/main" val="0"/>
@@ -17850,18 +17435,13 @@
           <a:p>
             <a:pPr algn="ctr" eaLnBrk="1" hangingPunct="1"/>
             <a:r>
-              <a:rPr lang="en-US" altLang="en-US" sz="1200" dirty="0" smtClean="0">
+              <a:rPr lang="en-US" altLang="en-US" sz="1200" dirty="0">
                 <a:latin typeface="Arial" panose="020B0604020202020204" pitchFamily="34" charset="0"/>
                 <a:ea typeface="Amazon Ember" panose="020B0603020204020204" pitchFamily="34" charset="0"/>
                 <a:cs typeface="Arial" panose="020B0604020202020204" pitchFamily="34" charset="0"/>
               </a:rPr>
               <a:t>NAT gateway</a:t>
             </a:r>
-            <a:endParaRPr lang="en-US" altLang="en-US" sz="1200" dirty="0">
-              <a:latin typeface="Arial" panose="020B0604020202020204" pitchFamily="34" charset="0"/>
-              <a:ea typeface="Amazon Ember" panose="020B0603020204020204" pitchFamily="34" charset="0"/>
-              <a:cs typeface="Arial" panose="020B0604020202020204" pitchFamily="34" charset="0"/>
-            </a:endParaRPr>
           </a:p>
         </p:txBody>
       </p:sp>
@@ -18016,18 +17596,13 @@
           <a:p>
             <a:pPr algn="ctr" eaLnBrk="1" hangingPunct="1"/>
             <a:r>
-              <a:rPr lang="en-US" altLang="en-US" sz="1200" dirty="0" smtClean="0">
+              <a:rPr lang="en-US" altLang="en-US" sz="1200" dirty="0">
                 <a:latin typeface="Arial" panose="020B0604020202020204" pitchFamily="34" charset="0"/>
                 <a:ea typeface="Amazon Ember" panose="020B0603020204020204" pitchFamily="34" charset="0"/>
                 <a:cs typeface="Arial" panose="020B0604020202020204" pitchFamily="34" charset="0"/>
               </a:rPr>
               <a:t>Bastion host</a:t>
             </a:r>
-            <a:endParaRPr lang="en-US" altLang="en-US" sz="1200" dirty="0">
-              <a:latin typeface="Arial" panose="020B0604020202020204" pitchFamily="34" charset="0"/>
-              <a:ea typeface="Amazon Ember" panose="020B0603020204020204" pitchFamily="34" charset="0"/>
-              <a:cs typeface="Arial" panose="020B0604020202020204" pitchFamily="34" charset="0"/>
-            </a:endParaRPr>
           </a:p>
         </p:txBody>
       </p:sp>
@@ -18046,7 +17621,7 @@
           <p:nvPr/>
         </p:nvPicPr>
         <p:blipFill>
-          <a:blip r:embed="rId28" cstate="print">
+          <a:blip r:embed="rId16" cstate="print">
             <a:extLst>
               <a:ext uri="{28A0092B-C50C-407E-A947-70E740481C1C}">
                 <a14:useLocalDpi xmlns:a14="http://schemas.microsoft.com/office/drawing/2010/main" val="0"/>
@@ -18106,11 +17681,11 @@
           <p:nvPr/>
         </p:nvPicPr>
         <p:blipFill>
-          <a:blip r:embed="rId26" cstate="print">
+          <a:blip r:embed="rId14" cstate="print">
             <a:extLst>
               <a:ext uri="{BEBA8EAE-BF5A-486C-A8C5-ECC9F3942E4B}">
                 <a14:imgProps xmlns:a14="http://schemas.microsoft.com/office/drawing/2010/main">
-                  <a14:imgLayer r:embed="rId27">
+                  <a14:imgLayer r:embed="rId15">
                     <a14:imgEffect>
                       <a14:artisticBlur/>
                     </a14:imgEffect>
@@ -18311,18 +17886,13 @@
           <a:p>
             <a:pPr algn="ctr" eaLnBrk="1" hangingPunct="1"/>
             <a:r>
-              <a:rPr lang="en-US" altLang="en-US" sz="1200" dirty="0" smtClean="0">
+              <a:rPr lang="en-US" altLang="en-US" sz="1200" dirty="0">
                 <a:latin typeface="Arial" panose="020B0604020202020204" pitchFamily="34" charset="0"/>
                 <a:ea typeface="Amazon Ember" panose="020B0603020204020204" pitchFamily="34" charset="0"/>
                 <a:cs typeface="Arial" panose="020B0604020202020204" pitchFamily="34" charset="0"/>
               </a:rPr>
               <a:t>NAT gateway</a:t>
             </a:r>
-            <a:endParaRPr lang="en-US" altLang="en-US" sz="1200" dirty="0">
-              <a:latin typeface="Arial" panose="020B0604020202020204" pitchFamily="34" charset="0"/>
-              <a:ea typeface="Amazon Ember" panose="020B0603020204020204" pitchFamily="34" charset="0"/>
-              <a:cs typeface="Arial" panose="020B0604020202020204" pitchFamily="34" charset="0"/>
-            </a:endParaRPr>
           </a:p>
         </p:txBody>
       </p:sp>
@@ -18447,10 +18017,10 @@
           <p:nvPr/>
         </p:nvPicPr>
         <p:blipFill>
-          <a:blip r:embed="rId23">
+          <a:blip r:embed="rId11">
             <a:extLst>
               <a:ext uri="{96DAC541-7B7A-43D3-8B79-37D633B846F1}">
-                <asvg:svgBlip xmlns:asvg="http://schemas.microsoft.com/office/drawing/2016/SVG/main" xmlns="" r:embed="rId24"/>
+                <asvg:svgBlip xmlns:asvg="http://schemas.microsoft.com/office/drawing/2016/SVG/main" r:embed="rId12"/>
               </a:ext>
             </a:extLst>
           </a:blip>
@@ -18483,7 +18053,7 @@
           <p:nvPr/>
         </p:nvPicPr>
         <p:blipFill>
-          <a:blip r:embed="rId29" cstate="print">
+          <a:blip r:embed="rId17" cstate="print">
             <a:extLst>
               <a:ext uri="{28A0092B-C50C-407E-A947-70E740481C1C}">
                 <a14:useLocalDpi xmlns:a14="http://schemas.microsoft.com/office/drawing/2010/main" val="0"/>
@@ -18704,7 +18274,7 @@
           <p:nvPr/>
         </p:nvPicPr>
         <p:blipFill>
-          <a:blip r:embed="rId30" cstate="print">
+          <a:blip r:embed="rId18" cstate="print">
             <a:extLst>
               <a:ext uri="{28A0092B-C50C-407E-A947-70E740481C1C}">
                 <a14:useLocalDpi xmlns:a14="http://schemas.microsoft.com/office/drawing/2010/main" val="0"/>
@@ -18905,21 +18475,8 @@
                 <a:ea typeface="Amazon Ember" panose="020B0603020204020204" pitchFamily="34" charset="0"/>
                 <a:cs typeface="Arial" panose="020B0604020202020204" pitchFamily="34" charset="0"/>
               </a:rPr>
-              <a:t>Amazon </a:t>
+              <a:t>Amazon ES</a:t>
             </a:r>
-            <a:r>
-              <a:rPr lang="en-US" altLang="en-US" sz="1200" dirty="0" smtClean="0">
-                <a:latin typeface="Arial" panose="020B0604020202020204" pitchFamily="34" charset="0"/>
-                <a:ea typeface="Amazon Ember" panose="020B0603020204020204" pitchFamily="34" charset="0"/>
-                <a:cs typeface="Arial" panose="020B0604020202020204" pitchFamily="34" charset="0"/>
-              </a:rPr>
-              <a:t>ES</a:t>
-            </a:r>
-            <a:endParaRPr lang="en-US" altLang="en-US" sz="1200" dirty="0">
-              <a:latin typeface="Arial" panose="020B0604020202020204" pitchFamily="34" charset="0"/>
-              <a:ea typeface="Amazon Ember" panose="020B0603020204020204" pitchFamily="34" charset="0"/>
-              <a:cs typeface="Arial" panose="020B0604020202020204" pitchFamily="34" charset="0"/>
-            </a:endParaRPr>
           </a:p>
         </p:txBody>
       </p:sp>
@@ -19074,18 +18631,13 @@
           <a:p>
             <a:pPr algn="ctr" eaLnBrk="1" hangingPunct="1"/>
             <a:r>
-              <a:rPr lang="en-US" altLang="en-US" sz="1200" dirty="0" smtClean="0">
+              <a:rPr lang="en-US" altLang="en-US" sz="1200" dirty="0">
                 <a:latin typeface="Arial" panose="020B0604020202020204" pitchFamily="34" charset="0"/>
                 <a:ea typeface="Amazon Ember" panose="020B0603020204020204" pitchFamily="34" charset="0"/>
                 <a:cs typeface="Arial" panose="020B0604020202020204" pitchFamily="34" charset="0"/>
               </a:rPr>
               <a:t>S3 configuration files</a:t>
             </a:r>
-            <a:endParaRPr lang="en-US" altLang="en-US" sz="1200" dirty="0">
-              <a:latin typeface="Arial" panose="020B0604020202020204" pitchFamily="34" charset="0"/>
-              <a:ea typeface="Amazon Ember" panose="020B0603020204020204" pitchFamily="34" charset="0"/>
-              <a:cs typeface="Arial" panose="020B0604020202020204" pitchFamily="34" charset="0"/>
-            </a:endParaRPr>
           </a:p>
         </p:txBody>
       </p:sp>
@@ -19104,7 +18656,7 @@
           <p:nvPr/>
         </p:nvPicPr>
         <p:blipFill>
-          <a:blip r:embed="rId31" cstate="print">
+          <a:blip r:embed="rId19" cstate="print">
             <a:extLst>
               <a:ext uri="{28A0092B-C50C-407E-A947-70E740481C1C}">
                 <a14:useLocalDpi xmlns:a14="http://schemas.microsoft.com/office/drawing/2010/main" val="0"/>
@@ -19300,18 +18852,13 @@
           <a:p>
             <a:pPr algn="ctr" eaLnBrk="1" hangingPunct="1"/>
             <a:r>
-              <a:rPr lang="en-US" altLang="en-US" sz="1200" dirty="0" smtClean="0">
+              <a:rPr lang="en-US" altLang="en-US" sz="1200" dirty="0">
                 <a:latin typeface="Arial" panose="020B0604020202020204" pitchFamily="34" charset="0"/>
                 <a:ea typeface="Amazon Ember" panose="020B0603020204020204" pitchFamily="34" charset="0"/>
                 <a:cs typeface="Arial" panose="020B0604020202020204" pitchFamily="34" charset="0"/>
               </a:rPr>
               <a:t>S3 log files</a:t>
             </a:r>
-            <a:endParaRPr lang="en-US" altLang="en-US" sz="1200" dirty="0">
-              <a:latin typeface="Arial" panose="020B0604020202020204" pitchFamily="34" charset="0"/>
-              <a:ea typeface="Amazon Ember" panose="020B0603020204020204" pitchFamily="34" charset="0"/>
-              <a:cs typeface="Arial" panose="020B0604020202020204" pitchFamily="34" charset="0"/>
-            </a:endParaRPr>
           </a:p>
         </p:txBody>
       </p:sp>
@@ -19330,7 +18877,7 @@
           <p:nvPr/>
         </p:nvPicPr>
         <p:blipFill>
-          <a:blip r:embed="rId32" cstate="print">
+          <a:blip r:embed="rId20" cstate="print">
             <a:extLst>
               <a:ext uri="{28A0092B-C50C-407E-A947-70E740481C1C}">
                 <a14:useLocalDpi xmlns:a14="http://schemas.microsoft.com/office/drawing/2010/main" val="0"/>
@@ -19390,7 +18937,7 @@
           <p:nvPr/>
         </p:nvPicPr>
         <p:blipFill>
-          <a:blip r:embed="rId33" cstate="print">
+          <a:blip r:embed="rId21" cstate="print">
             <a:extLst>
               <a:ext uri="{28A0092B-C50C-407E-A947-70E740481C1C}">
                 <a14:useLocalDpi xmlns:a14="http://schemas.microsoft.com/office/drawing/2010/main" val="0"/>
@@ -19586,20 +19133,12 @@
           <a:p>
             <a:pPr algn="ctr" eaLnBrk="1" hangingPunct="1"/>
             <a:r>
-              <a:rPr lang="en-US" altLang="en-US" sz="1200" dirty="0" smtClean="0">
-                <a:latin typeface="Arial" panose="020B0604020202020204" pitchFamily="34" charset="0"/>
-                <a:ea typeface="Amazon Ember" panose="020B0603020204020204" pitchFamily="34" charset="0"/>
-                <a:cs typeface="Arial" panose="020B0604020202020204" pitchFamily="34" charset="0"/>
-              </a:rPr>
-              <a:t>Route </a:t>
-            </a:r>
-            <a:r>
               <a:rPr lang="en-US" altLang="en-US" sz="1200" dirty="0">
                 <a:latin typeface="Arial" panose="020B0604020202020204" pitchFamily="34" charset="0"/>
                 <a:ea typeface="Amazon Ember" panose="020B0603020204020204" pitchFamily="34" charset="0"/>
                 <a:cs typeface="Arial" panose="020B0604020202020204" pitchFamily="34" charset="0"/>
               </a:rPr>
-              <a:t>53</a:t>
+              <a:t>Route 53</a:t>
             </a:r>
           </a:p>
         </p:txBody>
@@ -19619,7 +19158,7 @@
           <p:nvPr/>
         </p:nvPicPr>
         <p:blipFill>
-          <a:blip r:embed="rId34" cstate="print">
+          <a:blip r:embed="rId22" cstate="print">
             <a:extLst>
               <a:ext uri="{28A0092B-C50C-407E-A947-70E740481C1C}">
                 <a14:useLocalDpi xmlns:a14="http://schemas.microsoft.com/office/drawing/2010/main" val="0"/>
@@ -19815,18 +19354,13 @@
           <a:p>
             <a:pPr algn="ctr" eaLnBrk="1" hangingPunct="1"/>
             <a:r>
-              <a:rPr lang="en-US" altLang="en-US" sz="1200" dirty="0" smtClean="0">
+              <a:rPr lang="en-US" altLang="en-US" sz="1200" dirty="0">
                 <a:latin typeface="Arial" panose="020B0604020202020204" pitchFamily="34" charset="0"/>
                 <a:ea typeface="Amazon Ember" panose="020B0603020204020204" pitchFamily="34" charset="0"/>
                 <a:cs typeface="Arial" panose="020B0604020202020204" pitchFamily="34" charset="0"/>
               </a:rPr>
               <a:t>Lambda</a:t>
             </a:r>
-            <a:endParaRPr lang="en-US" altLang="en-US" sz="1200" dirty="0">
-              <a:latin typeface="Arial" panose="020B0604020202020204" pitchFamily="34" charset="0"/>
-              <a:ea typeface="Amazon Ember" panose="020B0603020204020204" pitchFamily="34" charset="0"/>
-              <a:cs typeface="Arial" panose="020B0604020202020204" pitchFamily="34" charset="0"/>
-            </a:endParaRPr>
           </a:p>
         </p:txBody>
       </p:sp>
@@ -19895,25 +19429,8 @@
                 <a:latin typeface="Arial" panose="020B0604020202020204" pitchFamily="34" charset="0"/>
                 <a:cs typeface="Arial" panose="020B0604020202020204" pitchFamily="34" charset="0"/>
               </a:rPr>
-              <a:t>Availability </a:t>
+              <a:t>Availability Zone 1</a:t>
             </a:r>
-            <a:r>
-              <a:rPr lang="en-US" sz="1200" dirty="0" smtClean="0">
-                <a:solidFill>
-                  <a:srgbClr val="5B9CD5"/>
-                </a:solidFill>
-                <a:latin typeface="Arial" panose="020B0604020202020204" pitchFamily="34" charset="0"/>
-                <a:cs typeface="Arial" panose="020B0604020202020204" pitchFamily="34" charset="0"/>
-              </a:rPr>
-              <a:t>Zone 1</a:t>
-            </a:r>
-            <a:endParaRPr lang="en-US" sz="1200" dirty="0">
-              <a:solidFill>
-                <a:srgbClr val="5B9CD5"/>
-              </a:solidFill>
-              <a:latin typeface="Arial" panose="020B0604020202020204" pitchFamily="34" charset="0"/>
-              <a:cs typeface="Arial" panose="020B0604020202020204" pitchFamily="34" charset="0"/>
-            </a:endParaRPr>
           </a:p>
         </p:txBody>
       </p:sp>
@@ -19982,25 +19499,8 @@
                 <a:latin typeface="Arial" panose="020B0604020202020204" pitchFamily="34" charset="0"/>
                 <a:cs typeface="Arial" panose="020B0604020202020204" pitchFamily="34" charset="0"/>
               </a:rPr>
-              <a:t>Availability </a:t>
+              <a:t>Availability Zone 2</a:t>
             </a:r>
-            <a:r>
-              <a:rPr lang="en-US" sz="1200" dirty="0" smtClean="0">
-                <a:solidFill>
-                  <a:srgbClr val="5B9CD5"/>
-                </a:solidFill>
-                <a:latin typeface="Arial" panose="020B0604020202020204" pitchFamily="34" charset="0"/>
-                <a:cs typeface="Arial" panose="020B0604020202020204" pitchFamily="34" charset="0"/>
-              </a:rPr>
-              <a:t>Zone 2</a:t>
-            </a:r>
-            <a:endParaRPr lang="en-US" sz="1200" dirty="0">
-              <a:solidFill>
-                <a:srgbClr val="5B9CD5"/>
-              </a:solidFill>
-              <a:latin typeface="Arial" panose="020B0604020202020204" pitchFamily="34" charset="0"/>
-              <a:cs typeface="Arial" panose="020B0604020202020204" pitchFamily="34" charset="0"/>
-            </a:endParaRPr>
           </a:p>
         </p:txBody>
       </p:sp>
@@ -20019,7 +19519,7 @@
           <p:nvPr/>
         </p:nvPicPr>
         <p:blipFill>
-          <a:blip r:embed="rId35" cstate="print">
+          <a:blip r:embed="rId23" cstate="print">
             <a:extLst>
               <a:ext uri="{28A0092B-C50C-407E-A947-70E740481C1C}">
                 <a14:useLocalDpi xmlns:a14="http://schemas.microsoft.com/office/drawing/2010/main" val="0"/>
@@ -20220,21 +19720,8 @@
                 <a:ea typeface="Amazon Ember" panose="020B0603020204020204" pitchFamily="34" charset="0"/>
                 <a:cs typeface="Arial" panose="020B0604020202020204" pitchFamily="34" charset="0"/>
               </a:rPr>
-              <a:t>C</a:t>
+              <a:t>CloudWatch</a:t>
             </a:r>
-            <a:r>
-              <a:rPr lang="en-US" altLang="en-US" sz="1200" dirty="0" smtClean="0">
-                <a:latin typeface="Arial" panose="020B0604020202020204" pitchFamily="34" charset="0"/>
-                <a:ea typeface="Amazon Ember" panose="020B0603020204020204" pitchFamily="34" charset="0"/>
-                <a:cs typeface="Arial" panose="020B0604020202020204" pitchFamily="34" charset="0"/>
-              </a:rPr>
-              <a:t>loudWatch</a:t>
-            </a:r>
-            <a:endParaRPr lang="en-US" altLang="en-US" sz="1200" dirty="0">
-              <a:latin typeface="Arial" panose="020B0604020202020204" pitchFamily="34" charset="0"/>
-              <a:ea typeface="Amazon Ember" panose="020B0603020204020204" pitchFamily="34" charset="0"/>
-              <a:cs typeface="Arial" panose="020B0604020202020204" pitchFamily="34" charset="0"/>
-            </a:endParaRPr>
           </a:p>
         </p:txBody>
       </p:sp>
@@ -20253,7 +19740,7 @@
           <p:nvPr/>
         </p:nvPicPr>
         <p:blipFill>
-          <a:blip r:embed="rId36" cstate="print">
+          <a:blip r:embed="rId24" cstate="print">
             <a:extLst>
               <a:ext uri="{28A0092B-C50C-407E-A947-70E740481C1C}">
                 <a14:useLocalDpi xmlns:a14="http://schemas.microsoft.com/office/drawing/2010/main" val="0"/>
@@ -20449,20 +19936,12 @@
           <a:p>
             <a:pPr algn="ctr" eaLnBrk="1" hangingPunct="1"/>
             <a:r>
-              <a:rPr lang="en-US" altLang="en-US" sz="1200" dirty="0" smtClean="0">
+              <a:rPr lang="en-US" altLang="en-US" sz="1200" dirty="0">
                 <a:latin typeface="Arial" panose="020B0604020202020204" pitchFamily="34" charset="0"/>
                 <a:ea typeface="Amazon Ember" panose="020B0603020204020204" pitchFamily="34" charset="0"/>
                 <a:cs typeface="Arial" panose="020B0604020202020204" pitchFamily="34" charset="0"/>
               </a:rPr>
               <a:t>Kinesis</a:t>
-            </a:r>
-            <a:r>
-              <a:rPr lang="en-US" altLang="en-US" sz="1200" dirty="0">
-                <a:latin typeface="Arial" panose="020B0604020202020204" pitchFamily="34" charset="0"/>
-                <a:ea typeface="Amazon Ember" panose="020B0603020204020204" pitchFamily="34" charset="0"/>
-                <a:cs typeface="Arial" panose="020B0604020202020204" pitchFamily="34" charset="0"/>
-              </a:rPr>
-              <a:t/>
             </a:r>
             <a:br>
               <a:rPr lang="en-US" altLang="en-US" sz="1200" dirty="0">
@@ -20540,7 +20019,7 @@
               <a:defRPr/>
             </a:pPr>
             <a:r>
-              <a:rPr lang="en-US" sz="1200" dirty="0" smtClean="0">
+              <a:rPr lang="en-US" sz="1200" dirty="0">
                 <a:solidFill>
                   <a:srgbClr val="5A6B86"/>
                 </a:solidFill>
@@ -20549,13 +20028,6 @@
               </a:rPr>
               <a:t>Docker container</a:t>
             </a:r>
-            <a:endParaRPr lang="en-US" sz="1200" dirty="0">
-              <a:solidFill>
-                <a:srgbClr val="5A6B86"/>
-              </a:solidFill>
-              <a:latin typeface="Arial" panose="020B0604020202020204" pitchFamily="34" charset="0"/>
-              <a:cs typeface="Arial" panose="020B0604020202020204" pitchFamily="34" charset="0"/>
-            </a:endParaRPr>
           </a:p>
         </p:txBody>
       </p:sp>
